--- a/additional_scripts_and_materials/Analysis_of_RNA-seq_data _day3recap.pptx
+++ b/additional_scripts_and_materials/Analysis_of_RNA-seq_data _day3recap.pptx
@@ -5,37 +5,33 @@
     <p:sldMasterId id="2147483662" r:id="rId1"/>
   </p:sldMasterIdLst>
   <p:notesMasterIdLst>
-    <p:notesMasterId r:id="rId13"/>
+    <p:notesMasterId r:id="rId9"/>
   </p:notesMasterIdLst>
   <p:sldIdLst>
     <p:sldId id="256" r:id="rId2"/>
     <p:sldId id="257" r:id="rId3"/>
     <p:sldId id="258" r:id="rId4"/>
-    <p:sldId id="259" r:id="rId5"/>
-    <p:sldId id="260" r:id="rId6"/>
-    <p:sldId id="261" r:id="rId7"/>
-    <p:sldId id="262" r:id="rId8"/>
-    <p:sldId id="263" r:id="rId9"/>
-    <p:sldId id="264" r:id="rId10"/>
-    <p:sldId id="265" r:id="rId11"/>
-    <p:sldId id="266" r:id="rId12"/>
+    <p:sldId id="263" r:id="rId5"/>
+    <p:sldId id="264" r:id="rId6"/>
+    <p:sldId id="265" r:id="rId7"/>
+    <p:sldId id="266" r:id="rId8"/>
   </p:sldIdLst>
   <p:sldSz cx="9144000" cy="5143500" type="screen16x9"/>
   <p:notesSz cx="6858000" cy="9144000"/>
   <p:embeddedFontLst>
     <p:embeddedFont>
       <p:font typeface="Cabin" pitchFamily="2" charset="77"/>
+      <p:regular r:id="rId10"/>
+      <p:bold r:id="rId11"/>
+      <p:italic r:id="rId12"/>
+      <p:boldItalic r:id="rId13"/>
+    </p:embeddedFont>
+    <p:embeddedFont>
+      <p:font typeface="Playfair Display" pitchFamily="2" charset="77"/>
       <p:regular r:id="rId14"/>
       <p:bold r:id="rId15"/>
       <p:italic r:id="rId16"/>
       <p:boldItalic r:id="rId17"/>
-    </p:embeddedFont>
-    <p:embeddedFont>
-      <p:font typeface="Playfair Display" pitchFamily="2" charset="77"/>
-      <p:regular r:id="rId18"/>
-      <p:bold r:id="rId19"/>
-      <p:italic r:id="rId20"/>
-      <p:boldItalic r:id="rId21"/>
     </p:embeddedFont>
   </p:embeddedFontLst>
   <p:defaultTextStyle>
@@ -831,7 +827,423 @@
 </p:notes>
 </file>
 
-<file path=ppt/notesSlides/notesSlide10.xml><?xml version="1.0" encoding="utf-8"?>
+<file path=ppt/notesSlides/notesSlide2.xml><?xml version="1.0" encoding="utf-8"?>
+<p:notes xmlns:a="http://schemas.openxmlformats.org/drawingml/2006/main" xmlns:r="http://schemas.openxmlformats.org/officeDocument/2006/relationships" xmlns:p="http://schemas.openxmlformats.org/presentationml/2006/main" showMasterSp="0" showMasterPhAnim="0">
+  <p:cSld>
+    <p:spTree>
+      <p:nvGrpSpPr>
+        <p:cNvPr id="1" name="Shape 86"/>
+        <p:cNvGrpSpPr/>
+        <p:nvPr/>
+      </p:nvGrpSpPr>
+      <p:grpSpPr>
+        <a:xfrm>
+          <a:off x="0" y="0"/>
+          <a:ext cx="0" cy="0"/>
+          <a:chOff x="0" y="0"/>
+          <a:chExt cx="0" cy="0"/>
+        </a:xfrm>
+      </p:grpSpPr>
+      <p:sp>
+        <p:nvSpPr>
+          <p:cNvPr id="87" name="Google Shape;87;g104aa562ca2_0_81:notes"/>
+          <p:cNvSpPr>
+            <a:spLocks noGrp="1" noRot="1" noChangeAspect="1"/>
+          </p:cNvSpPr>
+          <p:nvPr>
+            <p:ph type="sldImg" idx="2"/>
+          </p:nvPr>
+        </p:nvSpPr>
+        <p:spPr>
+          <a:xfrm>
+            <a:off x="381000" y="685800"/>
+            <a:ext cx="6096000" cy="3429000"/>
+          </a:xfrm>
+          <a:custGeom>
+            <a:avLst/>
+            <a:gdLst/>
+            <a:ahLst/>
+            <a:cxnLst/>
+            <a:rect l="l" t="t" r="r" b="b"/>
+            <a:pathLst>
+              <a:path w="120000" h="120000" extrusionOk="0">
+                <a:moveTo>
+                  <a:pt x="0" y="0"/>
+                </a:moveTo>
+                <a:lnTo>
+                  <a:pt x="120000" y="0"/>
+                </a:lnTo>
+                <a:lnTo>
+                  <a:pt x="120000" y="120000"/>
+                </a:lnTo>
+                <a:lnTo>
+                  <a:pt x="0" y="120000"/>
+                </a:lnTo>
+                <a:close/>
+              </a:path>
+            </a:pathLst>
+          </a:custGeom>
+        </p:spPr>
+      </p:sp>
+      <p:sp>
+        <p:nvSpPr>
+          <p:cNvPr id="88" name="Google Shape;88;g104aa562ca2_0_81:notes"/>
+          <p:cNvSpPr txBox="1">
+            <a:spLocks noGrp="1"/>
+          </p:cNvSpPr>
+          <p:nvPr>
+            <p:ph type="body" idx="1"/>
+          </p:nvPr>
+        </p:nvSpPr>
+        <p:spPr>
+          <a:xfrm>
+            <a:off x="685800" y="4343400"/>
+            <a:ext cx="5486400" cy="4114800"/>
+          </a:xfrm>
+          <a:prstGeom prst="rect">
+            <a:avLst/>
+          </a:prstGeom>
+        </p:spPr>
+        <p:txBody>
+          <a:bodyPr spcFirstLastPara="1" wrap="square" lIns="91425" tIns="91425" rIns="91425" bIns="91425" anchor="t" anchorCtr="0">
+            <a:noAutofit/>
+          </a:bodyPr>
+          <a:lstStyle/>
+          <a:p>
+            <a:pPr marL="0" lvl="0" indent="0" algn="l" rtl="0">
+              <a:spcBef>
+                <a:spcPts val="0"/>
+              </a:spcBef>
+              <a:spcAft>
+                <a:spcPts val="0"/>
+              </a:spcAft>
+              <a:buNone/>
+            </a:pPr>
+            <a:endParaRPr/>
+          </a:p>
+        </p:txBody>
+      </p:sp>
+    </p:spTree>
+  </p:cSld>
+  <p:clrMapOvr>
+    <a:masterClrMapping/>
+  </p:clrMapOvr>
+</p:notes>
+</file>
+
+<file path=ppt/notesSlides/notesSlide3.xml><?xml version="1.0" encoding="utf-8"?>
+<p:notes xmlns:a="http://schemas.openxmlformats.org/drawingml/2006/main" xmlns:r="http://schemas.openxmlformats.org/officeDocument/2006/relationships" xmlns:p="http://schemas.openxmlformats.org/presentationml/2006/main" showMasterSp="0" showMasterPhAnim="0">
+  <p:cSld>
+    <p:spTree>
+      <p:nvGrpSpPr>
+        <p:cNvPr id="1" name="Shape 92"/>
+        <p:cNvGrpSpPr/>
+        <p:nvPr/>
+      </p:nvGrpSpPr>
+      <p:grpSpPr>
+        <a:xfrm>
+          <a:off x="0" y="0"/>
+          <a:ext cx="0" cy="0"/>
+          <a:chOff x="0" y="0"/>
+          <a:chExt cx="0" cy="0"/>
+        </a:xfrm>
+      </p:grpSpPr>
+      <p:sp>
+        <p:nvSpPr>
+          <p:cNvPr id="93" name="Google Shape;93;g117f9431a18_0_0:notes"/>
+          <p:cNvSpPr>
+            <a:spLocks noGrp="1" noRot="1" noChangeAspect="1"/>
+          </p:cNvSpPr>
+          <p:nvPr>
+            <p:ph type="sldImg" idx="2"/>
+          </p:nvPr>
+        </p:nvSpPr>
+        <p:spPr>
+          <a:xfrm>
+            <a:off x="381000" y="685800"/>
+            <a:ext cx="6096000" cy="3429000"/>
+          </a:xfrm>
+          <a:custGeom>
+            <a:avLst/>
+            <a:gdLst/>
+            <a:ahLst/>
+            <a:cxnLst/>
+            <a:rect l="l" t="t" r="r" b="b"/>
+            <a:pathLst>
+              <a:path w="120000" h="120000" extrusionOk="0">
+                <a:moveTo>
+                  <a:pt x="0" y="0"/>
+                </a:moveTo>
+                <a:lnTo>
+                  <a:pt x="120000" y="0"/>
+                </a:lnTo>
+                <a:lnTo>
+                  <a:pt x="120000" y="120000"/>
+                </a:lnTo>
+                <a:lnTo>
+                  <a:pt x="0" y="120000"/>
+                </a:lnTo>
+                <a:close/>
+              </a:path>
+            </a:pathLst>
+          </a:custGeom>
+        </p:spPr>
+      </p:sp>
+      <p:sp>
+        <p:nvSpPr>
+          <p:cNvPr id="94" name="Google Shape;94;g117f9431a18_0_0:notes"/>
+          <p:cNvSpPr txBox="1">
+            <a:spLocks noGrp="1"/>
+          </p:cNvSpPr>
+          <p:nvPr>
+            <p:ph type="body" idx="1"/>
+          </p:nvPr>
+        </p:nvSpPr>
+        <p:spPr>
+          <a:xfrm>
+            <a:off x="685800" y="4343400"/>
+            <a:ext cx="5486400" cy="4114800"/>
+          </a:xfrm>
+          <a:prstGeom prst="rect">
+            <a:avLst/>
+          </a:prstGeom>
+        </p:spPr>
+        <p:txBody>
+          <a:bodyPr spcFirstLastPara="1" wrap="square" lIns="91425" tIns="91425" rIns="91425" bIns="91425" anchor="t" anchorCtr="0">
+            <a:noAutofit/>
+          </a:bodyPr>
+          <a:lstStyle/>
+          <a:p>
+            <a:pPr marL="0" lvl="0" indent="0" algn="l" rtl="0">
+              <a:spcBef>
+                <a:spcPts val="0"/>
+              </a:spcBef>
+              <a:spcAft>
+                <a:spcPts val="0"/>
+              </a:spcAft>
+              <a:buNone/>
+            </a:pPr>
+            <a:endParaRPr/>
+          </a:p>
+        </p:txBody>
+      </p:sp>
+    </p:spTree>
+  </p:cSld>
+  <p:clrMapOvr>
+    <a:masterClrMapping/>
+  </p:clrMapOvr>
+</p:notes>
+</file>
+
+<file path=ppt/notesSlides/notesSlide4.xml><?xml version="1.0" encoding="utf-8"?>
+<p:notes xmlns:a="http://schemas.openxmlformats.org/drawingml/2006/main" xmlns:r="http://schemas.openxmlformats.org/officeDocument/2006/relationships" xmlns:p="http://schemas.openxmlformats.org/presentationml/2006/main" showMasterSp="0" showMasterPhAnim="0">
+  <p:cSld>
+    <p:spTree>
+      <p:nvGrpSpPr>
+        <p:cNvPr id="1" name="Shape 160"/>
+        <p:cNvGrpSpPr/>
+        <p:nvPr/>
+      </p:nvGrpSpPr>
+      <p:grpSpPr>
+        <a:xfrm>
+          <a:off x="0" y="0"/>
+          <a:ext cx="0" cy="0"/>
+          <a:chOff x="0" y="0"/>
+          <a:chExt cx="0" cy="0"/>
+        </a:xfrm>
+      </p:grpSpPr>
+      <p:sp>
+        <p:nvSpPr>
+          <p:cNvPr id="161" name="Google Shape;161;g117eb975a62_0_0:notes"/>
+          <p:cNvSpPr>
+            <a:spLocks noGrp="1" noRot="1" noChangeAspect="1"/>
+          </p:cNvSpPr>
+          <p:nvPr>
+            <p:ph type="sldImg" idx="2"/>
+          </p:nvPr>
+        </p:nvSpPr>
+        <p:spPr>
+          <a:xfrm>
+            <a:off x="381000" y="685800"/>
+            <a:ext cx="6096000" cy="3429000"/>
+          </a:xfrm>
+          <a:custGeom>
+            <a:avLst/>
+            <a:gdLst/>
+            <a:ahLst/>
+            <a:cxnLst/>
+            <a:rect l="l" t="t" r="r" b="b"/>
+            <a:pathLst>
+              <a:path w="120000" h="120000" extrusionOk="0">
+                <a:moveTo>
+                  <a:pt x="0" y="0"/>
+                </a:moveTo>
+                <a:lnTo>
+                  <a:pt x="120000" y="0"/>
+                </a:lnTo>
+                <a:lnTo>
+                  <a:pt x="120000" y="120000"/>
+                </a:lnTo>
+                <a:lnTo>
+                  <a:pt x="0" y="120000"/>
+                </a:lnTo>
+                <a:close/>
+              </a:path>
+            </a:pathLst>
+          </a:custGeom>
+        </p:spPr>
+      </p:sp>
+      <p:sp>
+        <p:nvSpPr>
+          <p:cNvPr id="162" name="Google Shape;162;g117eb975a62_0_0:notes"/>
+          <p:cNvSpPr txBox="1">
+            <a:spLocks noGrp="1"/>
+          </p:cNvSpPr>
+          <p:nvPr>
+            <p:ph type="body" idx="1"/>
+          </p:nvPr>
+        </p:nvSpPr>
+        <p:spPr>
+          <a:xfrm>
+            <a:off x="685800" y="4343400"/>
+            <a:ext cx="5486400" cy="4114800"/>
+          </a:xfrm>
+          <a:prstGeom prst="rect">
+            <a:avLst/>
+          </a:prstGeom>
+        </p:spPr>
+        <p:txBody>
+          <a:bodyPr spcFirstLastPara="1" wrap="square" lIns="91425" tIns="91425" rIns="91425" bIns="91425" anchor="t" anchorCtr="0">
+            <a:noAutofit/>
+          </a:bodyPr>
+          <a:lstStyle/>
+          <a:p>
+            <a:pPr marL="0" lvl="0" indent="0" algn="l" rtl="0">
+              <a:spcBef>
+                <a:spcPts val="0"/>
+              </a:spcBef>
+              <a:spcAft>
+                <a:spcPts val="0"/>
+              </a:spcAft>
+              <a:buNone/>
+            </a:pPr>
+            <a:endParaRPr/>
+          </a:p>
+        </p:txBody>
+      </p:sp>
+    </p:spTree>
+  </p:cSld>
+  <p:clrMapOvr>
+    <a:masterClrMapping/>
+  </p:clrMapOvr>
+</p:notes>
+</file>
+
+<file path=ppt/notesSlides/notesSlide5.xml><?xml version="1.0" encoding="utf-8"?>
+<p:notes xmlns:a="http://schemas.openxmlformats.org/drawingml/2006/main" xmlns:r="http://schemas.openxmlformats.org/officeDocument/2006/relationships" xmlns:p="http://schemas.openxmlformats.org/presentationml/2006/main" showMasterSp="0" showMasterPhAnim="0">
+  <p:cSld>
+    <p:spTree>
+      <p:nvGrpSpPr>
+        <p:cNvPr id="1" name="Shape 166"/>
+        <p:cNvGrpSpPr/>
+        <p:nvPr/>
+      </p:nvGrpSpPr>
+      <p:grpSpPr>
+        <a:xfrm>
+          <a:off x="0" y="0"/>
+          <a:ext cx="0" cy="0"/>
+          <a:chOff x="0" y="0"/>
+          <a:chExt cx="0" cy="0"/>
+        </a:xfrm>
+      </p:grpSpPr>
+      <p:sp>
+        <p:nvSpPr>
+          <p:cNvPr id="167" name="Google Shape;167;g104aa562ca2_0_505:notes"/>
+          <p:cNvSpPr>
+            <a:spLocks noGrp="1" noRot="1" noChangeAspect="1"/>
+          </p:cNvSpPr>
+          <p:nvPr>
+            <p:ph type="sldImg" idx="2"/>
+          </p:nvPr>
+        </p:nvSpPr>
+        <p:spPr>
+          <a:xfrm>
+            <a:off x="381000" y="685800"/>
+            <a:ext cx="6096000" cy="3429000"/>
+          </a:xfrm>
+          <a:custGeom>
+            <a:avLst/>
+            <a:gdLst/>
+            <a:ahLst/>
+            <a:cxnLst/>
+            <a:rect l="l" t="t" r="r" b="b"/>
+            <a:pathLst>
+              <a:path w="120000" h="120000" extrusionOk="0">
+                <a:moveTo>
+                  <a:pt x="0" y="0"/>
+                </a:moveTo>
+                <a:lnTo>
+                  <a:pt x="120000" y="0"/>
+                </a:lnTo>
+                <a:lnTo>
+                  <a:pt x="120000" y="120000"/>
+                </a:lnTo>
+                <a:lnTo>
+                  <a:pt x="0" y="120000"/>
+                </a:lnTo>
+                <a:close/>
+              </a:path>
+            </a:pathLst>
+          </a:custGeom>
+        </p:spPr>
+      </p:sp>
+      <p:sp>
+        <p:nvSpPr>
+          <p:cNvPr id="168" name="Google Shape;168;g104aa562ca2_0_505:notes"/>
+          <p:cNvSpPr txBox="1">
+            <a:spLocks noGrp="1"/>
+          </p:cNvSpPr>
+          <p:nvPr>
+            <p:ph type="body" idx="1"/>
+          </p:nvPr>
+        </p:nvSpPr>
+        <p:spPr>
+          <a:xfrm>
+            <a:off x="685800" y="4343400"/>
+            <a:ext cx="5486400" cy="4114800"/>
+          </a:xfrm>
+          <a:prstGeom prst="rect">
+            <a:avLst/>
+          </a:prstGeom>
+        </p:spPr>
+        <p:txBody>
+          <a:bodyPr spcFirstLastPara="1" wrap="square" lIns="91425" tIns="91425" rIns="91425" bIns="91425" anchor="t" anchorCtr="0">
+            <a:noAutofit/>
+          </a:bodyPr>
+          <a:lstStyle/>
+          <a:p>
+            <a:pPr marL="0" lvl="0" indent="0" algn="l" rtl="0">
+              <a:spcBef>
+                <a:spcPts val="0"/>
+              </a:spcBef>
+              <a:spcAft>
+                <a:spcPts val="0"/>
+              </a:spcAft>
+              <a:buNone/>
+            </a:pPr>
+            <a:endParaRPr/>
+          </a:p>
+        </p:txBody>
+      </p:sp>
+    </p:spTree>
+  </p:cSld>
+  <p:clrMapOvr>
+    <a:masterClrMapping/>
+  </p:clrMapOvr>
+</p:notes>
+</file>
+
+<file path=ppt/notesSlides/notesSlide6.xml><?xml version="1.0" encoding="utf-8"?>
 <p:notes xmlns:a="http://schemas.openxmlformats.org/drawingml/2006/main" xmlns:r="http://schemas.openxmlformats.org/officeDocument/2006/relationships" xmlns:p="http://schemas.openxmlformats.org/presentationml/2006/main" showMasterSp="0" showMasterPhAnim="0">
   <p:cSld>
     <p:spTree>
@@ -860,7 +1272,7 @@
         </p:nvSpPr>
         <p:spPr>
           <a:xfrm>
-            <a:off x="381300" y="685800"/>
+            <a:off x="381000" y="685800"/>
             <a:ext cx="6096000" cy="3429000"/>
           </a:xfrm>
           <a:custGeom>
@@ -935,839 +1347,7 @@
 </p:notes>
 </file>
 
-<file path=ppt/notesSlides/notesSlide11.xml><?xml version="1.0" encoding="utf-8"?>
-<p:notes xmlns:a="http://schemas.openxmlformats.org/drawingml/2006/main" xmlns:r="http://schemas.openxmlformats.org/officeDocument/2006/relationships" xmlns:p="http://schemas.openxmlformats.org/presentationml/2006/main" showMasterSp="0" showMasterPhAnim="0">
-  <p:cSld>
-    <p:spTree>
-      <p:nvGrpSpPr>
-        <p:cNvPr id="1" name="Shape 234"/>
-        <p:cNvGrpSpPr/>
-        <p:nvPr/>
-      </p:nvGrpSpPr>
-      <p:grpSpPr>
-        <a:xfrm>
-          <a:off x="0" y="0"/>
-          <a:ext cx="0" cy="0"/>
-          <a:chOff x="0" y="0"/>
-          <a:chExt cx="0" cy="0"/>
-        </a:xfrm>
-      </p:grpSpPr>
-      <p:sp>
-        <p:nvSpPr>
-          <p:cNvPr id="235" name="Google Shape;235;g117eb975a62_0_6:notes"/>
-          <p:cNvSpPr>
-            <a:spLocks noGrp="1" noRot="1" noChangeAspect="1"/>
-          </p:cNvSpPr>
-          <p:nvPr>
-            <p:ph type="sldImg" idx="2"/>
-          </p:nvPr>
-        </p:nvSpPr>
-        <p:spPr>
-          <a:xfrm>
-            <a:off x="381000" y="685800"/>
-            <a:ext cx="6096000" cy="3429000"/>
-          </a:xfrm>
-          <a:custGeom>
-            <a:avLst/>
-            <a:gdLst/>
-            <a:ahLst/>
-            <a:cxnLst/>
-            <a:rect l="l" t="t" r="r" b="b"/>
-            <a:pathLst>
-              <a:path w="120000" h="120000" extrusionOk="0">
-                <a:moveTo>
-                  <a:pt x="0" y="0"/>
-                </a:moveTo>
-                <a:lnTo>
-                  <a:pt x="120000" y="0"/>
-                </a:lnTo>
-                <a:lnTo>
-                  <a:pt x="120000" y="120000"/>
-                </a:lnTo>
-                <a:lnTo>
-                  <a:pt x="0" y="120000"/>
-                </a:lnTo>
-                <a:close/>
-              </a:path>
-            </a:pathLst>
-          </a:custGeom>
-        </p:spPr>
-      </p:sp>
-      <p:sp>
-        <p:nvSpPr>
-          <p:cNvPr id="236" name="Google Shape;236;g117eb975a62_0_6:notes"/>
-          <p:cNvSpPr txBox="1">
-            <a:spLocks noGrp="1"/>
-          </p:cNvSpPr>
-          <p:nvPr>
-            <p:ph type="body" idx="1"/>
-          </p:nvPr>
-        </p:nvSpPr>
-        <p:spPr>
-          <a:xfrm>
-            <a:off x="685800" y="4343400"/>
-            <a:ext cx="5486400" cy="4114800"/>
-          </a:xfrm>
-          <a:prstGeom prst="rect">
-            <a:avLst/>
-          </a:prstGeom>
-        </p:spPr>
-        <p:txBody>
-          <a:bodyPr spcFirstLastPara="1" wrap="square" lIns="91425" tIns="91425" rIns="91425" bIns="91425" anchor="t" anchorCtr="0">
-            <a:noAutofit/>
-          </a:bodyPr>
-          <a:lstStyle/>
-          <a:p>
-            <a:pPr marL="0" lvl="0" indent="0" algn="l" rtl="0">
-              <a:spcBef>
-                <a:spcPts val="0"/>
-              </a:spcBef>
-              <a:spcAft>
-                <a:spcPts val="0"/>
-              </a:spcAft>
-              <a:buNone/>
-            </a:pPr>
-            <a:endParaRPr/>
-          </a:p>
-        </p:txBody>
-      </p:sp>
-    </p:spTree>
-  </p:cSld>
-  <p:clrMapOvr>
-    <a:masterClrMapping/>
-  </p:clrMapOvr>
-</p:notes>
-</file>
-
-<file path=ppt/notesSlides/notesSlide2.xml><?xml version="1.0" encoding="utf-8"?>
-<p:notes xmlns:a="http://schemas.openxmlformats.org/drawingml/2006/main" xmlns:r="http://schemas.openxmlformats.org/officeDocument/2006/relationships" xmlns:p="http://schemas.openxmlformats.org/presentationml/2006/main" showMasterSp="0" showMasterPhAnim="0">
-  <p:cSld>
-    <p:spTree>
-      <p:nvGrpSpPr>
-        <p:cNvPr id="1" name="Shape 86"/>
-        <p:cNvGrpSpPr/>
-        <p:nvPr/>
-      </p:nvGrpSpPr>
-      <p:grpSpPr>
-        <a:xfrm>
-          <a:off x="0" y="0"/>
-          <a:ext cx="0" cy="0"/>
-          <a:chOff x="0" y="0"/>
-          <a:chExt cx="0" cy="0"/>
-        </a:xfrm>
-      </p:grpSpPr>
-      <p:sp>
-        <p:nvSpPr>
-          <p:cNvPr id="87" name="Google Shape;87;g104aa562ca2_0_81:notes"/>
-          <p:cNvSpPr>
-            <a:spLocks noGrp="1" noRot="1" noChangeAspect="1"/>
-          </p:cNvSpPr>
-          <p:nvPr>
-            <p:ph type="sldImg" idx="2"/>
-          </p:nvPr>
-        </p:nvSpPr>
-        <p:spPr>
-          <a:xfrm>
-            <a:off x="381300" y="685800"/>
-            <a:ext cx="6096000" cy="3429000"/>
-          </a:xfrm>
-          <a:custGeom>
-            <a:avLst/>
-            <a:gdLst/>
-            <a:ahLst/>
-            <a:cxnLst/>
-            <a:rect l="l" t="t" r="r" b="b"/>
-            <a:pathLst>
-              <a:path w="120000" h="120000" extrusionOk="0">
-                <a:moveTo>
-                  <a:pt x="0" y="0"/>
-                </a:moveTo>
-                <a:lnTo>
-                  <a:pt x="120000" y="0"/>
-                </a:lnTo>
-                <a:lnTo>
-                  <a:pt x="120000" y="120000"/>
-                </a:lnTo>
-                <a:lnTo>
-                  <a:pt x="0" y="120000"/>
-                </a:lnTo>
-                <a:close/>
-              </a:path>
-            </a:pathLst>
-          </a:custGeom>
-        </p:spPr>
-      </p:sp>
-      <p:sp>
-        <p:nvSpPr>
-          <p:cNvPr id="88" name="Google Shape;88;g104aa562ca2_0_81:notes"/>
-          <p:cNvSpPr txBox="1">
-            <a:spLocks noGrp="1"/>
-          </p:cNvSpPr>
-          <p:nvPr>
-            <p:ph type="body" idx="1"/>
-          </p:nvPr>
-        </p:nvSpPr>
-        <p:spPr>
-          <a:xfrm>
-            <a:off x="685800" y="4343400"/>
-            <a:ext cx="5486400" cy="4114800"/>
-          </a:xfrm>
-          <a:prstGeom prst="rect">
-            <a:avLst/>
-          </a:prstGeom>
-        </p:spPr>
-        <p:txBody>
-          <a:bodyPr spcFirstLastPara="1" wrap="square" lIns="91425" tIns="91425" rIns="91425" bIns="91425" anchor="t" anchorCtr="0">
-            <a:noAutofit/>
-          </a:bodyPr>
-          <a:lstStyle/>
-          <a:p>
-            <a:pPr marL="0" lvl="0" indent="0" algn="l" rtl="0">
-              <a:spcBef>
-                <a:spcPts val="0"/>
-              </a:spcBef>
-              <a:spcAft>
-                <a:spcPts val="0"/>
-              </a:spcAft>
-              <a:buNone/>
-            </a:pPr>
-            <a:endParaRPr/>
-          </a:p>
-        </p:txBody>
-      </p:sp>
-    </p:spTree>
-  </p:cSld>
-  <p:clrMapOvr>
-    <a:masterClrMapping/>
-  </p:clrMapOvr>
-</p:notes>
-</file>
-
-<file path=ppt/notesSlides/notesSlide3.xml><?xml version="1.0" encoding="utf-8"?>
-<p:notes xmlns:a="http://schemas.openxmlformats.org/drawingml/2006/main" xmlns:r="http://schemas.openxmlformats.org/officeDocument/2006/relationships" xmlns:p="http://schemas.openxmlformats.org/presentationml/2006/main" showMasterSp="0" showMasterPhAnim="0">
-  <p:cSld>
-    <p:spTree>
-      <p:nvGrpSpPr>
-        <p:cNvPr id="1" name="Shape 92"/>
-        <p:cNvGrpSpPr/>
-        <p:nvPr/>
-      </p:nvGrpSpPr>
-      <p:grpSpPr>
-        <a:xfrm>
-          <a:off x="0" y="0"/>
-          <a:ext cx="0" cy="0"/>
-          <a:chOff x="0" y="0"/>
-          <a:chExt cx="0" cy="0"/>
-        </a:xfrm>
-      </p:grpSpPr>
-      <p:sp>
-        <p:nvSpPr>
-          <p:cNvPr id="93" name="Google Shape;93;g117f9431a18_0_0:notes"/>
-          <p:cNvSpPr>
-            <a:spLocks noGrp="1" noRot="1" noChangeAspect="1"/>
-          </p:cNvSpPr>
-          <p:nvPr>
-            <p:ph type="sldImg" idx="2"/>
-          </p:nvPr>
-        </p:nvSpPr>
-        <p:spPr>
-          <a:xfrm>
-            <a:off x="381300" y="685800"/>
-            <a:ext cx="6096000" cy="3429000"/>
-          </a:xfrm>
-          <a:custGeom>
-            <a:avLst/>
-            <a:gdLst/>
-            <a:ahLst/>
-            <a:cxnLst/>
-            <a:rect l="l" t="t" r="r" b="b"/>
-            <a:pathLst>
-              <a:path w="120000" h="120000" extrusionOk="0">
-                <a:moveTo>
-                  <a:pt x="0" y="0"/>
-                </a:moveTo>
-                <a:lnTo>
-                  <a:pt x="120000" y="0"/>
-                </a:lnTo>
-                <a:lnTo>
-                  <a:pt x="120000" y="120000"/>
-                </a:lnTo>
-                <a:lnTo>
-                  <a:pt x="0" y="120000"/>
-                </a:lnTo>
-                <a:close/>
-              </a:path>
-            </a:pathLst>
-          </a:custGeom>
-        </p:spPr>
-      </p:sp>
-      <p:sp>
-        <p:nvSpPr>
-          <p:cNvPr id="94" name="Google Shape;94;g117f9431a18_0_0:notes"/>
-          <p:cNvSpPr txBox="1">
-            <a:spLocks noGrp="1"/>
-          </p:cNvSpPr>
-          <p:nvPr>
-            <p:ph type="body" idx="1"/>
-          </p:nvPr>
-        </p:nvSpPr>
-        <p:spPr>
-          <a:xfrm>
-            <a:off x="685800" y="4343400"/>
-            <a:ext cx="5486400" cy="4114800"/>
-          </a:xfrm>
-          <a:prstGeom prst="rect">
-            <a:avLst/>
-          </a:prstGeom>
-        </p:spPr>
-        <p:txBody>
-          <a:bodyPr spcFirstLastPara="1" wrap="square" lIns="91425" tIns="91425" rIns="91425" bIns="91425" anchor="t" anchorCtr="0">
-            <a:noAutofit/>
-          </a:bodyPr>
-          <a:lstStyle/>
-          <a:p>
-            <a:pPr marL="0" lvl="0" indent="0" algn="l" rtl="0">
-              <a:spcBef>
-                <a:spcPts val="0"/>
-              </a:spcBef>
-              <a:spcAft>
-                <a:spcPts val="0"/>
-              </a:spcAft>
-              <a:buNone/>
-            </a:pPr>
-            <a:endParaRPr/>
-          </a:p>
-        </p:txBody>
-      </p:sp>
-    </p:spTree>
-  </p:cSld>
-  <p:clrMapOvr>
-    <a:masterClrMapping/>
-  </p:clrMapOvr>
-</p:notes>
-</file>
-
-<file path=ppt/notesSlides/notesSlide4.xml><?xml version="1.0" encoding="utf-8"?>
-<p:notes xmlns:a="http://schemas.openxmlformats.org/drawingml/2006/main" xmlns:r="http://schemas.openxmlformats.org/officeDocument/2006/relationships" xmlns:p="http://schemas.openxmlformats.org/presentationml/2006/main" showMasterSp="0" showMasterPhAnim="0">
-  <p:cSld>
-    <p:spTree>
-      <p:nvGrpSpPr>
-        <p:cNvPr id="1" name="Shape 98"/>
-        <p:cNvGrpSpPr/>
-        <p:nvPr/>
-      </p:nvGrpSpPr>
-      <p:grpSpPr>
-        <a:xfrm>
-          <a:off x="0" y="0"/>
-          <a:ext cx="0" cy="0"/>
-          <a:chOff x="0" y="0"/>
-          <a:chExt cx="0" cy="0"/>
-        </a:xfrm>
-      </p:grpSpPr>
-      <p:sp>
-        <p:nvSpPr>
-          <p:cNvPr id="99" name="Google Shape;99;g104aa562ca2_0_309:notes"/>
-          <p:cNvSpPr>
-            <a:spLocks noGrp="1" noRot="1" noChangeAspect="1"/>
-          </p:cNvSpPr>
-          <p:nvPr>
-            <p:ph type="sldImg" idx="2"/>
-          </p:nvPr>
-        </p:nvSpPr>
-        <p:spPr>
-          <a:xfrm>
-            <a:off x="381300" y="685800"/>
-            <a:ext cx="6096000" cy="3429000"/>
-          </a:xfrm>
-          <a:custGeom>
-            <a:avLst/>
-            <a:gdLst/>
-            <a:ahLst/>
-            <a:cxnLst/>
-            <a:rect l="l" t="t" r="r" b="b"/>
-            <a:pathLst>
-              <a:path w="120000" h="120000" extrusionOk="0">
-                <a:moveTo>
-                  <a:pt x="0" y="0"/>
-                </a:moveTo>
-                <a:lnTo>
-                  <a:pt x="120000" y="0"/>
-                </a:lnTo>
-                <a:lnTo>
-                  <a:pt x="120000" y="120000"/>
-                </a:lnTo>
-                <a:lnTo>
-                  <a:pt x="0" y="120000"/>
-                </a:lnTo>
-                <a:close/>
-              </a:path>
-            </a:pathLst>
-          </a:custGeom>
-        </p:spPr>
-      </p:sp>
-      <p:sp>
-        <p:nvSpPr>
-          <p:cNvPr id="100" name="Google Shape;100;g104aa562ca2_0_309:notes"/>
-          <p:cNvSpPr txBox="1">
-            <a:spLocks noGrp="1"/>
-          </p:cNvSpPr>
-          <p:nvPr>
-            <p:ph type="body" idx="1"/>
-          </p:nvPr>
-        </p:nvSpPr>
-        <p:spPr>
-          <a:xfrm>
-            <a:off x="685800" y="4343400"/>
-            <a:ext cx="5486400" cy="4114800"/>
-          </a:xfrm>
-          <a:prstGeom prst="rect">
-            <a:avLst/>
-          </a:prstGeom>
-        </p:spPr>
-        <p:txBody>
-          <a:bodyPr spcFirstLastPara="1" wrap="square" lIns="91425" tIns="91425" rIns="91425" bIns="91425" anchor="t" anchorCtr="0">
-            <a:noAutofit/>
-          </a:bodyPr>
-          <a:lstStyle/>
-          <a:p>
-            <a:pPr marL="0" lvl="0" indent="0" algn="l" rtl="0">
-              <a:spcBef>
-                <a:spcPts val="0"/>
-              </a:spcBef>
-              <a:spcAft>
-                <a:spcPts val="0"/>
-              </a:spcAft>
-              <a:buNone/>
-            </a:pPr>
-            <a:endParaRPr/>
-          </a:p>
-        </p:txBody>
-      </p:sp>
-    </p:spTree>
-  </p:cSld>
-  <p:clrMapOvr>
-    <a:masterClrMapping/>
-  </p:clrMapOvr>
-</p:notes>
-</file>
-
-<file path=ppt/notesSlides/notesSlide5.xml><?xml version="1.0" encoding="utf-8"?>
-<p:notes xmlns:a="http://schemas.openxmlformats.org/drawingml/2006/main" xmlns:r="http://schemas.openxmlformats.org/officeDocument/2006/relationships" xmlns:p="http://schemas.openxmlformats.org/presentationml/2006/main" showMasterSp="0" showMasterPhAnim="0">
-  <p:cSld>
-    <p:spTree>
-      <p:nvGrpSpPr>
-        <p:cNvPr id="1" name="Shape 108"/>
-        <p:cNvGrpSpPr/>
-        <p:nvPr/>
-      </p:nvGrpSpPr>
-      <p:grpSpPr>
-        <a:xfrm>
-          <a:off x="0" y="0"/>
-          <a:ext cx="0" cy="0"/>
-          <a:chOff x="0" y="0"/>
-          <a:chExt cx="0" cy="0"/>
-        </a:xfrm>
-      </p:grpSpPr>
-      <p:sp>
-        <p:nvSpPr>
-          <p:cNvPr id="109" name="Google Shape;109;g104aa562ca2_0_358:notes"/>
-          <p:cNvSpPr>
-            <a:spLocks noGrp="1" noRot="1" noChangeAspect="1"/>
-          </p:cNvSpPr>
-          <p:nvPr>
-            <p:ph type="sldImg" idx="2"/>
-          </p:nvPr>
-        </p:nvSpPr>
-        <p:spPr>
-          <a:xfrm>
-            <a:off x="381300" y="685800"/>
-            <a:ext cx="6096000" cy="3429000"/>
-          </a:xfrm>
-          <a:custGeom>
-            <a:avLst/>
-            <a:gdLst/>
-            <a:ahLst/>
-            <a:cxnLst/>
-            <a:rect l="l" t="t" r="r" b="b"/>
-            <a:pathLst>
-              <a:path w="120000" h="120000" extrusionOk="0">
-                <a:moveTo>
-                  <a:pt x="0" y="0"/>
-                </a:moveTo>
-                <a:lnTo>
-                  <a:pt x="120000" y="0"/>
-                </a:lnTo>
-                <a:lnTo>
-                  <a:pt x="120000" y="120000"/>
-                </a:lnTo>
-                <a:lnTo>
-                  <a:pt x="0" y="120000"/>
-                </a:lnTo>
-                <a:close/>
-              </a:path>
-            </a:pathLst>
-          </a:custGeom>
-        </p:spPr>
-      </p:sp>
-      <p:sp>
-        <p:nvSpPr>
-          <p:cNvPr id="110" name="Google Shape;110;g104aa562ca2_0_358:notes"/>
-          <p:cNvSpPr txBox="1">
-            <a:spLocks noGrp="1"/>
-          </p:cNvSpPr>
-          <p:nvPr>
-            <p:ph type="body" idx="1"/>
-          </p:nvPr>
-        </p:nvSpPr>
-        <p:spPr>
-          <a:xfrm>
-            <a:off x="685800" y="4343400"/>
-            <a:ext cx="5486400" cy="4114800"/>
-          </a:xfrm>
-          <a:prstGeom prst="rect">
-            <a:avLst/>
-          </a:prstGeom>
-        </p:spPr>
-        <p:txBody>
-          <a:bodyPr spcFirstLastPara="1" wrap="square" lIns="91425" tIns="91425" rIns="91425" bIns="91425" anchor="t" anchorCtr="0">
-            <a:noAutofit/>
-          </a:bodyPr>
-          <a:lstStyle/>
-          <a:p>
-            <a:pPr marL="0" lvl="0" indent="0" algn="l" rtl="0">
-              <a:spcBef>
-                <a:spcPts val="0"/>
-              </a:spcBef>
-              <a:spcAft>
-                <a:spcPts val="0"/>
-              </a:spcAft>
-              <a:buNone/>
-            </a:pPr>
-            <a:endParaRPr/>
-          </a:p>
-        </p:txBody>
-      </p:sp>
-    </p:spTree>
-  </p:cSld>
-  <p:clrMapOvr>
-    <a:masterClrMapping/>
-  </p:clrMapOvr>
-</p:notes>
-</file>
-
-<file path=ppt/notesSlides/notesSlide6.xml><?xml version="1.0" encoding="utf-8"?>
-<p:notes xmlns:a="http://schemas.openxmlformats.org/drawingml/2006/main" xmlns:r="http://schemas.openxmlformats.org/officeDocument/2006/relationships" xmlns:p="http://schemas.openxmlformats.org/presentationml/2006/main" showMasterSp="0" showMasterPhAnim="0">
-  <p:cSld>
-    <p:spTree>
-      <p:nvGrpSpPr>
-        <p:cNvPr id="1" name="Shape 122"/>
-        <p:cNvGrpSpPr/>
-        <p:nvPr/>
-      </p:nvGrpSpPr>
-      <p:grpSpPr>
-        <a:xfrm>
-          <a:off x="0" y="0"/>
-          <a:ext cx="0" cy="0"/>
-          <a:chOff x="0" y="0"/>
-          <a:chExt cx="0" cy="0"/>
-        </a:xfrm>
-      </p:grpSpPr>
-      <p:sp>
-        <p:nvSpPr>
-          <p:cNvPr id="123" name="Google Shape;123;g104aa562ca2_0_98:notes"/>
-          <p:cNvSpPr>
-            <a:spLocks noGrp="1" noRot="1" noChangeAspect="1"/>
-          </p:cNvSpPr>
-          <p:nvPr>
-            <p:ph type="sldImg" idx="2"/>
-          </p:nvPr>
-        </p:nvSpPr>
-        <p:spPr>
-          <a:xfrm>
-            <a:off x="381300" y="685800"/>
-            <a:ext cx="6096000" cy="3429000"/>
-          </a:xfrm>
-          <a:custGeom>
-            <a:avLst/>
-            <a:gdLst/>
-            <a:ahLst/>
-            <a:cxnLst/>
-            <a:rect l="l" t="t" r="r" b="b"/>
-            <a:pathLst>
-              <a:path w="120000" h="120000" extrusionOk="0">
-                <a:moveTo>
-                  <a:pt x="0" y="0"/>
-                </a:moveTo>
-                <a:lnTo>
-                  <a:pt x="120000" y="0"/>
-                </a:lnTo>
-                <a:lnTo>
-                  <a:pt x="120000" y="120000"/>
-                </a:lnTo>
-                <a:lnTo>
-                  <a:pt x="0" y="120000"/>
-                </a:lnTo>
-                <a:close/>
-              </a:path>
-            </a:pathLst>
-          </a:custGeom>
-        </p:spPr>
-      </p:sp>
-      <p:sp>
-        <p:nvSpPr>
-          <p:cNvPr id="124" name="Google Shape;124;g104aa562ca2_0_98:notes"/>
-          <p:cNvSpPr txBox="1">
-            <a:spLocks noGrp="1"/>
-          </p:cNvSpPr>
-          <p:nvPr>
-            <p:ph type="body" idx="1"/>
-          </p:nvPr>
-        </p:nvSpPr>
-        <p:spPr>
-          <a:xfrm>
-            <a:off x="685800" y="4343400"/>
-            <a:ext cx="5486400" cy="4114800"/>
-          </a:xfrm>
-          <a:prstGeom prst="rect">
-            <a:avLst/>
-          </a:prstGeom>
-        </p:spPr>
-        <p:txBody>
-          <a:bodyPr spcFirstLastPara="1" wrap="square" lIns="91425" tIns="91425" rIns="91425" bIns="91425" anchor="t" anchorCtr="0">
-            <a:noAutofit/>
-          </a:bodyPr>
-          <a:lstStyle/>
-          <a:p>
-            <a:pPr marL="0" lvl="0" indent="0" algn="l" rtl="0">
-              <a:spcBef>
-                <a:spcPts val="0"/>
-              </a:spcBef>
-              <a:spcAft>
-                <a:spcPts val="0"/>
-              </a:spcAft>
-              <a:buNone/>
-            </a:pPr>
-            <a:endParaRPr/>
-          </a:p>
-        </p:txBody>
-      </p:sp>
-    </p:spTree>
-  </p:cSld>
-  <p:clrMapOvr>
-    <a:masterClrMapping/>
-  </p:clrMapOvr>
-</p:notes>
-</file>
-
 <file path=ppt/notesSlides/notesSlide7.xml><?xml version="1.0" encoding="utf-8"?>
-<p:notes xmlns:a="http://schemas.openxmlformats.org/drawingml/2006/main" xmlns:r="http://schemas.openxmlformats.org/officeDocument/2006/relationships" xmlns:p="http://schemas.openxmlformats.org/presentationml/2006/main" showMasterSp="0" showMasterPhAnim="0">
-  <p:cSld>
-    <p:spTree>
-      <p:nvGrpSpPr>
-        <p:cNvPr id="1" name="Shape 140"/>
-        <p:cNvGrpSpPr/>
-        <p:nvPr/>
-      </p:nvGrpSpPr>
-      <p:grpSpPr>
-        <a:xfrm>
-          <a:off x="0" y="0"/>
-          <a:ext cx="0" cy="0"/>
-          <a:chOff x="0" y="0"/>
-          <a:chExt cx="0" cy="0"/>
-        </a:xfrm>
-      </p:grpSpPr>
-      <p:sp>
-        <p:nvSpPr>
-          <p:cNvPr id="141" name="Google Shape;141;g104aa562ca2_0_626:notes"/>
-          <p:cNvSpPr>
-            <a:spLocks noGrp="1" noRot="1" noChangeAspect="1"/>
-          </p:cNvSpPr>
-          <p:nvPr>
-            <p:ph type="sldImg" idx="2"/>
-          </p:nvPr>
-        </p:nvSpPr>
-        <p:spPr>
-          <a:xfrm>
-            <a:off x="381300" y="685800"/>
-            <a:ext cx="6096000" cy="3429000"/>
-          </a:xfrm>
-          <a:custGeom>
-            <a:avLst/>
-            <a:gdLst/>
-            <a:ahLst/>
-            <a:cxnLst/>
-            <a:rect l="l" t="t" r="r" b="b"/>
-            <a:pathLst>
-              <a:path w="120000" h="120000" extrusionOk="0">
-                <a:moveTo>
-                  <a:pt x="0" y="0"/>
-                </a:moveTo>
-                <a:lnTo>
-                  <a:pt x="120000" y="0"/>
-                </a:lnTo>
-                <a:lnTo>
-                  <a:pt x="120000" y="120000"/>
-                </a:lnTo>
-                <a:lnTo>
-                  <a:pt x="0" y="120000"/>
-                </a:lnTo>
-                <a:close/>
-              </a:path>
-            </a:pathLst>
-          </a:custGeom>
-        </p:spPr>
-      </p:sp>
-      <p:sp>
-        <p:nvSpPr>
-          <p:cNvPr id="142" name="Google Shape;142;g104aa562ca2_0_626:notes"/>
-          <p:cNvSpPr txBox="1">
-            <a:spLocks noGrp="1"/>
-          </p:cNvSpPr>
-          <p:nvPr>
-            <p:ph type="body" idx="1"/>
-          </p:nvPr>
-        </p:nvSpPr>
-        <p:spPr>
-          <a:xfrm>
-            <a:off x="685800" y="4343400"/>
-            <a:ext cx="5486400" cy="4114800"/>
-          </a:xfrm>
-          <a:prstGeom prst="rect">
-            <a:avLst/>
-          </a:prstGeom>
-        </p:spPr>
-        <p:txBody>
-          <a:bodyPr spcFirstLastPara="1" wrap="square" lIns="91425" tIns="91425" rIns="91425" bIns="91425" anchor="t" anchorCtr="0">
-            <a:noAutofit/>
-          </a:bodyPr>
-          <a:lstStyle/>
-          <a:p>
-            <a:pPr marL="0" lvl="0" indent="0" algn="l" rtl="0">
-              <a:spcBef>
-                <a:spcPts val="0"/>
-              </a:spcBef>
-              <a:spcAft>
-                <a:spcPts val="0"/>
-              </a:spcAft>
-              <a:buNone/>
-            </a:pPr>
-            <a:endParaRPr/>
-          </a:p>
-        </p:txBody>
-      </p:sp>
-    </p:spTree>
-  </p:cSld>
-  <p:clrMapOvr>
-    <a:masterClrMapping/>
-  </p:clrMapOvr>
-</p:notes>
-</file>
-
-<file path=ppt/notesSlides/notesSlide8.xml><?xml version="1.0" encoding="utf-8"?>
-<p:notes xmlns:a="http://schemas.openxmlformats.org/drawingml/2006/main" xmlns:r="http://schemas.openxmlformats.org/officeDocument/2006/relationships" xmlns:p="http://schemas.openxmlformats.org/presentationml/2006/main" showMasterSp="0" showMasterPhAnim="0">
-  <p:cSld>
-    <p:spTree>
-      <p:nvGrpSpPr>
-        <p:cNvPr id="1" name="Shape 160"/>
-        <p:cNvGrpSpPr/>
-        <p:nvPr/>
-      </p:nvGrpSpPr>
-      <p:grpSpPr>
-        <a:xfrm>
-          <a:off x="0" y="0"/>
-          <a:ext cx="0" cy="0"/>
-          <a:chOff x="0" y="0"/>
-          <a:chExt cx="0" cy="0"/>
-        </a:xfrm>
-      </p:grpSpPr>
-      <p:sp>
-        <p:nvSpPr>
-          <p:cNvPr id="161" name="Google Shape;161;g117eb975a62_0_0:notes"/>
-          <p:cNvSpPr>
-            <a:spLocks noGrp="1" noRot="1" noChangeAspect="1"/>
-          </p:cNvSpPr>
-          <p:nvPr>
-            <p:ph type="sldImg" idx="2"/>
-          </p:nvPr>
-        </p:nvSpPr>
-        <p:spPr>
-          <a:xfrm>
-            <a:off x="381300" y="685800"/>
-            <a:ext cx="6096000" cy="3429000"/>
-          </a:xfrm>
-          <a:custGeom>
-            <a:avLst/>
-            <a:gdLst/>
-            <a:ahLst/>
-            <a:cxnLst/>
-            <a:rect l="l" t="t" r="r" b="b"/>
-            <a:pathLst>
-              <a:path w="120000" h="120000" extrusionOk="0">
-                <a:moveTo>
-                  <a:pt x="0" y="0"/>
-                </a:moveTo>
-                <a:lnTo>
-                  <a:pt x="120000" y="0"/>
-                </a:lnTo>
-                <a:lnTo>
-                  <a:pt x="120000" y="120000"/>
-                </a:lnTo>
-                <a:lnTo>
-                  <a:pt x="0" y="120000"/>
-                </a:lnTo>
-                <a:close/>
-              </a:path>
-            </a:pathLst>
-          </a:custGeom>
-        </p:spPr>
-      </p:sp>
-      <p:sp>
-        <p:nvSpPr>
-          <p:cNvPr id="162" name="Google Shape;162;g117eb975a62_0_0:notes"/>
-          <p:cNvSpPr txBox="1">
-            <a:spLocks noGrp="1"/>
-          </p:cNvSpPr>
-          <p:nvPr>
-            <p:ph type="body" idx="1"/>
-          </p:nvPr>
-        </p:nvSpPr>
-        <p:spPr>
-          <a:xfrm>
-            <a:off x="685800" y="4343400"/>
-            <a:ext cx="5486400" cy="4114800"/>
-          </a:xfrm>
-          <a:prstGeom prst="rect">
-            <a:avLst/>
-          </a:prstGeom>
-        </p:spPr>
-        <p:txBody>
-          <a:bodyPr spcFirstLastPara="1" wrap="square" lIns="91425" tIns="91425" rIns="91425" bIns="91425" anchor="t" anchorCtr="0">
-            <a:noAutofit/>
-          </a:bodyPr>
-          <a:lstStyle/>
-          <a:p>
-            <a:pPr marL="0" lvl="0" indent="0" algn="l" rtl="0">
-              <a:spcBef>
-                <a:spcPts val="0"/>
-              </a:spcBef>
-              <a:spcAft>
-                <a:spcPts val="0"/>
-              </a:spcAft>
-              <a:buNone/>
-            </a:pPr>
-            <a:endParaRPr/>
-          </a:p>
-        </p:txBody>
-      </p:sp>
-    </p:spTree>
-  </p:cSld>
-  <p:clrMapOvr>
-    <a:masterClrMapping/>
-  </p:clrMapOvr>
-</p:notes>
-</file>
-
-<file path=ppt/notesSlides/notesSlide9.xml><?xml version="1.0" encoding="utf-8"?>
 <p:notes xmlns:a="http://schemas.openxmlformats.org/drawingml/2006/main" xmlns:r="http://schemas.openxmlformats.org/officeDocument/2006/relationships" xmlns:p="http://schemas.openxmlformats.org/presentationml/2006/main" showMasterSp="0" showMasterPhAnim="0">
   <p:cSld>
     <p:spTree>
@@ -1796,7 +1376,7 @@
         </p:nvSpPr>
         <p:spPr>
           <a:xfrm>
-            <a:off x="381300" y="685800"/>
+            <a:off x="381000" y="685800"/>
             <a:ext cx="6096000" cy="3429000"/>
           </a:xfrm>
           <a:custGeom>
@@ -1864,6 +1444,11 @@
         </p:txBody>
       </p:sp>
     </p:spTree>
+    <p:extLst>
+      <p:ext uri="{BB962C8B-B14F-4D97-AF65-F5344CB8AC3E}">
+        <p14:creationId xmlns:p14="http://schemas.microsoft.com/office/powerpoint/2010/main" val="1180210371"/>
+      </p:ext>
+    </p:extLst>
   </p:cSld>
   <p:clrMapOvr>
     <a:masterClrMapping/>
@@ -2261,564 +1846,6 @@
 </file>
 
 <file path=ppt/slideLayouts/slideLayout10.xml><?xml version="1.0" encoding="utf-8"?>
-<p:sldLayout xmlns:a="http://schemas.openxmlformats.org/drawingml/2006/main" xmlns:r="http://schemas.openxmlformats.org/officeDocument/2006/relationships" xmlns:p="http://schemas.openxmlformats.org/presentationml/2006/main" matchingName="Section title and description">
-  <p:cSld name="SECTION_TITLE_AND_DESCRIPTION">
-    <p:spTree>
-      <p:nvGrpSpPr>
-        <p:cNvPr id="1" name="Shape 56"/>
-        <p:cNvGrpSpPr/>
-        <p:nvPr/>
-      </p:nvGrpSpPr>
-      <p:grpSpPr>
-        <a:xfrm>
-          <a:off x="0" y="0"/>
-          <a:ext cx="0" cy="0"/>
-          <a:chOff x="0" y="0"/>
-          <a:chExt cx="0" cy="0"/>
-        </a:xfrm>
-      </p:grpSpPr>
-      <p:sp>
-        <p:nvSpPr>
-          <p:cNvPr id="57" name="Google Shape;57;p11"/>
-          <p:cNvSpPr/>
-          <p:nvPr/>
-        </p:nvSpPr>
-        <p:spPr>
-          <a:xfrm>
-            <a:off x="4572000" y="-125"/>
-            <a:ext cx="4572000" cy="5143500"/>
-          </a:xfrm>
-          <a:prstGeom prst="rect">
-            <a:avLst/>
-          </a:prstGeom>
-          <a:solidFill>
-            <a:schemeClr val="lt2"/>
-          </a:solidFill>
-          <a:ln>
-            <a:noFill/>
-          </a:ln>
-        </p:spPr>
-        <p:txBody>
-          <a:bodyPr spcFirstLastPara="1" wrap="square" lIns="91425" tIns="91425" rIns="91425" bIns="91425" anchor="ctr" anchorCtr="0">
-            <a:noAutofit/>
-          </a:bodyPr>
-          <a:lstStyle/>
-          <a:p>
-            <a:pPr marL="0" lvl="0" indent="0" algn="l" rtl="0">
-              <a:spcBef>
-                <a:spcPts val="0"/>
-              </a:spcBef>
-              <a:spcAft>
-                <a:spcPts val="0"/>
-              </a:spcAft>
-              <a:buNone/>
-            </a:pPr>
-            <a:endParaRPr/>
-          </a:p>
-        </p:txBody>
-      </p:sp>
-      <p:sp>
-        <p:nvSpPr>
-          <p:cNvPr id="58" name="Google Shape;58;p11"/>
-          <p:cNvSpPr txBox="1">
-            <a:spLocks noGrp="1"/>
-          </p:cNvSpPr>
-          <p:nvPr>
-            <p:ph type="title"/>
-          </p:nvPr>
-        </p:nvSpPr>
-        <p:spPr>
-          <a:xfrm>
-            <a:off x="265500" y="1233175"/>
-            <a:ext cx="4045200" cy="1482300"/>
-          </a:xfrm>
-          <a:prstGeom prst="rect">
-            <a:avLst/>
-          </a:prstGeom>
-        </p:spPr>
-        <p:txBody>
-          <a:bodyPr spcFirstLastPara="1" wrap="square" lIns="91425" tIns="91425" rIns="91425" bIns="91425" anchor="b" anchorCtr="0">
-            <a:noAutofit/>
-          </a:bodyPr>
-          <a:lstStyle>
-            <a:lvl1pPr lvl="0" algn="ctr">
-              <a:spcBef>
-                <a:spcPts val="0"/>
-              </a:spcBef>
-              <a:spcAft>
-                <a:spcPts val="0"/>
-              </a:spcAft>
-              <a:buSzPts val="4200"/>
-              <a:buNone/>
-              <a:defRPr sz="4200"/>
-            </a:lvl1pPr>
-            <a:lvl2pPr lvl="1" algn="ctr">
-              <a:spcBef>
-                <a:spcPts val="0"/>
-              </a:spcBef>
-              <a:spcAft>
-                <a:spcPts val="0"/>
-              </a:spcAft>
-              <a:buSzPts val="4200"/>
-              <a:buNone/>
-              <a:defRPr sz="4200"/>
-            </a:lvl2pPr>
-            <a:lvl3pPr lvl="2" algn="ctr">
-              <a:spcBef>
-                <a:spcPts val="0"/>
-              </a:spcBef>
-              <a:spcAft>
-                <a:spcPts val="0"/>
-              </a:spcAft>
-              <a:buSzPts val="4200"/>
-              <a:buNone/>
-              <a:defRPr sz="4200"/>
-            </a:lvl3pPr>
-            <a:lvl4pPr lvl="3" algn="ctr">
-              <a:spcBef>
-                <a:spcPts val="0"/>
-              </a:spcBef>
-              <a:spcAft>
-                <a:spcPts val="0"/>
-              </a:spcAft>
-              <a:buSzPts val="4200"/>
-              <a:buNone/>
-              <a:defRPr sz="4200"/>
-            </a:lvl4pPr>
-            <a:lvl5pPr lvl="4" algn="ctr">
-              <a:spcBef>
-                <a:spcPts val="0"/>
-              </a:spcBef>
-              <a:spcAft>
-                <a:spcPts val="0"/>
-              </a:spcAft>
-              <a:buSzPts val="4200"/>
-              <a:buNone/>
-              <a:defRPr sz="4200"/>
-            </a:lvl5pPr>
-            <a:lvl6pPr lvl="5" algn="ctr">
-              <a:spcBef>
-                <a:spcPts val="0"/>
-              </a:spcBef>
-              <a:spcAft>
-                <a:spcPts val="0"/>
-              </a:spcAft>
-              <a:buSzPts val="4200"/>
-              <a:buNone/>
-              <a:defRPr sz="4200"/>
-            </a:lvl6pPr>
-            <a:lvl7pPr lvl="6" algn="ctr">
-              <a:spcBef>
-                <a:spcPts val="0"/>
-              </a:spcBef>
-              <a:spcAft>
-                <a:spcPts val="0"/>
-              </a:spcAft>
-              <a:buSzPts val="4200"/>
-              <a:buNone/>
-              <a:defRPr sz="4200"/>
-            </a:lvl7pPr>
-            <a:lvl8pPr lvl="7" algn="ctr">
-              <a:spcBef>
-                <a:spcPts val="0"/>
-              </a:spcBef>
-              <a:spcAft>
-                <a:spcPts val="0"/>
-              </a:spcAft>
-              <a:buSzPts val="4200"/>
-              <a:buNone/>
-              <a:defRPr sz="4200"/>
-            </a:lvl8pPr>
-            <a:lvl9pPr lvl="8" algn="ctr">
-              <a:spcBef>
-                <a:spcPts val="0"/>
-              </a:spcBef>
-              <a:spcAft>
-                <a:spcPts val="0"/>
-              </a:spcAft>
-              <a:buSzPts val="4200"/>
-              <a:buNone/>
-              <a:defRPr sz="4200"/>
-            </a:lvl9pPr>
-          </a:lstStyle>
-          <a:p>
-            <a:endParaRPr/>
-          </a:p>
-        </p:txBody>
-      </p:sp>
-      <p:sp>
-        <p:nvSpPr>
-          <p:cNvPr id="59" name="Google Shape;59;p11"/>
-          <p:cNvSpPr txBox="1">
-            <a:spLocks noGrp="1"/>
-          </p:cNvSpPr>
-          <p:nvPr>
-            <p:ph type="subTitle" idx="1"/>
-          </p:nvPr>
-        </p:nvSpPr>
-        <p:spPr>
-          <a:xfrm>
-            <a:off x="265500" y="2803075"/>
-            <a:ext cx="4045200" cy="1235100"/>
-          </a:xfrm>
-          <a:prstGeom prst="rect">
-            <a:avLst/>
-          </a:prstGeom>
-        </p:spPr>
-        <p:txBody>
-          <a:bodyPr spcFirstLastPara="1" wrap="square" lIns="91425" tIns="91425" rIns="91425" bIns="91425" anchor="t" anchorCtr="0">
-            <a:noAutofit/>
-          </a:bodyPr>
-          <a:lstStyle>
-            <a:lvl1pPr lvl="0" algn="ctr">
-              <a:lnSpc>
-                <a:spcPct val="100000"/>
-              </a:lnSpc>
-              <a:spcBef>
-                <a:spcPts val="0"/>
-              </a:spcBef>
-              <a:spcAft>
-                <a:spcPts val="0"/>
-              </a:spcAft>
-              <a:buSzPts val="2100"/>
-              <a:buNone/>
-              <a:defRPr sz="2100"/>
-            </a:lvl1pPr>
-            <a:lvl2pPr lvl="1" algn="ctr">
-              <a:lnSpc>
-                <a:spcPct val="100000"/>
-              </a:lnSpc>
-              <a:spcBef>
-                <a:spcPts val="0"/>
-              </a:spcBef>
-              <a:spcAft>
-                <a:spcPts val="0"/>
-              </a:spcAft>
-              <a:buSzPts val="2100"/>
-              <a:buNone/>
-              <a:defRPr sz="2100"/>
-            </a:lvl2pPr>
-            <a:lvl3pPr lvl="2" algn="ctr">
-              <a:lnSpc>
-                <a:spcPct val="100000"/>
-              </a:lnSpc>
-              <a:spcBef>
-                <a:spcPts val="0"/>
-              </a:spcBef>
-              <a:spcAft>
-                <a:spcPts val="0"/>
-              </a:spcAft>
-              <a:buSzPts val="2100"/>
-              <a:buNone/>
-              <a:defRPr sz="2100"/>
-            </a:lvl3pPr>
-            <a:lvl4pPr lvl="3" algn="ctr">
-              <a:lnSpc>
-                <a:spcPct val="100000"/>
-              </a:lnSpc>
-              <a:spcBef>
-                <a:spcPts val="0"/>
-              </a:spcBef>
-              <a:spcAft>
-                <a:spcPts val="0"/>
-              </a:spcAft>
-              <a:buSzPts val="2100"/>
-              <a:buNone/>
-              <a:defRPr sz="2100"/>
-            </a:lvl4pPr>
-            <a:lvl5pPr lvl="4" algn="ctr">
-              <a:lnSpc>
-                <a:spcPct val="100000"/>
-              </a:lnSpc>
-              <a:spcBef>
-                <a:spcPts val="0"/>
-              </a:spcBef>
-              <a:spcAft>
-                <a:spcPts val="0"/>
-              </a:spcAft>
-              <a:buSzPts val="2100"/>
-              <a:buNone/>
-              <a:defRPr sz="2100"/>
-            </a:lvl5pPr>
-            <a:lvl6pPr lvl="5" algn="ctr">
-              <a:lnSpc>
-                <a:spcPct val="100000"/>
-              </a:lnSpc>
-              <a:spcBef>
-                <a:spcPts val="0"/>
-              </a:spcBef>
-              <a:spcAft>
-                <a:spcPts val="0"/>
-              </a:spcAft>
-              <a:buSzPts val="2100"/>
-              <a:buNone/>
-              <a:defRPr sz="2100"/>
-            </a:lvl6pPr>
-            <a:lvl7pPr lvl="6" algn="ctr">
-              <a:lnSpc>
-                <a:spcPct val="100000"/>
-              </a:lnSpc>
-              <a:spcBef>
-                <a:spcPts val="0"/>
-              </a:spcBef>
-              <a:spcAft>
-                <a:spcPts val="0"/>
-              </a:spcAft>
-              <a:buSzPts val="2100"/>
-              <a:buNone/>
-              <a:defRPr sz="2100"/>
-            </a:lvl7pPr>
-            <a:lvl8pPr lvl="7" algn="ctr">
-              <a:lnSpc>
-                <a:spcPct val="100000"/>
-              </a:lnSpc>
-              <a:spcBef>
-                <a:spcPts val="0"/>
-              </a:spcBef>
-              <a:spcAft>
-                <a:spcPts val="0"/>
-              </a:spcAft>
-              <a:buSzPts val="2100"/>
-              <a:buNone/>
-              <a:defRPr sz="2100"/>
-            </a:lvl8pPr>
-            <a:lvl9pPr lvl="8" algn="ctr">
-              <a:lnSpc>
-                <a:spcPct val="100000"/>
-              </a:lnSpc>
-              <a:spcBef>
-                <a:spcPts val="0"/>
-              </a:spcBef>
-              <a:spcAft>
-                <a:spcPts val="0"/>
-              </a:spcAft>
-              <a:buSzPts val="2100"/>
-              <a:buNone/>
-              <a:defRPr sz="2100"/>
-            </a:lvl9pPr>
-          </a:lstStyle>
-          <a:p>
-            <a:endParaRPr/>
-          </a:p>
-        </p:txBody>
-      </p:sp>
-      <p:sp>
-        <p:nvSpPr>
-          <p:cNvPr id="60" name="Google Shape;60;p11"/>
-          <p:cNvSpPr txBox="1">
-            <a:spLocks noGrp="1"/>
-          </p:cNvSpPr>
-          <p:nvPr>
-            <p:ph type="body" idx="2"/>
-          </p:nvPr>
-        </p:nvSpPr>
-        <p:spPr>
-          <a:xfrm>
-            <a:off x="4939500" y="724075"/>
-            <a:ext cx="3837000" cy="3695100"/>
-          </a:xfrm>
-          <a:prstGeom prst="rect">
-            <a:avLst/>
-          </a:prstGeom>
-        </p:spPr>
-        <p:txBody>
-          <a:bodyPr spcFirstLastPara="1" wrap="square" lIns="91425" tIns="91425" rIns="91425" bIns="91425" anchor="ctr" anchorCtr="0">
-            <a:noAutofit/>
-          </a:bodyPr>
-          <a:lstStyle>
-            <a:lvl1pPr marL="457200" lvl="0" indent="-342900">
-              <a:spcBef>
-                <a:spcPts val="0"/>
-              </a:spcBef>
-              <a:spcAft>
-                <a:spcPts val="0"/>
-              </a:spcAft>
-              <a:buSzPts val="1800"/>
-              <a:buChar char="●"/>
-              <a:defRPr/>
-            </a:lvl1pPr>
-            <a:lvl2pPr marL="914400" lvl="1" indent="-317500">
-              <a:spcBef>
-                <a:spcPts val="1600"/>
-              </a:spcBef>
-              <a:spcAft>
-                <a:spcPts val="0"/>
-              </a:spcAft>
-              <a:buSzPts val="1400"/>
-              <a:buChar char="○"/>
-              <a:defRPr/>
-            </a:lvl2pPr>
-            <a:lvl3pPr marL="1371600" lvl="2" indent="-317500">
-              <a:spcBef>
-                <a:spcPts val="1600"/>
-              </a:spcBef>
-              <a:spcAft>
-                <a:spcPts val="0"/>
-              </a:spcAft>
-              <a:buSzPts val="1400"/>
-              <a:buChar char="■"/>
-              <a:defRPr/>
-            </a:lvl3pPr>
-            <a:lvl4pPr marL="1828800" lvl="3" indent="-317500">
-              <a:spcBef>
-                <a:spcPts val="1600"/>
-              </a:spcBef>
-              <a:spcAft>
-                <a:spcPts val="0"/>
-              </a:spcAft>
-              <a:buSzPts val="1400"/>
-              <a:buChar char="●"/>
-              <a:defRPr/>
-            </a:lvl4pPr>
-            <a:lvl5pPr marL="2286000" lvl="4" indent="-317500">
-              <a:spcBef>
-                <a:spcPts val="1600"/>
-              </a:spcBef>
-              <a:spcAft>
-                <a:spcPts val="0"/>
-              </a:spcAft>
-              <a:buSzPts val="1400"/>
-              <a:buChar char="○"/>
-              <a:defRPr/>
-            </a:lvl5pPr>
-            <a:lvl6pPr marL="2743200" lvl="5" indent="-317500">
-              <a:spcBef>
-                <a:spcPts val="1600"/>
-              </a:spcBef>
-              <a:spcAft>
-                <a:spcPts val="0"/>
-              </a:spcAft>
-              <a:buSzPts val="1400"/>
-              <a:buChar char="■"/>
-              <a:defRPr/>
-            </a:lvl6pPr>
-            <a:lvl7pPr marL="3200400" lvl="6" indent="-317500">
-              <a:spcBef>
-                <a:spcPts val="1600"/>
-              </a:spcBef>
-              <a:spcAft>
-                <a:spcPts val="0"/>
-              </a:spcAft>
-              <a:buSzPts val="1400"/>
-              <a:buChar char="●"/>
-              <a:defRPr/>
-            </a:lvl7pPr>
-            <a:lvl8pPr marL="3657600" lvl="7" indent="-317500">
-              <a:spcBef>
-                <a:spcPts val="1600"/>
-              </a:spcBef>
-              <a:spcAft>
-                <a:spcPts val="0"/>
-              </a:spcAft>
-              <a:buSzPts val="1400"/>
-              <a:buChar char="○"/>
-              <a:defRPr/>
-            </a:lvl8pPr>
-            <a:lvl9pPr marL="4114800" lvl="8" indent="-317500">
-              <a:spcBef>
-                <a:spcPts val="1600"/>
-              </a:spcBef>
-              <a:spcAft>
-                <a:spcPts val="1600"/>
-              </a:spcAft>
-              <a:buSzPts val="1400"/>
-              <a:buChar char="■"/>
-              <a:defRPr/>
-            </a:lvl9pPr>
-          </a:lstStyle>
-          <a:p>
-            <a:endParaRPr/>
-          </a:p>
-        </p:txBody>
-      </p:sp>
-      <p:sp>
-        <p:nvSpPr>
-          <p:cNvPr id="61" name="Google Shape;61;p11"/>
-          <p:cNvSpPr txBox="1">
-            <a:spLocks noGrp="1"/>
-          </p:cNvSpPr>
-          <p:nvPr>
-            <p:ph type="sldNum" idx="12"/>
-          </p:nvPr>
-        </p:nvSpPr>
-        <p:spPr>
-          <a:xfrm>
-            <a:off x="8472458" y="4663217"/>
-            <a:ext cx="548700" cy="393600"/>
-          </a:xfrm>
-          <a:prstGeom prst="rect">
-            <a:avLst/>
-          </a:prstGeom>
-        </p:spPr>
-        <p:txBody>
-          <a:bodyPr spcFirstLastPara="1" wrap="square" lIns="91425" tIns="91425" rIns="91425" bIns="91425" anchor="ctr" anchorCtr="0">
-            <a:noAutofit/>
-          </a:bodyPr>
-          <a:lstStyle>
-            <a:lvl1pPr lvl="0">
-              <a:buNone/>
-              <a:defRPr/>
-            </a:lvl1pPr>
-            <a:lvl2pPr lvl="1">
-              <a:buNone/>
-              <a:defRPr/>
-            </a:lvl2pPr>
-            <a:lvl3pPr lvl="2">
-              <a:buNone/>
-              <a:defRPr/>
-            </a:lvl3pPr>
-            <a:lvl4pPr lvl="3">
-              <a:buNone/>
-              <a:defRPr/>
-            </a:lvl4pPr>
-            <a:lvl5pPr lvl="4">
-              <a:buNone/>
-              <a:defRPr/>
-            </a:lvl5pPr>
-            <a:lvl6pPr lvl="5">
-              <a:buNone/>
-              <a:defRPr/>
-            </a:lvl6pPr>
-            <a:lvl7pPr lvl="6">
-              <a:buNone/>
-              <a:defRPr/>
-            </a:lvl7pPr>
-            <a:lvl8pPr lvl="7">
-              <a:buNone/>
-              <a:defRPr/>
-            </a:lvl8pPr>
-            <a:lvl9pPr lvl="8">
-              <a:buNone/>
-              <a:defRPr/>
-            </a:lvl9pPr>
-          </a:lstStyle>
-          <a:p>
-            <a:pPr marL="0" lvl="0" indent="0" algn="r" rtl="0">
-              <a:spcBef>
-                <a:spcPts val="0"/>
-              </a:spcBef>
-              <a:spcAft>
-                <a:spcPts val="0"/>
-              </a:spcAft>
-              <a:buNone/>
-            </a:pPr>
-            <a:fld id="{00000000-1234-1234-1234-123412341234}" type="slidenum">
-              <a:rPr lang="en-GB"/>
-              <a:t>‹#›</a:t>
-            </a:fld>
-            <a:endParaRPr/>
-          </a:p>
-        </p:txBody>
-      </p:sp>
-    </p:spTree>
-  </p:cSld>
-  <p:clrMapOvr>
-    <a:masterClrMapping/>
-  </p:clrMapOvr>
-</p:sldLayout>
-</file>
-
-<file path=ppt/slideLayouts/slideLayout11.xml><?xml version="1.0" encoding="utf-8"?>
 <p:sldLayout xmlns:a="http://schemas.openxmlformats.org/drawingml/2006/main" xmlns:r="http://schemas.openxmlformats.org/officeDocument/2006/relationships" xmlns:p="http://schemas.openxmlformats.org/presentationml/2006/main" matchingName="Caption">
   <p:cSld name="CAPTION_ONLY">
     <p:spTree>
@@ -2966,7 +1993,7 @@
 </p:sldLayout>
 </file>
 
-<file path=ppt/slideLayouts/slideLayout12.xml><?xml version="1.0" encoding="utf-8"?>
+<file path=ppt/slideLayouts/slideLayout11.xml><?xml version="1.0" encoding="utf-8"?>
 <p:sldLayout xmlns:a="http://schemas.openxmlformats.org/drawingml/2006/main" xmlns:r="http://schemas.openxmlformats.org/officeDocument/2006/relationships" xmlns:p="http://schemas.openxmlformats.org/presentationml/2006/main" matchingName="Title + Caption">
   <p:cSld name="CAPTION_ONLY_1">
     <p:spTree>
@@ -3309,7 +2336,7 @@
 </p:sldLayout>
 </file>
 
-<file path=ppt/slideLayouts/slideLayout13.xml><?xml version="1.0" encoding="utf-8"?>
+<file path=ppt/slideLayouts/slideLayout12.xml><?xml version="1.0" encoding="utf-8"?>
 <p:sldLayout xmlns:a="http://schemas.openxmlformats.org/drawingml/2006/main" xmlns:r="http://schemas.openxmlformats.org/officeDocument/2006/relationships" xmlns:p="http://schemas.openxmlformats.org/presentationml/2006/main" matchingName="Big number">
   <p:cSld name="BIG_NUMBER">
     <p:spTree>
@@ -3673,7 +2700,7 @@
 </p:sldLayout>
 </file>
 
-<file path=ppt/slideLayouts/slideLayout14.xml><?xml version="1.0" encoding="utf-8"?>
+<file path=ppt/slideLayouts/slideLayout13.xml><?xml version="1.0" encoding="utf-8"?>
 <p:sldLayout xmlns:a="http://schemas.openxmlformats.org/drawingml/2006/main" xmlns:r="http://schemas.openxmlformats.org/officeDocument/2006/relationships" xmlns:p="http://schemas.openxmlformats.org/presentationml/2006/main" matchingName="Blank" type="blank">
   <p:cSld name="BLANK">
     <p:spTree>
@@ -4993,313 +4020,6 @@
 </file>
 
 <file path=ppt/slideLayouts/slideLayout5.xml><?xml version="1.0" encoding="utf-8"?>
-<p:sldLayout xmlns:a="http://schemas.openxmlformats.org/drawingml/2006/main" xmlns:r="http://schemas.openxmlformats.org/officeDocument/2006/relationships" xmlns:p="http://schemas.openxmlformats.org/presentationml/2006/main" matchingName="Title only" type="titleOnly">
-  <p:cSld name="TITLE_ONLY">
-    <p:bg>
-      <p:bgPr>
-        <a:solidFill>
-          <a:srgbClr val="FFFFFF"/>
-        </a:solidFill>
-        <a:effectLst/>
-      </p:bgPr>
-    </p:bg>
-    <p:spTree>
-      <p:nvGrpSpPr>
-        <p:cNvPr id="1" name="Shape 27"/>
-        <p:cNvGrpSpPr/>
-        <p:nvPr/>
-      </p:nvGrpSpPr>
-      <p:grpSpPr>
-        <a:xfrm>
-          <a:off x="0" y="0"/>
-          <a:ext cx="0" cy="0"/>
-          <a:chOff x="0" y="0"/>
-          <a:chExt cx="0" cy="0"/>
-        </a:xfrm>
-      </p:grpSpPr>
-      <p:sp>
-        <p:nvSpPr>
-          <p:cNvPr id="28" name="Google Shape;28;p6"/>
-          <p:cNvSpPr txBox="1">
-            <a:spLocks noGrp="1"/>
-          </p:cNvSpPr>
-          <p:nvPr>
-            <p:ph type="sldNum" idx="12"/>
-          </p:nvPr>
-        </p:nvSpPr>
-        <p:spPr>
-          <a:xfrm>
-            <a:off x="8472458" y="4663217"/>
-            <a:ext cx="548700" cy="393600"/>
-          </a:xfrm>
-          <a:prstGeom prst="rect">
-            <a:avLst/>
-          </a:prstGeom>
-        </p:spPr>
-        <p:txBody>
-          <a:bodyPr spcFirstLastPara="1" wrap="square" lIns="91425" tIns="91425" rIns="91425" bIns="91425" anchor="ctr" anchorCtr="0">
-            <a:noAutofit/>
-          </a:bodyPr>
-          <a:lstStyle>
-            <a:lvl1pPr lvl="0">
-              <a:buNone/>
-              <a:defRPr/>
-            </a:lvl1pPr>
-            <a:lvl2pPr lvl="1">
-              <a:buNone/>
-              <a:defRPr/>
-            </a:lvl2pPr>
-            <a:lvl3pPr lvl="2">
-              <a:buNone/>
-              <a:defRPr/>
-            </a:lvl3pPr>
-            <a:lvl4pPr lvl="3">
-              <a:buNone/>
-              <a:defRPr/>
-            </a:lvl4pPr>
-            <a:lvl5pPr lvl="4">
-              <a:buNone/>
-              <a:defRPr/>
-            </a:lvl5pPr>
-            <a:lvl6pPr lvl="5">
-              <a:buNone/>
-              <a:defRPr/>
-            </a:lvl6pPr>
-            <a:lvl7pPr lvl="6">
-              <a:buNone/>
-              <a:defRPr/>
-            </a:lvl7pPr>
-            <a:lvl8pPr lvl="7">
-              <a:buNone/>
-              <a:defRPr/>
-            </a:lvl8pPr>
-            <a:lvl9pPr lvl="8">
-              <a:buNone/>
-              <a:defRPr/>
-            </a:lvl9pPr>
-          </a:lstStyle>
-          <a:p>
-            <a:pPr marL="0" lvl="0" indent="0" algn="r" rtl="0">
-              <a:spcBef>
-                <a:spcPts val="0"/>
-              </a:spcBef>
-              <a:spcAft>
-                <a:spcPts val="0"/>
-              </a:spcAft>
-              <a:buNone/>
-            </a:pPr>
-            <a:fld id="{00000000-1234-1234-1234-123412341234}" type="slidenum">
-              <a:rPr lang="en-GB"/>
-              <a:t>‹#›</a:t>
-            </a:fld>
-            <a:endParaRPr/>
-          </a:p>
-        </p:txBody>
-      </p:sp>
-      <p:sp>
-        <p:nvSpPr>
-          <p:cNvPr id="29" name="Google Shape;29;p6"/>
-          <p:cNvSpPr/>
-          <p:nvPr/>
-        </p:nvSpPr>
-        <p:spPr>
-          <a:xfrm>
-            <a:off x="0" y="0"/>
-            <a:ext cx="9144000" cy="480300"/>
-          </a:xfrm>
-          <a:prstGeom prst="rect">
-            <a:avLst/>
-          </a:prstGeom>
-          <a:solidFill>
-            <a:schemeClr val="lt2"/>
-          </a:solidFill>
-          <a:ln>
-            <a:noFill/>
-          </a:ln>
-        </p:spPr>
-        <p:txBody>
-          <a:bodyPr spcFirstLastPara="1" wrap="square" lIns="91425" tIns="91425" rIns="91425" bIns="91425" anchor="ctr" anchorCtr="0">
-            <a:noAutofit/>
-          </a:bodyPr>
-          <a:lstStyle/>
-          <a:p>
-            <a:pPr marL="0" lvl="0" indent="0" algn="l" rtl="0">
-              <a:spcBef>
-                <a:spcPts val="0"/>
-              </a:spcBef>
-              <a:spcAft>
-                <a:spcPts val="0"/>
-              </a:spcAft>
-              <a:buNone/>
-            </a:pPr>
-            <a:endParaRPr/>
-          </a:p>
-        </p:txBody>
-      </p:sp>
-      <p:sp>
-        <p:nvSpPr>
-          <p:cNvPr id="30" name="Google Shape;30;p6"/>
-          <p:cNvSpPr txBox="1">
-            <a:spLocks noGrp="1"/>
-          </p:cNvSpPr>
-          <p:nvPr>
-            <p:ph type="title"/>
-          </p:nvPr>
-        </p:nvSpPr>
-        <p:spPr>
-          <a:xfrm>
-            <a:off x="76200" y="0"/>
-            <a:ext cx="8520600" cy="572700"/>
-          </a:xfrm>
-          <a:prstGeom prst="rect">
-            <a:avLst/>
-          </a:prstGeom>
-        </p:spPr>
-        <p:txBody>
-          <a:bodyPr spcFirstLastPara="1" wrap="square" lIns="91425" tIns="91425" rIns="91425" bIns="91425" anchor="t" anchorCtr="0">
-            <a:noAutofit/>
-          </a:bodyPr>
-          <a:lstStyle>
-            <a:lvl1pPr lvl="0" rtl="0">
-              <a:spcBef>
-                <a:spcPts val="0"/>
-              </a:spcBef>
-              <a:spcAft>
-                <a:spcPts val="0"/>
-              </a:spcAft>
-              <a:buSzPts val="2000"/>
-              <a:buNone/>
-              <a:defRPr sz="2000"/>
-            </a:lvl1pPr>
-            <a:lvl2pPr lvl="1" rtl="0">
-              <a:spcBef>
-                <a:spcPts val="0"/>
-              </a:spcBef>
-              <a:spcAft>
-                <a:spcPts val="0"/>
-              </a:spcAft>
-              <a:buSzPts val="2800"/>
-              <a:buNone/>
-              <a:defRPr/>
-            </a:lvl2pPr>
-            <a:lvl3pPr lvl="2" rtl="0">
-              <a:spcBef>
-                <a:spcPts val="0"/>
-              </a:spcBef>
-              <a:spcAft>
-                <a:spcPts val="0"/>
-              </a:spcAft>
-              <a:buSzPts val="2800"/>
-              <a:buNone/>
-              <a:defRPr/>
-            </a:lvl3pPr>
-            <a:lvl4pPr lvl="3" rtl="0">
-              <a:spcBef>
-                <a:spcPts val="0"/>
-              </a:spcBef>
-              <a:spcAft>
-                <a:spcPts val="0"/>
-              </a:spcAft>
-              <a:buSzPts val="2800"/>
-              <a:buNone/>
-              <a:defRPr/>
-            </a:lvl4pPr>
-            <a:lvl5pPr lvl="4" rtl="0">
-              <a:spcBef>
-                <a:spcPts val="0"/>
-              </a:spcBef>
-              <a:spcAft>
-                <a:spcPts val="0"/>
-              </a:spcAft>
-              <a:buSzPts val="2800"/>
-              <a:buNone/>
-              <a:defRPr/>
-            </a:lvl5pPr>
-            <a:lvl6pPr lvl="5" rtl="0">
-              <a:spcBef>
-                <a:spcPts val="0"/>
-              </a:spcBef>
-              <a:spcAft>
-                <a:spcPts val="0"/>
-              </a:spcAft>
-              <a:buSzPts val="2800"/>
-              <a:buNone/>
-              <a:defRPr/>
-            </a:lvl6pPr>
-            <a:lvl7pPr lvl="6" rtl="0">
-              <a:spcBef>
-                <a:spcPts val="0"/>
-              </a:spcBef>
-              <a:spcAft>
-                <a:spcPts val="0"/>
-              </a:spcAft>
-              <a:buSzPts val="2800"/>
-              <a:buNone/>
-              <a:defRPr/>
-            </a:lvl7pPr>
-            <a:lvl8pPr lvl="7" rtl="0">
-              <a:spcBef>
-                <a:spcPts val="0"/>
-              </a:spcBef>
-              <a:spcAft>
-                <a:spcPts val="0"/>
-              </a:spcAft>
-              <a:buSzPts val="2800"/>
-              <a:buNone/>
-              <a:defRPr/>
-            </a:lvl8pPr>
-            <a:lvl9pPr lvl="8" rtl="0">
-              <a:spcBef>
-                <a:spcPts val="0"/>
-              </a:spcBef>
-              <a:spcAft>
-                <a:spcPts val="0"/>
-              </a:spcAft>
-              <a:buSzPts val="2800"/>
-              <a:buNone/>
-              <a:defRPr/>
-            </a:lvl9pPr>
-          </a:lstStyle>
-          <a:p>
-            <a:endParaRPr/>
-          </a:p>
-        </p:txBody>
-      </p:sp>
-      <p:cxnSp>
-        <p:nvCxnSpPr>
-          <p:cNvPr id="31" name="Google Shape;31;p6"/>
-          <p:cNvCxnSpPr/>
-          <p:nvPr/>
-        </p:nvCxnSpPr>
-        <p:spPr>
-          <a:xfrm>
-            <a:off x="-5550" y="487125"/>
-            <a:ext cx="9155100" cy="0"/>
-          </a:xfrm>
-          <a:prstGeom prst="straightConnector1">
-            <a:avLst/>
-          </a:prstGeom>
-          <a:noFill/>
-          <a:ln w="9525" cap="flat" cmpd="sng">
-            <a:solidFill>
-              <a:srgbClr val="000000"/>
-            </a:solidFill>
-            <a:prstDash val="solid"/>
-            <a:round/>
-            <a:headEnd type="none" w="med" len="med"/>
-            <a:tailEnd type="none" w="med" len="med"/>
-          </a:ln>
-        </p:spPr>
-      </p:cxnSp>
-    </p:spTree>
-  </p:cSld>
-  <p:clrMapOvr>
-    <a:masterClrMapping/>
-  </p:clrMapOvr>
-</p:sldLayout>
-</file>
-
-<file path=ppt/slideLayouts/slideLayout6.xml><?xml version="1.0" encoding="utf-8"?>
 <p:sldLayout xmlns:a="http://schemas.openxmlformats.org/drawingml/2006/main" xmlns:r="http://schemas.openxmlformats.org/officeDocument/2006/relationships" xmlns:p="http://schemas.openxmlformats.org/presentationml/2006/main" matchingName="Title + Left Textbox">
   <p:cSld name="TITLE_ONLY_1">
     <p:bg>
@@ -5736,7 +4456,7 @@
 </p:sldLayout>
 </file>
 
-<file path=ppt/slideLayouts/slideLayout7.xml><?xml version="1.0" encoding="utf-8"?>
+<file path=ppt/slideLayouts/slideLayout6.xml><?xml version="1.0" encoding="utf-8"?>
 <p:sldLayout xmlns:a="http://schemas.openxmlformats.org/drawingml/2006/main" xmlns:r="http://schemas.openxmlformats.org/officeDocument/2006/relationships" xmlns:p="http://schemas.openxmlformats.org/presentationml/2006/main" matchingName="Title + Left Textbox + Bullet">
   <p:cSld name="TITLE_ONLY_1_1">
     <p:bg>
@@ -6353,7 +5073,7 @@
 </p:sldLayout>
 </file>
 
-<file path=ppt/slideLayouts/slideLayout8.xml><?xml version="1.0" encoding="utf-8"?>
+<file path=ppt/slideLayouts/slideLayout7.xml><?xml version="1.0" encoding="utf-8"?>
 <p:sldLayout xmlns:a="http://schemas.openxmlformats.org/drawingml/2006/main" xmlns:r="http://schemas.openxmlformats.org/officeDocument/2006/relationships" xmlns:p="http://schemas.openxmlformats.org/presentationml/2006/main" matchingName="One column text">
   <p:cSld name="ONE_COLUMN_TEXT">
     <p:spTree>
@@ -6715,7 +5435,7 @@
 </p:sldLayout>
 </file>
 
-<file path=ppt/slideLayouts/slideLayout9.xml><?xml version="1.0" encoding="utf-8"?>
+<file path=ppt/slideLayouts/slideLayout8.xml><?xml version="1.0" encoding="utf-8"?>
 <p:sldLayout xmlns:a="http://schemas.openxmlformats.org/drawingml/2006/main" xmlns:r="http://schemas.openxmlformats.org/officeDocument/2006/relationships" xmlns:p="http://schemas.openxmlformats.org/presentationml/2006/main" matchingName="Main point">
   <p:cSld name="MAIN_POINT">
     <p:spTree>
@@ -6864,6 +5584,564 @@
       <p:sp>
         <p:nvSpPr>
           <p:cNvPr id="55" name="Google Shape;55;p10"/>
+          <p:cNvSpPr txBox="1">
+            <a:spLocks noGrp="1"/>
+          </p:cNvSpPr>
+          <p:nvPr>
+            <p:ph type="sldNum" idx="12"/>
+          </p:nvPr>
+        </p:nvSpPr>
+        <p:spPr>
+          <a:xfrm>
+            <a:off x="8472458" y="4663217"/>
+            <a:ext cx="548700" cy="393600"/>
+          </a:xfrm>
+          <a:prstGeom prst="rect">
+            <a:avLst/>
+          </a:prstGeom>
+        </p:spPr>
+        <p:txBody>
+          <a:bodyPr spcFirstLastPara="1" wrap="square" lIns="91425" tIns="91425" rIns="91425" bIns="91425" anchor="ctr" anchorCtr="0">
+            <a:noAutofit/>
+          </a:bodyPr>
+          <a:lstStyle>
+            <a:lvl1pPr lvl="0">
+              <a:buNone/>
+              <a:defRPr/>
+            </a:lvl1pPr>
+            <a:lvl2pPr lvl="1">
+              <a:buNone/>
+              <a:defRPr/>
+            </a:lvl2pPr>
+            <a:lvl3pPr lvl="2">
+              <a:buNone/>
+              <a:defRPr/>
+            </a:lvl3pPr>
+            <a:lvl4pPr lvl="3">
+              <a:buNone/>
+              <a:defRPr/>
+            </a:lvl4pPr>
+            <a:lvl5pPr lvl="4">
+              <a:buNone/>
+              <a:defRPr/>
+            </a:lvl5pPr>
+            <a:lvl6pPr lvl="5">
+              <a:buNone/>
+              <a:defRPr/>
+            </a:lvl6pPr>
+            <a:lvl7pPr lvl="6">
+              <a:buNone/>
+              <a:defRPr/>
+            </a:lvl7pPr>
+            <a:lvl8pPr lvl="7">
+              <a:buNone/>
+              <a:defRPr/>
+            </a:lvl8pPr>
+            <a:lvl9pPr lvl="8">
+              <a:buNone/>
+              <a:defRPr/>
+            </a:lvl9pPr>
+          </a:lstStyle>
+          <a:p>
+            <a:pPr marL="0" lvl="0" indent="0" algn="r" rtl="0">
+              <a:spcBef>
+                <a:spcPts val="0"/>
+              </a:spcBef>
+              <a:spcAft>
+                <a:spcPts val="0"/>
+              </a:spcAft>
+              <a:buNone/>
+            </a:pPr>
+            <a:fld id="{00000000-1234-1234-1234-123412341234}" type="slidenum">
+              <a:rPr lang="en-GB"/>
+              <a:t>‹#›</a:t>
+            </a:fld>
+            <a:endParaRPr/>
+          </a:p>
+        </p:txBody>
+      </p:sp>
+    </p:spTree>
+  </p:cSld>
+  <p:clrMapOvr>
+    <a:masterClrMapping/>
+  </p:clrMapOvr>
+</p:sldLayout>
+</file>
+
+<file path=ppt/slideLayouts/slideLayout9.xml><?xml version="1.0" encoding="utf-8"?>
+<p:sldLayout xmlns:a="http://schemas.openxmlformats.org/drawingml/2006/main" xmlns:r="http://schemas.openxmlformats.org/officeDocument/2006/relationships" xmlns:p="http://schemas.openxmlformats.org/presentationml/2006/main" matchingName="Section title and description">
+  <p:cSld name="SECTION_TITLE_AND_DESCRIPTION">
+    <p:spTree>
+      <p:nvGrpSpPr>
+        <p:cNvPr id="1" name="Shape 56"/>
+        <p:cNvGrpSpPr/>
+        <p:nvPr/>
+      </p:nvGrpSpPr>
+      <p:grpSpPr>
+        <a:xfrm>
+          <a:off x="0" y="0"/>
+          <a:ext cx="0" cy="0"/>
+          <a:chOff x="0" y="0"/>
+          <a:chExt cx="0" cy="0"/>
+        </a:xfrm>
+      </p:grpSpPr>
+      <p:sp>
+        <p:nvSpPr>
+          <p:cNvPr id="57" name="Google Shape;57;p11"/>
+          <p:cNvSpPr/>
+          <p:nvPr/>
+        </p:nvSpPr>
+        <p:spPr>
+          <a:xfrm>
+            <a:off x="4572000" y="-125"/>
+            <a:ext cx="4572000" cy="5143500"/>
+          </a:xfrm>
+          <a:prstGeom prst="rect">
+            <a:avLst/>
+          </a:prstGeom>
+          <a:solidFill>
+            <a:schemeClr val="lt2"/>
+          </a:solidFill>
+          <a:ln>
+            <a:noFill/>
+          </a:ln>
+        </p:spPr>
+        <p:txBody>
+          <a:bodyPr spcFirstLastPara="1" wrap="square" lIns="91425" tIns="91425" rIns="91425" bIns="91425" anchor="ctr" anchorCtr="0">
+            <a:noAutofit/>
+          </a:bodyPr>
+          <a:lstStyle/>
+          <a:p>
+            <a:pPr marL="0" lvl="0" indent="0" algn="l" rtl="0">
+              <a:spcBef>
+                <a:spcPts val="0"/>
+              </a:spcBef>
+              <a:spcAft>
+                <a:spcPts val="0"/>
+              </a:spcAft>
+              <a:buNone/>
+            </a:pPr>
+            <a:endParaRPr/>
+          </a:p>
+        </p:txBody>
+      </p:sp>
+      <p:sp>
+        <p:nvSpPr>
+          <p:cNvPr id="58" name="Google Shape;58;p11"/>
+          <p:cNvSpPr txBox="1">
+            <a:spLocks noGrp="1"/>
+          </p:cNvSpPr>
+          <p:nvPr>
+            <p:ph type="title"/>
+          </p:nvPr>
+        </p:nvSpPr>
+        <p:spPr>
+          <a:xfrm>
+            <a:off x="265500" y="1233175"/>
+            <a:ext cx="4045200" cy="1482300"/>
+          </a:xfrm>
+          <a:prstGeom prst="rect">
+            <a:avLst/>
+          </a:prstGeom>
+        </p:spPr>
+        <p:txBody>
+          <a:bodyPr spcFirstLastPara="1" wrap="square" lIns="91425" tIns="91425" rIns="91425" bIns="91425" anchor="b" anchorCtr="0">
+            <a:noAutofit/>
+          </a:bodyPr>
+          <a:lstStyle>
+            <a:lvl1pPr lvl="0" algn="ctr">
+              <a:spcBef>
+                <a:spcPts val="0"/>
+              </a:spcBef>
+              <a:spcAft>
+                <a:spcPts val="0"/>
+              </a:spcAft>
+              <a:buSzPts val="4200"/>
+              <a:buNone/>
+              <a:defRPr sz="4200"/>
+            </a:lvl1pPr>
+            <a:lvl2pPr lvl="1" algn="ctr">
+              <a:spcBef>
+                <a:spcPts val="0"/>
+              </a:spcBef>
+              <a:spcAft>
+                <a:spcPts val="0"/>
+              </a:spcAft>
+              <a:buSzPts val="4200"/>
+              <a:buNone/>
+              <a:defRPr sz="4200"/>
+            </a:lvl2pPr>
+            <a:lvl3pPr lvl="2" algn="ctr">
+              <a:spcBef>
+                <a:spcPts val="0"/>
+              </a:spcBef>
+              <a:spcAft>
+                <a:spcPts val="0"/>
+              </a:spcAft>
+              <a:buSzPts val="4200"/>
+              <a:buNone/>
+              <a:defRPr sz="4200"/>
+            </a:lvl3pPr>
+            <a:lvl4pPr lvl="3" algn="ctr">
+              <a:spcBef>
+                <a:spcPts val="0"/>
+              </a:spcBef>
+              <a:spcAft>
+                <a:spcPts val="0"/>
+              </a:spcAft>
+              <a:buSzPts val="4200"/>
+              <a:buNone/>
+              <a:defRPr sz="4200"/>
+            </a:lvl4pPr>
+            <a:lvl5pPr lvl="4" algn="ctr">
+              <a:spcBef>
+                <a:spcPts val="0"/>
+              </a:spcBef>
+              <a:spcAft>
+                <a:spcPts val="0"/>
+              </a:spcAft>
+              <a:buSzPts val="4200"/>
+              <a:buNone/>
+              <a:defRPr sz="4200"/>
+            </a:lvl5pPr>
+            <a:lvl6pPr lvl="5" algn="ctr">
+              <a:spcBef>
+                <a:spcPts val="0"/>
+              </a:spcBef>
+              <a:spcAft>
+                <a:spcPts val="0"/>
+              </a:spcAft>
+              <a:buSzPts val="4200"/>
+              <a:buNone/>
+              <a:defRPr sz="4200"/>
+            </a:lvl6pPr>
+            <a:lvl7pPr lvl="6" algn="ctr">
+              <a:spcBef>
+                <a:spcPts val="0"/>
+              </a:spcBef>
+              <a:spcAft>
+                <a:spcPts val="0"/>
+              </a:spcAft>
+              <a:buSzPts val="4200"/>
+              <a:buNone/>
+              <a:defRPr sz="4200"/>
+            </a:lvl7pPr>
+            <a:lvl8pPr lvl="7" algn="ctr">
+              <a:spcBef>
+                <a:spcPts val="0"/>
+              </a:spcBef>
+              <a:spcAft>
+                <a:spcPts val="0"/>
+              </a:spcAft>
+              <a:buSzPts val="4200"/>
+              <a:buNone/>
+              <a:defRPr sz="4200"/>
+            </a:lvl8pPr>
+            <a:lvl9pPr lvl="8" algn="ctr">
+              <a:spcBef>
+                <a:spcPts val="0"/>
+              </a:spcBef>
+              <a:spcAft>
+                <a:spcPts val="0"/>
+              </a:spcAft>
+              <a:buSzPts val="4200"/>
+              <a:buNone/>
+              <a:defRPr sz="4200"/>
+            </a:lvl9pPr>
+          </a:lstStyle>
+          <a:p>
+            <a:endParaRPr/>
+          </a:p>
+        </p:txBody>
+      </p:sp>
+      <p:sp>
+        <p:nvSpPr>
+          <p:cNvPr id="59" name="Google Shape;59;p11"/>
+          <p:cNvSpPr txBox="1">
+            <a:spLocks noGrp="1"/>
+          </p:cNvSpPr>
+          <p:nvPr>
+            <p:ph type="subTitle" idx="1"/>
+          </p:nvPr>
+        </p:nvSpPr>
+        <p:spPr>
+          <a:xfrm>
+            <a:off x="265500" y="2803075"/>
+            <a:ext cx="4045200" cy="1235100"/>
+          </a:xfrm>
+          <a:prstGeom prst="rect">
+            <a:avLst/>
+          </a:prstGeom>
+        </p:spPr>
+        <p:txBody>
+          <a:bodyPr spcFirstLastPara="1" wrap="square" lIns="91425" tIns="91425" rIns="91425" bIns="91425" anchor="t" anchorCtr="0">
+            <a:noAutofit/>
+          </a:bodyPr>
+          <a:lstStyle>
+            <a:lvl1pPr lvl="0" algn="ctr">
+              <a:lnSpc>
+                <a:spcPct val="100000"/>
+              </a:lnSpc>
+              <a:spcBef>
+                <a:spcPts val="0"/>
+              </a:spcBef>
+              <a:spcAft>
+                <a:spcPts val="0"/>
+              </a:spcAft>
+              <a:buSzPts val="2100"/>
+              <a:buNone/>
+              <a:defRPr sz="2100"/>
+            </a:lvl1pPr>
+            <a:lvl2pPr lvl="1" algn="ctr">
+              <a:lnSpc>
+                <a:spcPct val="100000"/>
+              </a:lnSpc>
+              <a:spcBef>
+                <a:spcPts val="0"/>
+              </a:spcBef>
+              <a:spcAft>
+                <a:spcPts val="0"/>
+              </a:spcAft>
+              <a:buSzPts val="2100"/>
+              <a:buNone/>
+              <a:defRPr sz="2100"/>
+            </a:lvl2pPr>
+            <a:lvl3pPr lvl="2" algn="ctr">
+              <a:lnSpc>
+                <a:spcPct val="100000"/>
+              </a:lnSpc>
+              <a:spcBef>
+                <a:spcPts val="0"/>
+              </a:spcBef>
+              <a:spcAft>
+                <a:spcPts val="0"/>
+              </a:spcAft>
+              <a:buSzPts val="2100"/>
+              <a:buNone/>
+              <a:defRPr sz="2100"/>
+            </a:lvl3pPr>
+            <a:lvl4pPr lvl="3" algn="ctr">
+              <a:lnSpc>
+                <a:spcPct val="100000"/>
+              </a:lnSpc>
+              <a:spcBef>
+                <a:spcPts val="0"/>
+              </a:spcBef>
+              <a:spcAft>
+                <a:spcPts val="0"/>
+              </a:spcAft>
+              <a:buSzPts val="2100"/>
+              <a:buNone/>
+              <a:defRPr sz="2100"/>
+            </a:lvl4pPr>
+            <a:lvl5pPr lvl="4" algn="ctr">
+              <a:lnSpc>
+                <a:spcPct val="100000"/>
+              </a:lnSpc>
+              <a:spcBef>
+                <a:spcPts val="0"/>
+              </a:spcBef>
+              <a:spcAft>
+                <a:spcPts val="0"/>
+              </a:spcAft>
+              <a:buSzPts val="2100"/>
+              <a:buNone/>
+              <a:defRPr sz="2100"/>
+            </a:lvl5pPr>
+            <a:lvl6pPr lvl="5" algn="ctr">
+              <a:lnSpc>
+                <a:spcPct val="100000"/>
+              </a:lnSpc>
+              <a:spcBef>
+                <a:spcPts val="0"/>
+              </a:spcBef>
+              <a:spcAft>
+                <a:spcPts val="0"/>
+              </a:spcAft>
+              <a:buSzPts val="2100"/>
+              <a:buNone/>
+              <a:defRPr sz="2100"/>
+            </a:lvl6pPr>
+            <a:lvl7pPr lvl="6" algn="ctr">
+              <a:lnSpc>
+                <a:spcPct val="100000"/>
+              </a:lnSpc>
+              <a:spcBef>
+                <a:spcPts val="0"/>
+              </a:spcBef>
+              <a:spcAft>
+                <a:spcPts val="0"/>
+              </a:spcAft>
+              <a:buSzPts val="2100"/>
+              <a:buNone/>
+              <a:defRPr sz="2100"/>
+            </a:lvl7pPr>
+            <a:lvl8pPr lvl="7" algn="ctr">
+              <a:lnSpc>
+                <a:spcPct val="100000"/>
+              </a:lnSpc>
+              <a:spcBef>
+                <a:spcPts val="0"/>
+              </a:spcBef>
+              <a:spcAft>
+                <a:spcPts val="0"/>
+              </a:spcAft>
+              <a:buSzPts val="2100"/>
+              <a:buNone/>
+              <a:defRPr sz="2100"/>
+            </a:lvl8pPr>
+            <a:lvl9pPr lvl="8" algn="ctr">
+              <a:lnSpc>
+                <a:spcPct val="100000"/>
+              </a:lnSpc>
+              <a:spcBef>
+                <a:spcPts val="0"/>
+              </a:spcBef>
+              <a:spcAft>
+                <a:spcPts val="0"/>
+              </a:spcAft>
+              <a:buSzPts val="2100"/>
+              <a:buNone/>
+              <a:defRPr sz="2100"/>
+            </a:lvl9pPr>
+          </a:lstStyle>
+          <a:p>
+            <a:endParaRPr/>
+          </a:p>
+        </p:txBody>
+      </p:sp>
+      <p:sp>
+        <p:nvSpPr>
+          <p:cNvPr id="60" name="Google Shape;60;p11"/>
+          <p:cNvSpPr txBox="1">
+            <a:spLocks noGrp="1"/>
+          </p:cNvSpPr>
+          <p:nvPr>
+            <p:ph type="body" idx="2"/>
+          </p:nvPr>
+        </p:nvSpPr>
+        <p:spPr>
+          <a:xfrm>
+            <a:off x="4939500" y="724075"/>
+            <a:ext cx="3837000" cy="3695100"/>
+          </a:xfrm>
+          <a:prstGeom prst="rect">
+            <a:avLst/>
+          </a:prstGeom>
+        </p:spPr>
+        <p:txBody>
+          <a:bodyPr spcFirstLastPara="1" wrap="square" lIns="91425" tIns="91425" rIns="91425" bIns="91425" anchor="ctr" anchorCtr="0">
+            <a:noAutofit/>
+          </a:bodyPr>
+          <a:lstStyle>
+            <a:lvl1pPr marL="457200" lvl="0" indent="-342900">
+              <a:spcBef>
+                <a:spcPts val="0"/>
+              </a:spcBef>
+              <a:spcAft>
+                <a:spcPts val="0"/>
+              </a:spcAft>
+              <a:buSzPts val="1800"/>
+              <a:buChar char="●"/>
+              <a:defRPr/>
+            </a:lvl1pPr>
+            <a:lvl2pPr marL="914400" lvl="1" indent="-317500">
+              <a:spcBef>
+                <a:spcPts val="1600"/>
+              </a:spcBef>
+              <a:spcAft>
+                <a:spcPts val="0"/>
+              </a:spcAft>
+              <a:buSzPts val="1400"/>
+              <a:buChar char="○"/>
+              <a:defRPr/>
+            </a:lvl2pPr>
+            <a:lvl3pPr marL="1371600" lvl="2" indent="-317500">
+              <a:spcBef>
+                <a:spcPts val="1600"/>
+              </a:spcBef>
+              <a:spcAft>
+                <a:spcPts val="0"/>
+              </a:spcAft>
+              <a:buSzPts val="1400"/>
+              <a:buChar char="■"/>
+              <a:defRPr/>
+            </a:lvl3pPr>
+            <a:lvl4pPr marL="1828800" lvl="3" indent="-317500">
+              <a:spcBef>
+                <a:spcPts val="1600"/>
+              </a:spcBef>
+              <a:spcAft>
+                <a:spcPts val="0"/>
+              </a:spcAft>
+              <a:buSzPts val="1400"/>
+              <a:buChar char="●"/>
+              <a:defRPr/>
+            </a:lvl4pPr>
+            <a:lvl5pPr marL="2286000" lvl="4" indent="-317500">
+              <a:spcBef>
+                <a:spcPts val="1600"/>
+              </a:spcBef>
+              <a:spcAft>
+                <a:spcPts val="0"/>
+              </a:spcAft>
+              <a:buSzPts val="1400"/>
+              <a:buChar char="○"/>
+              <a:defRPr/>
+            </a:lvl5pPr>
+            <a:lvl6pPr marL="2743200" lvl="5" indent="-317500">
+              <a:spcBef>
+                <a:spcPts val="1600"/>
+              </a:spcBef>
+              <a:spcAft>
+                <a:spcPts val="0"/>
+              </a:spcAft>
+              <a:buSzPts val="1400"/>
+              <a:buChar char="■"/>
+              <a:defRPr/>
+            </a:lvl6pPr>
+            <a:lvl7pPr marL="3200400" lvl="6" indent="-317500">
+              <a:spcBef>
+                <a:spcPts val="1600"/>
+              </a:spcBef>
+              <a:spcAft>
+                <a:spcPts val="0"/>
+              </a:spcAft>
+              <a:buSzPts val="1400"/>
+              <a:buChar char="●"/>
+              <a:defRPr/>
+            </a:lvl7pPr>
+            <a:lvl8pPr marL="3657600" lvl="7" indent="-317500">
+              <a:spcBef>
+                <a:spcPts val="1600"/>
+              </a:spcBef>
+              <a:spcAft>
+                <a:spcPts val="0"/>
+              </a:spcAft>
+              <a:buSzPts val="1400"/>
+              <a:buChar char="○"/>
+              <a:defRPr/>
+            </a:lvl8pPr>
+            <a:lvl9pPr marL="4114800" lvl="8" indent="-317500">
+              <a:spcBef>
+                <a:spcPts val="1600"/>
+              </a:spcBef>
+              <a:spcAft>
+                <a:spcPts val="1600"/>
+              </a:spcAft>
+              <a:buSzPts val="1400"/>
+              <a:buChar char="■"/>
+              <a:defRPr/>
+            </a:lvl9pPr>
+          </a:lstStyle>
+          <a:p>
+            <a:endParaRPr/>
+          </a:p>
+        </p:txBody>
+      </p:sp>
+      <p:sp>
+        <p:nvSpPr>
+          <p:cNvPr id="61" name="Google Shape;61;p11"/>
           <p:cNvSpPr txBox="1">
             <a:spLocks noGrp="1"/>
           </p:cNvSpPr>
@@ -7515,16 +6793,15 @@
     <p:sldLayoutId id="2147483649" r:id="rId2"/>
     <p:sldLayoutId id="2147483650" r:id="rId3"/>
     <p:sldLayoutId id="2147483651" r:id="rId4"/>
-    <p:sldLayoutId id="2147483652" r:id="rId5"/>
-    <p:sldLayoutId id="2147483653" r:id="rId6"/>
-    <p:sldLayoutId id="2147483654" r:id="rId7"/>
-    <p:sldLayoutId id="2147483655" r:id="rId8"/>
-    <p:sldLayoutId id="2147483656" r:id="rId9"/>
-    <p:sldLayoutId id="2147483657" r:id="rId10"/>
-    <p:sldLayoutId id="2147483658" r:id="rId11"/>
-    <p:sldLayoutId id="2147483659" r:id="rId12"/>
-    <p:sldLayoutId id="2147483660" r:id="rId13"/>
-    <p:sldLayoutId id="2147483661" r:id="rId14"/>
+    <p:sldLayoutId id="2147483653" r:id="rId5"/>
+    <p:sldLayoutId id="2147483654" r:id="rId6"/>
+    <p:sldLayoutId id="2147483655" r:id="rId7"/>
+    <p:sldLayoutId id="2147483656" r:id="rId8"/>
+    <p:sldLayoutId id="2147483657" r:id="rId9"/>
+    <p:sldLayoutId id="2147483658" r:id="rId10"/>
+    <p:sldLayoutId id="2147483659" r:id="rId11"/>
+    <p:sldLayoutId id="2147483660" r:id="rId12"/>
+    <p:sldLayoutId id="2147483661" r:id="rId13"/>
   </p:sldLayoutIdLst>
   <p:hf sldNum="0" hdr="0" ftr="0" dt="0"/>
   <p:txStyles>
@@ -8386,7 +7663,2091 @@
 </p:sld>
 </file>
 
-<file path=ppt/slides/slide10.xml><?xml version="1.0" encoding="utf-8"?>
+<file path=ppt/slides/slide2.xml><?xml version="1.0" encoding="utf-8"?>
+<p:sld xmlns:a="http://schemas.openxmlformats.org/drawingml/2006/main" xmlns:r="http://schemas.openxmlformats.org/officeDocument/2006/relationships" xmlns:p="http://schemas.openxmlformats.org/presentationml/2006/main">
+  <p:cSld>
+    <p:spTree>
+      <p:nvGrpSpPr>
+        <p:cNvPr id="1" name="Shape 89"/>
+        <p:cNvGrpSpPr/>
+        <p:nvPr/>
+      </p:nvGrpSpPr>
+      <p:grpSpPr>
+        <a:xfrm>
+          <a:off x="0" y="0"/>
+          <a:ext cx="0" cy="0"/>
+          <a:chOff x="0" y="0"/>
+          <a:chExt cx="0" cy="0"/>
+        </a:xfrm>
+      </p:grpSpPr>
+      <p:sp>
+        <p:nvSpPr>
+          <p:cNvPr id="90" name="Google Shape;90;p17"/>
+          <p:cNvSpPr txBox="1">
+            <a:spLocks noGrp="1"/>
+          </p:cNvSpPr>
+          <p:nvPr>
+            <p:ph type="title"/>
+          </p:nvPr>
+        </p:nvSpPr>
+        <p:spPr>
+          <a:xfrm>
+            <a:off x="76200" y="0"/>
+            <a:ext cx="8520600" cy="572700"/>
+          </a:xfrm>
+          <a:prstGeom prst="rect">
+            <a:avLst/>
+          </a:prstGeom>
+        </p:spPr>
+        <p:txBody>
+          <a:bodyPr spcFirstLastPara="1" wrap="square" lIns="91425" tIns="91425" rIns="91425" bIns="91425" anchor="t" anchorCtr="0">
+            <a:noAutofit/>
+          </a:bodyPr>
+          <a:lstStyle/>
+          <a:p>
+            <a:pPr marL="0" lvl="0" indent="0" algn="l" rtl="0">
+              <a:spcBef>
+                <a:spcPts val="0"/>
+              </a:spcBef>
+              <a:spcAft>
+                <a:spcPts val="0"/>
+              </a:spcAft>
+              <a:buNone/>
+            </a:pPr>
+            <a:r>
+              <a:rPr lang="en-GB"/>
+              <a:t>Case Study</a:t>
+            </a:r>
+            <a:endParaRPr/>
+          </a:p>
+        </p:txBody>
+      </p:sp>
+      <p:pic>
+        <p:nvPicPr>
+          <p:cNvPr id="91" name="Google Shape;91;p17"/>
+          <p:cNvPicPr preferRelativeResize="0"/>
+          <p:nvPr/>
+        </p:nvPicPr>
+        <p:blipFill>
+          <a:blip r:embed="rId3">
+            <a:alphaModFix/>
+          </a:blip>
+          <a:stretch>
+            <a:fillRect/>
+          </a:stretch>
+        </p:blipFill>
+        <p:spPr>
+          <a:xfrm>
+            <a:off x="2298175" y="746150"/>
+            <a:ext cx="4927279" cy="4266000"/>
+          </a:xfrm>
+          <a:prstGeom prst="rect">
+            <a:avLst/>
+          </a:prstGeom>
+          <a:noFill/>
+          <a:ln>
+            <a:noFill/>
+          </a:ln>
+        </p:spPr>
+      </p:pic>
+    </p:spTree>
+  </p:cSld>
+  <p:clrMapOvr>
+    <a:masterClrMapping/>
+  </p:clrMapOvr>
+</p:sld>
+</file>
+
+<file path=ppt/slides/slide3.xml><?xml version="1.0" encoding="utf-8"?>
+<p:sld xmlns:a="http://schemas.openxmlformats.org/drawingml/2006/main" xmlns:r="http://schemas.openxmlformats.org/officeDocument/2006/relationships" xmlns:p="http://schemas.openxmlformats.org/presentationml/2006/main">
+  <p:cSld>
+    <p:spTree>
+      <p:nvGrpSpPr>
+        <p:cNvPr id="1" name="Shape 95"/>
+        <p:cNvGrpSpPr/>
+        <p:nvPr/>
+      </p:nvGrpSpPr>
+      <p:grpSpPr>
+        <a:xfrm>
+          <a:off x="0" y="0"/>
+          <a:ext cx="0" cy="0"/>
+          <a:chOff x="0" y="0"/>
+          <a:chExt cx="0" cy="0"/>
+        </a:xfrm>
+      </p:grpSpPr>
+      <p:sp>
+        <p:nvSpPr>
+          <p:cNvPr id="96" name="Google Shape;96;p18"/>
+          <p:cNvSpPr txBox="1">
+            <a:spLocks noGrp="1"/>
+          </p:cNvSpPr>
+          <p:nvPr>
+            <p:ph type="title"/>
+          </p:nvPr>
+        </p:nvSpPr>
+        <p:spPr>
+          <a:xfrm>
+            <a:off x="76200" y="0"/>
+            <a:ext cx="8520600" cy="572700"/>
+          </a:xfrm>
+          <a:prstGeom prst="rect">
+            <a:avLst/>
+          </a:prstGeom>
+        </p:spPr>
+        <p:txBody>
+          <a:bodyPr spcFirstLastPara="1" wrap="square" lIns="91425" tIns="91425" rIns="91425" bIns="91425" anchor="t" anchorCtr="0">
+            <a:noAutofit/>
+          </a:bodyPr>
+          <a:lstStyle/>
+          <a:p>
+            <a:pPr marL="0" lvl="0" indent="0" algn="l" rtl="0">
+              <a:spcBef>
+                <a:spcPts val="0"/>
+              </a:spcBef>
+              <a:spcAft>
+                <a:spcPts val="0"/>
+              </a:spcAft>
+              <a:buNone/>
+            </a:pPr>
+            <a:r>
+              <a:rPr lang="en-GB"/>
+              <a:t>Bioinformatics Analysis Workflow</a:t>
+            </a:r>
+            <a:endParaRPr/>
+          </a:p>
+        </p:txBody>
+      </p:sp>
+      <p:pic>
+        <p:nvPicPr>
+          <p:cNvPr id="3" name="Graphic 2">
+            <a:extLst>
+              <a:ext uri="{FF2B5EF4-FFF2-40B4-BE49-F238E27FC236}">
+                <a16:creationId xmlns:a16="http://schemas.microsoft.com/office/drawing/2014/main" id="{DF226EA2-2DC7-9FBB-9AD8-85EFF4FA2098}"/>
+              </a:ext>
+            </a:extLst>
+          </p:cNvPr>
+          <p:cNvPicPr>
+            <a:picLocks noChangeAspect="1"/>
+          </p:cNvPicPr>
+          <p:nvPr/>
+        </p:nvPicPr>
+        <p:blipFill>
+          <a:blip r:embed="rId3">
+            <a:extLst>
+              <a:ext uri="{96DAC541-7B7A-43D3-8B79-37D633B846F1}">
+                <asvg:svgBlip xmlns:asvg="http://schemas.microsoft.com/office/drawing/2016/SVG/main" r:embed="rId4"/>
+              </a:ext>
+            </a:extLst>
+          </a:blip>
+          <a:stretch>
+            <a:fillRect/>
+          </a:stretch>
+        </p:blipFill>
+        <p:spPr>
+          <a:xfrm>
+            <a:off x="685800" y="847285"/>
+            <a:ext cx="7772400" cy="3911893"/>
+          </a:xfrm>
+          <a:prstGeom prst="rect">
+            <a:avLst/>
+          </a:prstGeom>
+        </p:spPr>
+      </p:pic>
+    </p:spTree>
+  </p:cSld>
+  <p:clrMapOvr>
+    <a:masterClrMapping/>
+  </p:clrMapOvr>
+</p:sld>
+</file>
+
+<file path=ppt/slides/slide4.xml><?xml version="1.0" encoding="utf-8"?>
+<p:sld xmlns:a="http://schemas.openxmlformats.org/drawingml/2006/main" xmlns:r="http://schemas.openxmlformats.org/officeDocument/2006/relationships" xmlns:p="http://schemas.openxmlformats.org/presentationml/2006/main">
+  <p:cSld>
+    <p:spTree>
+      <p:nvGrpSpPr>
+        <p:cNvPr id="1" name="Shape 163"/>
+        <p:cNvGrpSpPr/>
+        <p:nvPr/>
+      </p:nvGrpSpPr>
+      <p:grpSpPr>
+        <a:xfrm>
+          <a:off x="0" y="0"/>
+          <a:ext cx="0" cy="0"/>
+          <a:chOff x="0" y="0"/>
+          <a:chExt cx="0" cy="0"/>
+        </a:xfrm>
+      </p:grpSpPr>
+      <p:sp>
+        <p:nvSpPr>
+          <p:cNvPr id="164" name="Google Shape;164;p23"/>
+          <p:cNvSpPr txBox="1">
+            <a:spLocks noGrp="1"/>
+          </p:cNvSpPr>
+          <p:nvPr>
+            <p:ph type="title"/>
+          </p:nvPr>
+        </p:nvSpPr>
+        <p:spPr>
+          <a:xfrm>
+            <a:off x="76200" y="0"/>
+            <a:ext cx="8520600" cy="572700"/>
+          </a:xfrm>
+          <a:prstGeom prst="rect">
+            <a:avLst/>
+          </a:prstGeom>
+        </p:spPr>
+        <p:txBody>
+          <a:bodyPr spcFirstLastPara="1" wrap="square" lIns="91425" tIns="91425" rIns="91425" bIns="91425" anchor="t" anchorCtr="0">
+            <a:noAutofit/>
+          </a:bodyPr>
+          <a:lstStyle/>
+          <a:p>
+            <a:pPr marL="0" lvl="0" indent="0" algn="l" rtl="0">
+              <a:spcBef>
+                <a:spcPts val="0"/>
+              </a:spcBef>
+              <a:spcAft>
+                <a:spcPts val="0"/>
+              </a:spcAft>
+              <a:buNone/>
+            </a:pPr>
+            <a:r>
+              <a:rPr lang="en-GB"/>
+              <a:t>Two Factor Models</a:t>
+            </a:r>
+            <a:endParaRPr/>
+          </a:p>
+        </p:txBody>
+      </p:sp>
+      <p:pic>
+        <p:nvPicPr>
+          <p:cNvPr id="165" name="Google Shape;165;p23"/>
+          <p:cNvPicPr preferRelativeResize="0"/>
+          <p:nvPr/>
+        </p:nvPicPr>
+        <p:blipFill>
+          <a:blip r:embed="rId3">
+            <a:alphaModFix/>
+          </a:blip>
+          <a:stretch>
+            <a:fillRect/>
+          </a:stretch>
+        </p:blipFill>
+        <p:spPr>
+          <a:xfrm>
+            <a:off x="152400" y="1087225"/>
+            <a:ext cx="8839204" cy="3077320"/>
+          </a:xfrm>
+          <a:prstGeom prst="rect">
+            <a:avLst/>
+          </a:prstGeom>
+          <a:noFill/>
+          <a:ln>
+            <a:noFill/>
+          </a:ln>
+        </p:spPr>
+      </p:pic>
+    </p:spTree>
+  </p:cSld>
+  <p:clrMapOvr>
+    <a:masterClrMapping/>
+  </p:clrMapOvr>
+</p:sld>
+</file>
+
+<file path=ppt/slides/slide5.xml><?xml version="1.0" encoding="utf-8"?>
+<p:sld xmlns:a="http://schemas.openxmlformats.org/drawingml/2006/main" xmlns:r="http://schemas.openxmlformats.org/officeDocument/2006/relationships" xmlns:p="http://schemas.openxmlformats.org/presentationml/2006/main">
+  <p:cSld>
+    <p:spTree>
+      <p:nvGrpSpPr>
+        <p:cNvPr id="1" name="Shape 169"/>
+        <p:cNvGrpSpPr/>
+        <p:nvPr/>
+      </p:nvGrpSpPr>
+      <p:grpSpPr>
+        <a:xfrm>
+          <a:off x="0" y="0"/>
+          <a:ext cx="0" cy="0"/>
+          <a:chOff x="0" y="0"/>
+          <a:chExt cx="0" cy="0"/>
+        </a:xfrm>
+      </p:grpSpPr>
+      <p:sp>
+        <p:nvSpPr>
+          <p:cNvPr id="170" name="Google Shape;170;p24"/>
+          <p:cNvSpPr txBox="1">
+            <a:spLocks noGrp="1"/>
+          </p:cNvSpPr>
+          <p:nvPr>
+            <p:ph type="title"/>
+          </p:nvPr>
+        </p:nvSpPr>
+        <p:spPr>
+          <a:xfrm>
+            <a:off x="76200" y="0"/>
+            <a:ext cx="8520600" cy="572700"/>
+          </a:xfrm>
+          <a:prstGeom prst="rect">
+            <a:avLst/>
+          </a:prstGeom>
+        </p:spPr>
+        <p:txBody>
+          <a:bodyPr spcFirstLastPara="1" wrap="square" lIns="91425" tIns="91425" rIns="91425" bIns="91425" anchor="t" anchorCtr="0">
+            <a:noAutofit/>
+          </a:bodyPr>
+          <a:lstStyle/>
+          <a:p>
+            <a:pPr marL="0" lvl="0" indent="0" algn="l" rtl="0">
+              <a:spcBef>
+                <a:spcPts val="0"/>
+              </a:spcBef>
+              <a:spcAft>
+                <a:spcPts val="0"/>
+              </a:spcAft>
+              <a:buClr>
+                <a:schemeClr val="dk1"/>
+              </a:buClr>
+              <a:buSzPts val="1100"/>
+              <a:buFont typeface="Arial"/>
+              <a:buNone/>
+            </a:pPr>
+            <a:r>
+              <a:rPr lang="en-GB"/>
+              <a:t>DESeq2 | Models and Hypothesis Testing | </a:t>
+            </a:r>
+            <a:r>
+              <a:rPr lang="en-GB">
+                <a:solidFill>
+                  <a:srgbClr val="E06666"/>
+                </a:solidFill>
+              </a:rPr>
+              <a:t>Two-Factor </a:t>
+            </a:r>
+            <a:r>
+              <a:rPr lang="en-GB" u="sng">
+                <a:solidFill>
+                  <a:srgbClr val="E06666"/>
+                </a:solidFill>
+              </a:rPr>
+              <a:t>Additive</a:t>
+            </a:r>
+            <a:r>
+              <a:rPr lang="en-GB">
+                <a:solidFill>
+                  <a:srgbClr val="E06666"/>
+                </a:solidFill>
+              </a:rPr>
+              <a:t> Model</a:t>
+            </a:r>
+            <a:endParaRPr>
+              <a:solidFill>
+                <a:srgbClr val="E06666"/>
+              </a:solidFill>
+            </a:endParaRPr>
+          </a:p>
+          <a:p>
+            <a:pPr marL="0" lvl="0" indent="0" algn="l" rtl="0">
+              <a:spcBef>
+                <a:spcPts val="0"/>
+              </a:spcBef>
+              <a:spcAft>
+                <a:spcPts val="0"/>
+              </a:spcAft>
+              <a:buNone/>
+            </a:pPr>
+            <a:endParaRPr/>
+          </a:p>
+        </p:txBody>
+      </p:sp>
+      <p:pic>
+        <p:nvPicPr>
+          <p:cNvPr id="171" name="Google Shape;171;p24"/>
+          <p:cNvPicPr preferRelativeResize="0"/>
+          <p:nvPr/>
+        </p:nvPicPr>
+        <p:blipFill>
+          <a:blip r:embed="rId3">
+            <a:alphaModFix/>
+          </a:blip>
+          <a:stretch>
+            <a:fillRect/>
+          </a:stretch>
+        </p:blipFill>
+        <p:spPr>
+          <a:xfrm>
+            <a:off x="197594" y="563183"/>
+            <a:ext cx="4312902" cy="395400"/>
+          </a:xfrm>
+          <a:prstGeom prst="rect">
+            <a:avLst/>
+          </a:prstGeom>
+          <a:noFill/>
+          <a:ln>
+            <a:noFill/>
+          </a:ln>
+        </p:spPr>
+      </p:pic>
+      <p:sp>
+        <p:nvSpPr>
+          <p:cNvPr id="172" name="Google Shape;172;p24"/>
+          <p:cNvSpPr txBox="1"/>
+          <p:nvPr/>
+        </p:nvSpPr>
+        <p:spPr>
+          <a:xfrm>
+            <a:off x="296375" y="1047625"/>
+            <a:ext cx="4536900" cy="723300"/>
+          </a:xfrm>
+          <a:prstGeom prst="rect">
+            <a:avLst/>
+          </a:prstGeom>
+          <a:noFill/>
+          <a:ln>
+            <a:noFill/>
+          </a:ln>
+        </p:spPr>
+        <p:txBody>
+          <a:bodyPr spcFirstLastPara="1" wrap="square" lIns="91425" tIns="91425" rIns="91425" bIns="91425" anchor="t" anchorCtr="0">
+            <a:spAutoFit/>
+          </a:bodyPr>
+          <a:lstStyle/>
+          <a:p>
+            <a:pPr marL="0" lvl="0" indent="0" algn="l" rtl="0">
+              <a:lnSpc>
+                <a:spcPct val="150000"/>
+              </a:lnSpc>
+              <a:spcBef>
+                <a:spcPts val="0"/>
+              </a:spcBef>
+              <a:spcAft>
+                <a:spcPts val="0"/>
+              </a:spcAft>
+              <a:buNone/>
+            </a:pPr>
+            <a:r>
+              <a:rPr lang="en-GB">
+                <a:latin typeface="Cabin"/>
+                <a:ea typeface="Cabin"/>
+                <a:cs typeface="Cabin"/>
+                <a:sym typeface="Cabin"/>
+              </a:rPr>
+              <a:t>Formula syntax: </a:t>
+            </a:r>
+            <a:endParaRPr>
+              <a:latin typeface="Cabin"/>
+              <a:ea typeface="Cabin"/>
+              <a:cs typeface="Cabin"/>
+              <a:sym typeface="Cabin"/>
+            </a:endParaRPr>
+          </a:p>
+          <a:p>
+            <a:pPr marL="0" lvl="0" indent="457200" algn="l" rtl="0">
+              <a:lnSpc>
+                <a:spcPct val="150000"/>
+              </a:lnSpc>
+              <a:spcBef>
+                <a:spcPts val="0"/>
+              </a:spcBef>
+              <a:spcAft>
+                <a:spcPts val="0"/>
+              </a:spcAft>
+              <a:buNone/>
+            </a:pPr>
+            <a:r>
+              <a:rPr lang="en-GB" b="1">
+                <a:latin typeface="Courier New"/>
+                <a:ea typeface="Courier New"/>
+                <a:cs typeface="Courier New"/>
+                <a:sym typeface="Courier New"/>
+              </a:rPr>
+              <a:t>~ Status + TimePoint</a:t>
+            </a:r>
+            <a:endParaRPr b="1">
+              <a:latin typeface="Courier New"/>
+              <a:ea typeface="Courier New"/>
+              <a:cs typeface="Courier New"/>
+              <a:sym typeface="Courier New"/>
+            </a:endParaRPr>
+          </a:p>
+        </p:txBody>
+      </p:sp>
+      <p:cxnSp>
+        <p:nvCxnSpPr>
+          <p:cNvPr id="173" name="Google Shape;173;p24"/>
+          <p:cNvCxnSpPr/>
+          <p:nvPr/>
+        </p:nvCxnSpPr>
+        <p:spPr>
+          <a:xfrm>
+            <a:off x="3091475" y="3895200"/>
+            <a:ext cx="2097000" cy="0"/>
+          </a:xfrm>
+          <a:prstGeom prst="straightConnector1">
+            <a:avLst/>
+          </a:prstGeom>
+          <a:noFill/>
+          <a:ln w="38100" cap="flat" cmpd="sng">
+            <a:solidFill>
+              <a:srgbClr val="595959"/>
+            </a:solidFill>
+            <a:prstDash val="solid"/>
+            <a:round/>
+            <a:headEnd type="none" w="med" len="med"/>
+            <a:tailEnd type="none" w="med" len="med"/>
+          </a:ln>
+        </p:spPr>
+      </p:cxnSp>
+      <p:cxnSp>
+        <p:nvCxnSpPr>
+          <p:cNvPr id="174" name="Google Shape;174;p24"/>
+          <p:cNvCxnSpPr/>
+          <p:nvPr/>
+        </p:nvCxnSpPr>
+        <p:spPr>
+          <a:xfrm rot="10800000">
+            <a:off x="3098379" y="2136718"/>
+            <a:ext cx="0" cy="1767900"/>
+          </a:xfrm>
+          <a:prstGeom prst="straightConnector1">
+            <a:avLst/>
+          </a:prstGeom>
+          <a:noFill/>
+          <a:ln w="38100" cap="flat" cmpd="sng">
+            <a:solidFill>
+              <a:srgbClr val="595959"/>
+            </a:solidFill>
+            <a:prstDash val="solid"/>
+            <a:round/>
+            <a:headEnd type="none" w="med" len="med"/>
+            <a:tailEnd type="none" w="med" len="med"/>
+          </a:ln>
+        </p:spPr>
+      </p:cxnSp>
+      <p:sp>
+        <p:nvSpPr>
+          <p:cNvPr id="175" name="Google Shape;175;p24"/>
+          <p:cNvSpPr/>
+          <p:nvPr/>
+        </p:nvSpPr>
+        <p:spPr>
+          <a:xfrm>
+            <a:off x="3427118" y="3338985"/>
+            <a:ext cx="236700" cy="236400"/>
+          </a:xfrm>
+          <a:prstGeom prst="ellipse">
+            <a:avLst/>
+          </a:prstGeom>
+          <a:solidFill>
+            <a:srgbClr val="D9D9D9"/>
+          </a:solidFill>
+          <a:ln w="9525" cap="flat" cmpd="sng">
+            <a:solidFill>
+              <a:srgbClr val="595959"/>
+            </a:solidFill>
+            <a:prstDash val="solid"/>
+            <a:round/>
+            <a:headEnd type="none" w="sm" len="sm"/>
+            <a:tailEnd type="none" w="sm" len="sm"/>
+          </a:ln>
+        </p:spPr>
+        <p:txBody>
+          <a:bodyPr spcFirstLastPara="1" wrap="square" lIns="91425" tIns="91425" rIns="91425" bIns="91425" anchor="ctr" anchorCtr="0">
+            <a:noAutofit/>
+          </a:bodyPr>
+          <a:lstStyle/>
+          <a:p>
+            <a:pPr marL="0" lvl="0" indent="0" algn="l" rtl="0">
+              <a:spcBef>
+                <a:spcPts val="0"/>
+              </a:spcBef>
+              <a:spcAft>
+                <a:spcPts val="0"/>
+              </a:spcAft>
+              <a:buNone/>
+            </a:pPr>
+            <a:endParaRPr/>
+          </a:p>
+        </p:txBody>
+      </p:sp>
+      <p:sp>
+        <p:nvSpPr>
+          <p:cNvPr id="176" name="Google Shape;176;p24"/>
+          <p:cNvSpPr txBox="1"/>
+          <p:nvPr/>
+        </p:nvSpPr>
+        <p:spPr>
+          <a:xfrm>
+            <a:off x="3914348" y="2869501"/>
+            <a:ext cx="595500" cy="517200"/>
+          </a:xfrm>
+          <a:prstGeom prst="rect">
+            <a:avLst/>
+          </a:prstGeom>
+          <a:noFill/>
+          <a:ln>
+            <a:noFill/>
+          </a:ln>
+        </p:spPr>
+        <p:txBody>
+          <a:bodyPr spcFirstLastPara="1" wrap="square" lIns="91425" tIns="91425" rIns="91425" bIns="91425" anchor="t" anchorCtr="0">
+            <a:noAutofit/>
+          </a:bodyPr>
+          <a:lstStyle/>
+          <a:p>
+            <a:pPr marL="0" lvl="0" indent="0" algn="l" rtl="0">
+              <a:spcBef>
+                <a:spcPts val="0"/>
+              </a:spcBef>
+              <a:spcAft>
+                <a:spcPts val="0"/>
+              </a:spcAft>
+              <a:buNone/>
+            </a:pPr>
+            <a:r>
+              <a:rPr lang="en-GB">
+                <a:solidFill>
+                  <a:srgbClr val="000000"/>
+                </a:solidFill>
+                <a:latin typeface="Cabin"/>
+                <a:ea typeface="Cabin"/>
+                <a:cs typeface="Cabin"/>
+                <a:sym typeface="Cabin"/>
+              </a:rPr>
+              <a:t>𝛽</a:t>
+            </a:r>
+            <a:r>
+              <a:rPr lang="en-GB" baseline="-25000">
+                <a:solidFill>
+                  <a:srgbClr val="000000"/>
+                </a:solidFill>
+                <a:latin typeface="Cabin"/>
+                <a:ea typeface="Cabin"/>
+                <a:cs typeface="Cabin"/>
+                <a:sym typeface="Cabin"/>
+              </a:rPr>
+              <a:t>1</a:t>
+            </a:r>
+            <a:endParaRPr/>
+          </a:p>
+        </p:txBody>
+      </p:sp>
+      <p:sp>
+        <p:nvSpPr>
+          <p:cNvPr id="177" name="Google Shape;177;p24"/>
+          <p:cNvSpPr txBox="1"/>
+          <p:nvPr/>
+        </p:nvSpPr>
+        <p:spPr>
+          <a:xfrm>
+            <a:off x="4416303" y="3048689"/>
+            <a:ext cx="595500" cy="517200"/>
+          </a:xfrm>
+          <a:prstGeom prst="rect">
+            <a:avLst/>
+          </a:prstGeom>
+          <a:noFill/>
+          <a:ln>
+            <a:noFill/>
+          </a:ln>
+        </p:spPr>
+        <p:txBody>
+          <a:bodyPr spcFirstLastPara="1" wrap="square" lIns="91425" tIns="91425" rIns="91425" bIns="91425" anchor="t" anchorCtr="0">
+            <a:noAutofit/>
+          </a:bodyPr>
+          <a:lstStyle/>
+          <a:p>
+            <a:pPr marL="0" lvl="0" indent="0" algn="l" rtl="0">
+              <a:spcBef>
+                <a:spcPts val="0"/>
+              </a:spcBef>
+              <a:spcAft>
+                <a:spcPts val="0"/>
+              </a:spcAft>
+              <a:buNone/>
+            </a:pPr>
+            <a:r>
+              <a:rPr lang="en-GB">
+                <a:solidFill>
+                  <a:srgbClr val="000000"/>
+                </a:solidFill>
+                <a:latin typeface="Cabin"/>
+                <a:ea typeface="Cabin"/>
+                <a:cs typeface="Cabin"/>
+                <a:sym typeface="Cabin"/>
+              </a:rPr>
+              <a:t>𝛽</a:t>
+            </a:r>
+            <a:r>
+              <a:rPr lang="en-GB" baseline="-25000">
+                <a:solidFill>
+                  <a:srgbClr val="000000"/>
+                </a:solidFill>
+                <a:latin typeface="Cabin"/>
+                <a:ea typeface="Cabin"/>
+                <a:cs typeface="Cabin"/>
+                <a:sym typeface="Cabin"/>
+              </a:rPr>
+              <a:t>2</a:t>
+            </a:r>
+            <a:endParaRPr/>
+          </a:p>
+        </p:txBody>
+      </p:sp>
+      <p:sp>
+        <p:nvSpPr>
+          <p:cNvPr id="178" name="Google Shape;178;p24"/>
+          <p:cNvSpPr txBox="1"/>
+          <p:nvPr/>
+        </p:nvSpPr>
+        <p:spPr>
+          <a:xfrm>
+            <a:off x="3192854" y="3918610"/>
+            <a:ext cx="740100" cy="615600"/>
+          </a:xfrm>
+          <a:prstGeom prst="rect">
+            <a:avLst/>
+          </a:prstGeom>
+          <a:noFill/>
+          <a:ln>
+            <a:noFill/>
+          </a:ln>
+        </p:spPr>
+        <p:txBody>
+          <a:bodyPr spcFirstLastPara="1" wrap="square" lIns="91425" tIns="91425" rIns="91425" bIns="91425" anchor="t" anchorCtr="0">
+            <a:spAutoFit/>
+          </a:bodyPr>
+          <a:lstStyle/>
+          <a:p>
+            <a:pPr marL="0" lvl="0" indent="0" algn="ctr" rtl="0">
+              <a:spcBef>
+                <a:spcPts val="0"/>
+              </a:spcBef>
+              <a:spcAft>
+                <a:spcPts val="0"/>
+              </a:spcAft>
+              <a:buNone/>
+            </a:pPr>
+            <a:r>
+              <a:rPr lang="en-GB">
+                <a:latin typeface="Cabin"/>
+                <a:ea typeface="Cabin"/>
+                <a:cs typeface="Cabin"/>
+                <a:sym typeface="Cabin"/>
+              </a:rPr>
+              <a:t>Un</a:t>
+            </a:r>
+            <a:endParaRPr>
+              <a:latin typeface="Cabin"/>
+              <a:ea typeface="Cabin"/>
+              <a:cs typeface="Cabin"/>
+              <a:sym typeface="Cabin"/>
+            </a:endParaRPr>
+          </a:p>
+          <a:p>
+            <a:pPr marL="0" lvl="0" indent="0" algn="ctr" rtl="0">
+              <a:spcBef>
+                <a:spcPts val="0"/>
+              </a:spcBef>
+              <a:spcAft>
+                <a:spcPts val="0"/>
+              </a:spcAft>
+              <a:buNone/>
+            </a:pPr>
+            <a:r>
+              <a:rPr lang="en-GB">
+                <a:latin typeface="Cabin"/>
+                <a:ea typeface="Cabin"/>
+                <a:cs typeface="Cabin"/>
+                <a:sym typeface="Cabin"/>
+              </a:rPr>
+              <a:t>d11</a:t>
+            </a:r>
+            <a:endParaRPr>
+              <a:latin typeface="Cabin"/>
+              <a:ea typeface="Cabin"/>
+              <a:cs typeface="Cabin"/>
+              <a:sym typeface="Cabin"/>
+            </a:endParaRPr>
+          </a:p>
+        </p:txBody>
+      </p:sp>
+      <p:sp>
+        <p:nvSpPr>
+          <p:cNvPr id="179" name="Google Shape;179;p24"/>
+          <p:cNvSpPr txBox="1"/>
+          <p:nvPr/>
+        </p:nvSpPr>
+        <p:spPr>
+          <a:xfrm>
+            <a:off x="4127767" y="3918610"/>
+            <a:ext cx="740100" cy="615600"/>
+          </a:xfrm>
+          <a:prstGeom prst="rect">
+            <a:avLst/>
+          </a:prstGeom>
+          <a:noFill/>
+          <a:ln>
+            <a:noFill/>
+          </a:ln>
+        </p:spPr>
+        <p:txBody>
+          <a:bodyPr spcFirstLastPara="1" wrap="square" lIns="91425" tIns="91425" rIns="91425" bIns="91425" anchor="t" anchorCtr="0">
+            <a:spAutoFit/>
+          </a:bodyPr>
+          <a:lstStyle/>
+          <a:p>
+            <a:pPr marL="0" lvl="0" indent="0" algn="ctr" rtl="0">
+              <a:spcBef>
+                <a:spcPts val="0"/>
+              </a:spcBef>
+              <a:spcAft>
+                <a:spcPts val="0"/>
+              </a:spcAft>
+              <a:buNone/>
+            </a:pPr>
+            <a:r>
+              <a:rPr lang="en-GB">
+                <a:latin typeface="Cabin"/>
+                <a:ea typeface="Cabin"/>
+                <a:cs typeface="Cabin"/>
+                <a:sym typeface="Cabin"/>
+              </a:rPr>
+              <a:t>Un</a:t>
+            </a:r>
+            <a:endParaRPr>
+              <a:latin typeface="Cabin"/>
+              <a:ea typeface="Cabin"/>
+              <a:cs typeface="Cabin"/>
+              <a:sym typeface="Cabin"/>
+            </a:endParaRPr>
+          </a:p>
+          <a:p>
+            <a:pPr marL="0" lvl="0" indent="0" algn="ctr" rtl="0">
+              <a:spcBef>
+                <a:spcPts val="0"/>
+              </a:spcBef>
+              <a:spcAft>
+                <a:spcPts val="0"/>
+              </a:spcAft>
+              <a:buNone/>
+            </a:pPr>
+            <a:r>
+              <a:rPr lang="en-GB">
+                <a:latin typeface="Cabin"/>
+                <a:ea typeface="Cabin"/>
+                <a:cs typeface="Cabin"/>
+                <a:sym typeface="Cabin"/>
+              </a:rPr>
+              <a:t>d33</a:t>
+            </a:r>
+            <a:endParaRPr>
+              <a:latin typeface="Cabin"/>
+              <a:ea typeface="Cabin"/>
+              <a:cs typeface="Cabin"/>
+              <a:sym typeface="Cabin"/>
+            </a:endParaRPr>
+          </a:p>
+        </p:txBody>
+      </p:sp>
+      <p:cxnSp>
+        <p:nvCxnSpPr>
+          <p:cNvPr id="180" name="Google Shape;180;p24"/>
+          <p:cNvCxnSpPr/>
+          <p:nvPr/>
+        </p:nvCxnSpPr>
+        <p:spPr>
+          <a:xfrm>
+            <a:off x="3619182" y="3467821"/>
+            <a:ext cx="1319100" cy="0"/>
+          </a:xfrm>
+          <a:prstGeom prst="straightConnector1">
+            <a:avLst/>
+          </a:prstGeom>
+          <a:noFill/>
+          <a:ln w="9525" cap="flat" cmpd="sng">
+            <a:solidFill>
+              <a:srgbClr val="595959"/>
+            </a:solidFill>
+            <a:prstDash val="dash"/>
+            <a:round/>
+            <a:headEnd type="none" w="med" len="med"/>
+            <a:tailEnd type="none" w="med" len="med"/>
+          </a:ln>
+        </p:spPr>
+      </p:cxnSp>
+      <p:sp>
+        <p:nvSpPr>
+          <p:cNvPr id="181" name="Google Shape;181;p24"/>
+          <p:cNvSpPr txBox="1"/>
+          <p:nvPr/>
+        </p:nvSpPr>
+        <p:spPr>
+          <a:xfrm>
+            <a:off x="4874985" y="3040356"/>
+            <a:ext cx="595500" cy="517200"/>
+          </a:xfrm>
+          <a:prstGeom prst="rect">
+            <a:avLst/>
+          </a:prstGeom>
+          <a:noFill/>
+          <a:ln>
+            <a:noFill/>
+          </a:ln>
+        </p:spPr>
+        <p:txBody>
+          <a:bodyPr spcFirstLastPara="1" wrap="square" lIns="91425" tIns="91425" rIns="91425" bIns="91425" anchor="t" anchorCtr="0">
+            <a:noAutofit/>
+          </a:bodyPr>
+          <a:lstStyle/>
+          <a:p>
+            <a:pPr marL="0" lvl="0" indent="0" algn="l" rtl="0">
+              <a:spcBef>
+                <a:spcPts val="0"/>
+              </a:spcBef>
+              <a:spcAft>
+                <a:spcPts val="0"/>
+              </a:spcAft>
+              <a:buNone/>
+            </a:pPr>
+            <a:r>
+              <a:rPr lang="en-GB">
+                <a:solidFill>
+                  <a:srgbClr val="000000"/>
+                </a:solidFill>
+                <a:latin typeface="Cabin"/>
+                <a:ea typeface="Cabin"/>
+                <a:cs typeface="Cabin"/>
+                <a:sym typeface="Cabin"/>
+              </a:rPr>
+              <a:t>𝛽</a:t>
+            </a:r>
+            <a:r>
+              <a:rPr lang="en-GB" baseline="-25000">
+                <a:solidFill>
+                  <a:srgbClr val="000000"/>
+                </a:solidFill>
+                <a:latin typeface="Cabin"/>
+                <a:ea typeface="Cabin"/>
+                <a:cs typeface="Cabin"/>
+                <a:sym typeface="Cabin"/>
+              </a:rPr>
+              <a:t>2</a:t>
+            </a:r>
+            <a:endParaRPr/>
+          </a:p>
+        </p:txBody>
+      </p:sp>
+      <p:sp>
+        <p:nvSpPr>
+          <p:cNvPr id="182" name="Google Shape;182;p24"/>
+          <p:cNvSpPr txBox="1"/>
+          <p:nvPr/>
+        </p:nvSpPr>
+        <p:spPr>
+          <a:xfrm>
+            <a:off x="4873384" y="2485215"/>
+            <a:ext cx="595500" cy="517200"/>
+          </a:xfrm>
+          <a:prstGeom prst="rect">
+            <a:avLst/>
+          </a:prstGeom>
+          <a:noFill/>
+          <a:ln>
+            <a:noFill/>
+          </a:ln>
+        </p:spPr>
+        <p:txBody>
+          <a:bodyPr spcFirstLastPara="1" wrap="square" lIns="91425" tIns="91425" rIns="91425" bIns="91425" anchor="t" anchorCtr="0">
+            <a:noAutofit/>
+          </a:bodyPr>
+          <a:lstStyle/>
+          <a:p>
+            <a:pPr marL="0" lvl="0" indent="0" algn="l" rtl="0">
+              <a:spcBef>
+                <a:spcPts val="0"/>
+              </a:spcBef>
+              <a:spcAft>
+                <a:spcPts val="0"/>
+              </a:spcAft>
+              <a:buNone/>
+            </a:pPr>
+            <a:r>
+              <a:rPr lang="en-GB">
+                <a:solidFill>
+                  <a:srgbClr val="000000"/>
+                </a:solidFill>
+                <a:latin typeface="Cabin"/>
+                <a:ea typeface="Cabin"/>
+                <a:cs typeface="Cabin"/>
+                <a:sym typeface="Cabin"/>
+              </a:rPr>
+              <a:t>𝛽</a:t>
+            </a:r>
+            <a:r>
+              <a:rPr lang="en-GB" baseline="-25000">
+                <a:solidFill>
+                  <a:srgbClr val="000000"/>
+                </a:solidFill>
+                <a:latin typeface="Cabin"/>
+                <a:ea typeface="Cabin"/>
+                <a:cs typeface="Cabin"/>
+                <a:sym typeface="Cabin"/>
+              </a:rPr>
+              <a:t>1</a:t>
+            </a:r>
+            <a:endParaRPr/>
+          </a:p>
+        </p:txBody>
+      </p:sp>
+      <p:grpSp>
+        <p:nvGrpSpPr>
+          <p:cNvPr id="183" name="Google Shape;183;p24"/>
+          <p:cNvGrpSpPr/>
+          <p:nvPr/>
+        </p:nvGrpSpPr>
+        <p:grpSpPr>
+          <a:xfrm>
+            <a:off x="4356440" y="2893554"/>
+            <a:ext cx="262189" cy="262269"/>
+            <a:chOff x="2735900" y="2493575"/>
+            <a:chExt cx="609600" cy="725100"/>
+          </a:xfrm>
+        </p:grpSpPr>
+        <p:sp>
+          <p:nvSpPr>
+            <p:cNvPr id="184" name="Google Shape;184;p24"/>
+            <p:cNvSpPr/>
+            <p:nvPr/>
+          </p:nvSpPr>
+          <p:spPr>
+            <a:xfrm>
+              <a:off x="2735900" y="2493575"/>
+              <a:ext cx="609600" cy="572700"/>
+            </a:xfrm>
+            <a:prstGeom prst="triangle">
+              <a:avLst>
+                <a:gd name="adj" fmla="val 50000"/>
+              </a:avLst>
+            </a:prstGeom>
+            <a:solidFill>
+              <a:srgbClr val="CCCCCC"/>
+            </a:solidFill>
+            <a:ln w="9525" cap="flat" cmpd="sng">
+              <a:solidFill>
+                <a:srgbClr val="CCCCCC"/>
+              </a:solidFill>
+              <a:prstDash val="solid"/>
+              <a:round/>
+              <a:headEnd type="none" w="sm" len="sm"/>
+              <a:tailEnd type="none" w="sm" len="sm"/>
+            </a:ln>
+          </p:spPr>
+          <p:txBody>
+            <a:bodyPr spcFirstLastPara="1" wrap="square" lIns="91425" tIns="91425" rIns="91425" bIns="91425" anchor="ctr" anchorCtr="0">
+              <a:noAutofit/>
+            </a:bodyPr>
+            <a:lstStyle/>
+            <a:p>
+              <a:pPr marL="0" lvl="0" indent="0" algn="l" rtl="0">
+                <a:spcBef>
+                  <a:spcPts val="0"/>
+                </a:spcBef>
+                <a:spcAft>
+                  <a:spcPts val="0"/>
+                </a:spcAft>
+                <a:buNone/>
+              </a:pPr>
+              <a:endParaRPr/>
+            </a:p>
+          </p:txBody>
+        </p:sp>
+        <p:sp>
+          <p:nvSpPr>
+            <p:cNvPr id="185" name="Google Shape;185;p24"/>
+            <p:cNvSpPr/>
+            <p:nvPr/>
+          </p:nvSpPr>
+          <p:spPr>
+            <a:xfrm rot="10800000" flipH="1">
+              <a:off x="2735900" y="2645975"/>
+              <a:ext cx="609600" cy="572700"/>
+            </a:xfrm>
+            <a:prstGeom prst="triangle">
+              <a:avLst>
+                <a:gd name="adj" fmla="val 50000"/>
+              </a:avLst>
+            </a:prstGeom>
+            <a:solidFill>
+              <a:srgbClr val="CCCCCC"/>
+            </a:solidFill>
+            <a:ln w="9525" cap="flat" cmpd="sng">
+              <a:solidFill>
+                <a:srgbClr val="CCCCCC"/>
+              </a:solidFill>
+              <a:prstDash val="solid"/>
+              <a:round/>
+              <a:headEnd type="none" w="sm" len="sm"/>
+              <a:tailEnd type="none" w="sm" len="sm"/>
+            </a:ln>
+          </p:spPr>
+          <p:txBody>
+            <a:bodyPr spcFirstLastPara="1" wrap="square" lIns="91425" tIns="91425" rIns="91425" bIns="91425" anchor="ctr" anchorCtr="0">
+              <a:noAutofit/>
+            </a:bodyPr>
+            <a:lstStyle/>
+            <a:p>
+              <a:pPr marL="0" lvl="0" indent="0" algn="l" rtl="0">
+                <a:spcBef>
+                  <a:spcPts val="0"/>
+                </a:spcBef>
+                <a:spcAft>
+                  <a:spcPts val="0"/>
+                </a:spcAft>
+                <a:buNone/>
+              </a:pPr>
+              <a:endParaRPr/>
+            </a:p>
+          </p:txBody>
+        </p:sp>
+      </p:grpSp>
+      <p:grpSp>
+        <p:nvGrpSpPr>
+          <p:cNvPr id="186" name="Google Shape;186;p24"/>
+          <p:cNvGrpSpPr/>
+          <p:nvPr/>
+        </p:nvGrpSpPr>
+        <p:grpSpPr>
+          <a:xfrm>
+            <a:off x="4804537" y="2303909"/>
+            <a:ext cx="262189" cy="262269"/>
+            <a:chOff x="2735900" y="2493575"/>
+            <a:chExt cx="609600" cy="725100"/>
+          </a:xfrm>
+        </p:grpSpPr>
+        <p:sp>
+          <p:nvSpPr>
+            <p:cNvPr id="187" name="Google Shape;187;p24"/>
+            <p:cNvSpPr/>
+            <p:nvPr/>
+          </p:nvSpPr>
+          <p:spPr>
+            <a:xfrm>
+              <a:off x="2735900" y="2493575"/>
+              <a:ext cx="609600" cy="572700"/>
+            </a:xfrm>
+            <a:prstGeom prst="triangle">
+              <a:avLst>
+                <a:gd name="adj" fmla="val 50000"/>
+              </a:avLst>
+            </a:prstGeom>
+            <a:solidFill>
+              <a:srgbClr val="A64D79"/>
+            </a:solidFill>
+            <a:ln w="9525" cap="flat" cmpd="sng">
+              <a:solidFill>
+                <a:srgbClr val="A64D79"/>
+              </a:solidFill>
+              <a:prstDash val="solid"/>
+              <a:round/>
+              <a:headEnd type="none" w="sm" len="sm"/>
+              <a:tailEnd type="none" w="sm" len="sm"/>
+            </a:ln>
+          </p:spPr>
+          <p:txBody>
+            <a:bodyPr spcFirstLastPara="1" wrap="square" lIns="91425" tIns="91425" rIns="91425" bIns="91425" anchor="ctr" anchorCtr="0">
+              <a:noAutofit/>
+            </a:bodyPr>
+            <a:lstStyle/>
+            <a:p>
+              <a:pPr marL="0" lvl="0" indent="0" algn="l" rtl="0">
+                <a:spcBef>
+                  <a:spcPts val="0"/>
+                </a:spcBef>
+                <a:spcAft>
+                  <a:spcPts val="0"/>
+                </a:spcAft>
+                <a:buNone/>
+              </a:pPr>
+              <a:endParaRPr/>
+            </a:p>
+          </p:txBody>
+        </p:sp>
+        <p:sp>
+          <p:nvSpPr>
+            <p:cNvPr id="188" name="Google Shape;188;p24"/>
+            <p:cNvSpPr/>
+            <p:nvPr/>
+          </p:nvSpPr>
+          <p:spPr>
+            <a:xfrm rot="10800000" flipH="1">
+              <a:off x="2735900" y="2645975"/>
+              <a:ext cx="609600" cy="572700"/>
+            </a:xfrm>
+            <a:prstGeom prst="triangle">
+              <a:avLst>
+                <a:gd name="adj" fmla="val 50000"/>
+              </a:avLst>
+            </a:prstGeom>
+            <a:solidFill>
+              <a:srgbClr val="A64D79"/>
+            </a:solidFill>
+            <a:ln w="9525" cap="flat" cmpd="sng">
+              <a:solidFill>
+                <a:srgbClr val="A64D79"/>
+              </a:solidFill>
+              <a:prstDash val="solid"/>
+              <a:round/>
+              <a:headEnd type="none" w="sm" len="sm"/>
+              <a:tailEnd type="none" w="sm" len="sm"/>
+            </a:ln>
+          </p:spPr>
+          <p:txBody>
+            <a:bodyPr spcFirstLastPara="1" wrap="square" lIns="91425" tIns="91425" rIns="91425" bIns="91425" anchor="ctr" anchorCtr="0">
+              <a:noAutofit/>
+            </a:bodyPr>
+            <a:lstStyle/>
+            <a:p>
+              <a:pPr marL="0" lvl="0" indent="0" algn="l" rtl="0">
+                <a:spcBef>
+                  <a:spcPts val="0"/>
+                </a:spcBef>
+                <a:spcAft>
+                  <a:spcPts val="0"/>
+                </a:spcAft>
+                <a:buNone/>
+              </a:pPr>
+              <a:endParaRPr/>
+            </a:p>
+          </p:txBody>
+        </p:sp>
+      </p:grpSp>
+      <p:cxnSp>
+        <p:nvCxnSpPr>
+          <p:cNvPr id="189" name="Google Shape;189;p24"/>
+          <p:cNvCxnSpPr/>
+          <p:nvPr/>
+        </p:nvCxnSpPr>
+        <p:spPr>
+          <a:xfrm rot="10800000" flipH="1">
+            <a:off x="4486868" y="3033210"/>
+            <a:ext cx="3300" cy="440400"/>
+          </a:xfrm>
+          <a:prstGeom prst="straightConnector1">
+            <a:avLst/>
+          </a:prstGeom>
+          <a:noFill/>
+          <a:ln w="9525" cap="flat" cmpd="sng">
+            <a:solidFill>
+              <a:srgbClr val="000000"/>
+            </a:solidFill>
+            <a:prstDash val="solid"/>
+            <a:round/>
+            <a:headEnd type="none" w="med" len="med"/>
+            <a:tailEnd type="triangle" w="med" len="med"/>
+          </a:ln>
+        </p:spPr>
+      </p:cxnSp>
+      <p:cxnSp>
+        <p:nvCxnSpPr>
+          <p:cNvPr id="190" name="Google Shape;190;p24"/>
+          <p:cNvCxnSpPr/>
+          <p:nvPr/>
+        </p:nvCxnSpPr>
+        <p:spPr>
+          <a:xfrm rot="10800000" flipH="1">
+            <a:off x="4949402" y="3033210"/>
+            <a:ext cx="3300" cy="440400"/>
+          </a:xfrm>
+          <a:prstGeom prst="straightConnector1">
+            <a:avLst/>
+          </a:prstGeom>
+          <a:noFill/>
+          <a:ln w="9525" cap="flat" cmpd="sng">
+            <a:solidFill>
+              <a:srgbClr val="000000"/>
+            </a:solidFill>
+            <a:prstDash val="solid"/>
+            <a:round/>
+            <a:headEnd type="none" w="med" len="med"/>
+            <a:tailEnd type="triangle" w="med" len="med"/>
+          </a:ln>
+        </p:spPr>
+      </p:cxnSp>
+      <p:sp>
+        <p:nvSpPr>
+          <p:cNvPr id="191" name="Google Shape;191;p24"/>
+          <p:cNvSpPr/>
+          <p:nvPr/>
+        </p:nvSpPr>
+        <p:spPr>
+          <a:xfrm>
+            <a:off x="3873345" y="2624733"/>
+            <a:ext cx="236700" cy="236400"/>
+          </a:xfrm>
+          <a:prstGeom prst="ellipse">
+            <a:avLst/>
+          </a:prstGeom>
+          <a:solidFill>
+            <a:srgbClr val="A64D79"/>
+          </a:solidFill>
+          <a:ln w="9525" cap="flat" cmpd="sng">
+            <a:solidFill>
+              <a:srgbClr val="595959"/>
+            </a:solidFill>
+            <a:prstDash val="solid"/>
+            <a:round/>
+            <a:headEnd type="none" w="sm" len="sm"/>
+            <a:tailEnd type="none" w="sm" len="sm"/>
+          </a:ln>
+        </p:spPr>
+        <p:txBody>
+          <a:bodyPr spcFirstLastPara="1" wrap="square" lIns="91425" tIns="91425" rIns="91425" bIns="91425" anchor="ctr" anchorCtr="0">
+            <a:noAutofit/>
+          </a:bodyPr>
+          <a:lstStyle/>
+          <a:p>
+            <a:pPr marL="0" lvl="0" indent="0" algn="l" rtl="0">
+              <a:spcBef>
+                <a:spcPts val="0"/>
+              </a:spcBef>
+              <a:spcAft>
+                <a:spcPts val="0"/>
+              </a:spcAft>
+              <a:buNone/>
+            </a:pPr>
+            <a:endParaRPr/>
+          </a:p>
+        </p:txBody>
+      </p:sp>
+      <p:cxnSp>
+        <p:nvCxnSpPr>
+          <p:cNvPr id="192" name="Google Shape;192;p24"/>
+          <p:cNvCxnSpPr/>
+          <p:nvPr/>
+        </p:nvCxnSpPr>
+        <p:spPr>
+          <a:xfrm rot="10800000">
+            <a:off x="4938956" y="2425234"/>
+            <a:ext cx="9600" cy="585000"/>
+          </a:xfrm>
+          <a:prstGeom prst="straightConnector1">
+            <a:avLst/>
+          </a:prstGeom>
+          <a:noFill/>
+          <a:ln w="9525" cap="flat" cmpd="sng">
+            <a:solidFill>
+              <a:srgbClr val="000000"/>
+            </a:solidFill>
+            <a:prstDash val="solid"/>
+            <a:round/>
+            <a:headEnd type="none" w="med" len="med"/>
+            <a:tailEnd type="triangle" w="med" len="med"/>
+          </a:ln>
+        </p:spPr>
+      </p:cxnSp>
+      <p:cxnSp>
+        <p:nvCxnSpPr>
+          <p:cNvPr id="193" name="Google Shape;193;p24"/>
+          <p:cNvCxnSpPr/>
+          <p:nvPr/>
+        </p:nvCxnSpPr>
+        <p:spPr>
+          <a:xfrm rot="10800000">
+            <a:off x="3989980" y="2762968"/>
+            <a:ext cx="0" cy="709800"/>
+          </a:xfrm>
+          <a:prstGeom prst="straightConnector1">
+            <a:avLst/>
+          </a:prstGeom>
+          <a:noFill/>
+          <a:ln w="9525" cap="flat" cmpd="sng">
+            <a:solidFill>
+              <a:srgbClr val="000000"/>
+            </a:solidFill>
+            <a:prstDash val="solid"/>
+            <a:round/>
+            <a:headEnd type="none" w="med" len="med"/>
+            <a:tailEnd type="triangle" w="med" len="med"/>
+          </a:ln>
+        </p:spPr>
+      </p:cxnSp>
+      <p:sp>
+        <p:nvSpPr>
+          <p:cNvPr id="194" name="Google Shape;194;p24"/>
+          <p:cNvSpPr txBox="1"/>
+          <p:nvPr/>
+        </p:nvSpPr>
+        <p:spPr>
+          <a:xfrm>
+            <a:off x="3163146" y="3247843"/>
+            <a:ext cx="595500" cy="517200"/>
+          </a:xfrm>
+          <a:prstGeom prst="rect">
+            <a:avLst/>
+          </a:prstGeom>
+          <a:noFill/>
+          <a:ln>
+            <a:noFill/>
+          </a:ln>
+        </p:spPr>
+        <p:txBody>
+          <a:bodyPr spcFirstLastPara="1" wrap="square" lIns="91425" tIns="91425" rIns="91425" bIns="91425" anchor="t" anchorCtr="0">
+            <a:noAutofit/>
+          </a:bodyPr>
+          <a:lstStyle/>
+          <a:p>
+            <a:pPr marL="0" lvl="0" indent="0" algn="l" rtl="0">
+              <a:spcBef>
+                <a:spcPts val="0"/>
+              </a:spcBef>
+              <a:spcAft>
+                <a:spcPts val="0"/>
+              </a:spcAft>
+              <a:buNone/>
+            </a:pPr>
+            <a:r>
+              <a:rPr lang="en-GB">
+                <a:solidFill>
+                  <a:srgbClr val="000000"/>
+                </a:solidFill>
+                <a:latin typeface="Cabin"/>
+                <a:ea typeface="Cabin"/>
+                <a:cs typeface="Cabin"/>
+                <a:sym typeface="Cabin"/>
+              </a:rPr>
+              <a:t>𝛽</a:t>
+            </a:r>
+            <a:r>
+              <a:rPr lang="en-GB" baseline="-25000">
+                <a:solidFill>
+                  <a:srgbClr val="000000"/>
+                </a:solidFill>
+                <a:latin typeface="Cabin"/>
+                <a:ea typeface="Cabin"/>
+                <a:cs typeface="Cabin"/>
+                <a:sym typeface="Cabin"/>
+              </a:rPr>
+              <a:t>0</a:t>
+            </a:r>
+            <a:endParaRPr/>
+          </a:p>
+        </p:txBody>
+      </p:sp>
+      <p:sp>
+        <p:nvSpPr>
+          <p:cNvPr id="195" name="Google Shape;195;p24"/>
+          <p:cNvSpPr txBox="1"/>
+          <p:nvPr/>
+        </p:nvSpPr>
+        <p:spPr>
+          <a:xfrm>
+            <a:off x="858625" y="2258300"/>
+            <a:ext cx="2160900" cy="1906200"/>
+          </a:xfrm>
+          <a:prstGeom prst="rect">
+            <a:avLst/>
+          </a:prstGeom>
+          <a:noFill/>
+          <a:ln>
+            <a:noFill/>
+          </a:ln>
+        </p:spPr>
+        <p:txBody>
+          <a:bodyPr spcFirstLastPara="1" wrap="square" lIns="91425" tIns="91425" rIns="91425" bIns="91425" anchor="t" anchorCtr="0">
+            <a:noAutofit/>
+          </a:bodyPr>
+          <a:lstStyle/>
+          <a:p>
+            <a:pPr marL="0" lvl="0" indent="0" algn="l" rtl="0">
+              <a:spcBef>
+                <a:spcPts val="0"/>
+              </a:spcBef>
+              <a:spcAft>
+                <a:spcPts val="0"/>
+              </a:spcAft>
+              <a:buNone/>
+            </a:pPr>
+            <a:r>
+              <a:rPr lang="en-GB" sz="1500">
+                <a:latin typeface="Cabin"/>
+                <a:ea typeface="Cabin"/>
+                <a:cs typeface="Cabin"/>
+                <a:sym typeface="Cabin"/>
+              </a:rPr>
+              <a:t>Null hypothesis:</a:t>
+            </a:r>
+            <a:endParaRPr sz="1500">
+              <a:latin typeface="Cabin"/>
+              <a:ea typeface="Cabin"/>
+              <a:cs typeface="Cabin"/>
+              <a:sym typeface="Cabin"/>
+            </a:endParaRPr>
+          </a:p>
+          <a:p>
+            <a:pPr marL="0" lvl="0" indent="0" algn="l" rtl="0">
+              <a:spcBef>
+                <a:spcPts val="0"/>
+              </a:spcBef>
+              <a:spcAft>
+                <a:spcPts val="0"/>
+              </a:spcAft>
+              <a:buNone/>
+            </a:pPr>
+            <a:endParaRPr sz="1500">
+              <a:latin typeface="Cabin"/>
+              <a:ea typeface="Cabin"/>
+              <a:cs typeface="Cabin"/>
+              <a:sym typeface="Cabin"/>
+            </a:endParaRPr>
+          </a:p>
+          <a:p>
+            <a:pPr marL="0" lvl="0" indent="0" algn="l" rtl="0">
+              <a:spcBef>
+                <a:spcPts val="0"/>
+              </a:spcBef>
+              <a:spcAft>
+                <a:spcPts val="0"/>
+              </a:spcAft>
+              <a:buNone/>
+            </a:pPr>
+            <a:r>
+              <a:rPr lang="en-GB" sz="1500">
+                <a:solidFill>
+                  <a:schemeClr val="dk1"/>
+                </a:solidFill>
+                <a:latin typeface="Cabin"/>
+                <a:ea typeface="Cabin"/>
+                <a:cs typeface="Cabin"/>
+                <a:sym typeface="Cabin"/>
+              </a:rPr>
+              <a:t>Infected vs Uninfected</a:t>
+            </a:r>
+            <a:endParaRPr sz="1500">
+              <a:latin typeface="Cabin"/>
+              <a:ea typeface="Cabin"/>
+              <a:cs typeface="Cabin"/>
+              <a:sym typeface="Cabin"/>
+            </a:endParaRPr>
+          </a:p>
+          <a:p>
+            <a:pPr marL="0" lvl="0" indent="0" algn="l" rtl="0">
+              <a:spcBef>
+                <a:spcPts val="0"/>
+              </a:spcBef>
+              <a:spcAft>
+                <a:spcPts val="0"/>
+              </a:spcAft>
+              <a:buNone/>
+            </a:pPr>
+            <a:r>
+              <a:rPr lang="en-GB" sz="1500">
+                <a:solidFill>
+                  <a:srgbClr val="000000"/>
+                </a:solidFill>
+                <a:latin typeface="Cabin"/>
+                <a:ea typeface="Cabin"/>
+                <a:cs typeface="Cabin"/>
+                <a:sym typeface="Cabin"/>
+              </a:rPr>
+              <a:t>𝛽</a:t>
+            </a:r>
+            <a:r>
+              <a:rPr lang="en-GB" sz="1500" baseline="-25000">
+                <a:solidFill>
+                  <a:srgbClr val="000000"/>
+                </a:solidFill>
+                <a:latin typeface="Cabin"/>
+                <a:ea typeface="Cabin"/>
+                <a:cs typeface="Cabin"/>
+                <a:sym typeface="Cabin"/>
+              </a:rPr>
+              <a:t>1</a:t>
+            </a:r>
+            <a:r>
+              <a:rPr lang="en-GB" sz="1500">
+                <a:solidFill>
+                  <a:srgbClr val="000000"/>
+                </a:solidFill>
+                <a:latin typeface="Cabin"/>
+                <a:ea typeface="Cabin"/>
+                <a:cs typeface="Cabin"/>
+                <a:sym typeface="Cabin"/>
+              </a:rPr>
+              <a:t> = 0</a:t>
+            </a:r>
+            <a:endParaRPr sz="1500">
+              <a:solidFill>
+                <a:srgbClr val="000000"/>
+              </a:solidFill>
+              <a:latin typeface="Cabin"/>
+              <a:ea typeface="Cabin"/>
+              <a:cs typeface="Cabin"/>
+              <a:sym typeface="Cabin"/>
+            </a:endParaRPr>
+          </a:p>
+          <a:p>
+            <a:pPr marL="0" lvl="0" indent="0" algn="l" rtl="0">
+              <a:spcBef>
+                <a:spcPts val="0"/>
+              </a:spcBef>
+              <a:spcAft>
+                <a:spcPts val="0"/>
+              </a:spcAft>
+              <a:buNone/>
+            </a:pPr>
+            <a:endParaRPr sz="1500">
+              <a:latin typeface="Cabin"/>
+              <a:ea typeface="Cabin"/>
+              <a:cs typeface="Cabin"/>
+              <a:sym typeface="Cabin"/>
+            </a:endParaRPr>
+          </a:p>
+          <a:p>
+            <a:pPr marL="0" lvl="0" indent="0" algn="l" rtl="0">
+              <a:spcBef>
+                <a:spcPts val="0"/>
+              </a:spcBef>
+              <a:spcAft>
+                <a:spcPts val="0"/>
+              </a:spcAft>
+              <a:buNone/>
+            </a:pPr>
+            <a:r>
+              <a:rPr lang="en-GB" sz="1500">
+                <a:latin typeface="Cabin"/>
+                <a:ea typeface="Cabin"/>
+                <a:cs typeface="Cabin"/>
+                <a:sym typeface="Cabin"/>
+              </a:rPr>
+              <a:t>d33 vs d11</a:t>
+            </a:r>
+            <a:endParaRPr sz="1500">
+              <a:latin typeface="Cabin"/>
+              <a:ea typeface="Cabin"/>
+              <a:cs typeface="Cabin"/>
+              <a:sym typeface="Cabin"/>
+            </a:endParaRPr>
+          </a:p>
+          <a:p>
+            <a:pPr marL="0" lvl="0" indent="0" algn="l" rtl="0">
+              <a:spcBef>
+                <a:spcPts val="0"/>
+              </a:spcBef>
+              <a:spcAft>
+                <a:spcPts val="0"/>
+              </a:spcAft>
+              <a:buNone/>
+            </a:pPr>
+            <a:r>
+              <a:rPr lang="en-GB" sz="1500">
+                <a:solidFill>
+                  <a:srgbClr val="000000"/>
+                </a:solidFill>
+                <a:latin typeface="Cabin"/>
+                <a:ea typeface="Cabin"/>
+                <a:cs typeface="Cabin"/>
+                <a:sym typeface="Cabin"/>
+              </a:rPr>
+              <a:t>𝛽</a:t>
+            </a:r>
+            <a:r>
+              <a:rPr lang="en-GB" sz="1500" baseline="-25000">
+                <a:solidFill>
+                  <a:srgbClr val="000000"/>
+                </a:solidFill>
+                <a:latin typeface="Cabin"/>
+                <a:ea typeface="Cabin"/>
+                <a:cs typeface="Cabin"/>
+                <a:sym typeface="Cabin"/>
+              </a:rPr>
+              <a:t>2</a:t>
+            </a:r>
+            <a:r>
+              <a:rPr lang="en-GB" sz="1500">
+                <a:solidFill>
+                  <a:srgbClr val="000000"/>
+                </a:solidFill>
+                <a:latin typeface="Cabin"/>
+                <a:ea typeface="Cabin"/>
+                <a:cs typeface="Cabin"/>
+                <a:sym typeface="Cabin"/>
+              </a:rPr>
+              <a:t> = 0</a:t>
+            </a:r>
+            <a:endParaRPr sz="1500">
+              <a:solidFill>
+                <a:srgbClr val="000000"/>
+              </a:solidFill>
+              <a:latin typeface="Cabin"/>
+              <a:ea typeface="Cabin"/>
+              <a:cs typeface="Cabin"/>
+              <a:sym typeface="Cabin"/>
+            </a:endParaRPr>
+          </a:p>
+        </p:txBody>
+      </p:sp>
+      <p:sp>
+        <p:nvSpPr>
+          <p:cNvPr id="196" name="Google Shape;196;p24"/>
+          <p:cNvSpPr txBox="1"/>
+          <p:nvPr/>
+        </p:nvSpPr>
+        <p:spPr>
+          <a:xfrm>
+            <a:off x="3660310" y="3918610"/>
+            <a:ext cx="740100" cy="615600"/>
+          </a:xfrm>
+          <a:prstGeom prst="rect">
+            <a:avLst/>
+          </a:prstGeom>
+          <a:noFill/>
+          <a:ln>
+            <a:noFill/>
+          </a:ln>
+        </p:spPr>
+        <p:txBody>
+          <a:bodyPr spcFirstLastPara="1" wrap="square" lIns="91425" tIns="91425" rIns="91425" bIns="91425" anchor="t" anchorCtr="0">
+            <a:spAutoFit/>
+          </a:bodyPr>
+          <a:lstStyle/>
+          <a:p>
+            <a:pPr marL="0" lvl="0" indent="0" algn="ctr" rtl="0">
+              <a:spcBef>
+                <a:spcPts val="0"/>
+              </a:spcBef>
+              <a:spcAft>
+                <a:spcPts val="0"/>
+              </a:spcAft>
+              <a:buNone/>
+            </a:pPr>
+            <a:r>
+              <a:rPr lang="en-GB">
+                <a:latin typeface="Cabin"/>
+                <a:ea typeface="Cabin"/>
+                <a:cs typeface="Cabin"/>
+                <a:sym typeface="Cabin"/>
+              </a:rPr>
+              <a:t>In</a:t>
+            </a:r>
+            <a:endParaRPr>
+              <a:latin typeface="Cabin"/>
+              <a:ea typeface="Cabin"/>
+              <a:cs typeface="Cabin"/>
+              <a:sym typeface="Cabin"/>
+            </a:endParaRPr>
+          </a:p>
+          <a:p>
+            <a:pPr marL="0" lvl="0" indent="0" algn="ctr" rtl="0">
+              <a:spcBef>
+                <a:spcPts val="0"/>
+              </a:spcBef>
+              <a:spcAft>
+                <a:spcPts val="0"/>
+              </a:spcAft>
+              <a:buNone/>
+            </a:pPr>
+            <a:r>
+              <a:rPr lang="en-GB">
+                <a:latin typeface="Cabin"/>
+                <a:ea typeface="Cabin"/>
+                <a:cs typeface="Cabin"/>
+                <a:sym typeface="Cabin"/>
+              </a:rPr>
+              <a:t>d11</a:t>
+            </a:r>
+            <a:endParaRPr>
+              <a:latin typeface="Cabin"/>
+              <a:ea typeface="Cabin"/>
+              <a:cs typeface="Cabin"/>
+              <a:sym typeface="Cabin"/>
+            </a:endParaRPr>
+          </a:p>
+        </p:txBody>
+      </p:sp>
+      <p:sp>
+        <p:nvSpPr>
+          <p:cNvPr id="197" name="Google Shape;197;p24"/>
+          <p:cNvSpPr txBox="1"/>
+          <p:nvPr/>
+        </p:nvSpPr>
+        <p:spPr>
+          <a:xfrm>
+            <a:off x="4595223" y="3918610"/>
+            <a:ext cx="740100" cy="615600"/>
+          </a:xfrm>
+          <a:prstGeom prst="rect">
+            <a:avLst/>
+          </a:prstGeom>
+          <a:noFill/>
+          <a:ln>
+            <a:noFill/>
+          </a:ln>
+        </p:spPr>
+        <p:txBody>
+          <a:bodyPr spcFirstLastPara="1" wrap="square" lIns="91425" tIns="91425" rIns="91425" bIns="91425" anchor="t" anchorCtr="0">
+            <a:spAutoFit/>
+          </a:bodyPr>
+          <a:lstStyle/>
+          <a:p>
+            <a:pPr marL="0" lvl="0" indent="0" algn="ctr" rtl="0">
+              <a:spcBef>
+                <a:spcPts val="0"/>
+              </a:spcBef>
+              <a:spcAft>
+                <a:spcPts val="0"/>
+              </a:spcAft>
+              <a:buNone/>
+            </a:pPr>
+            <a:r>
+              <a:rPr lang="en-GB">
+                <a:latin typeface="Cabin"/>
+                <a:ea typeface="Cabin"/>
+                <a:cs typeface="Cabin"/>
+                <a:sym typeface="Cabin"/>
+              </a:rPr>
+              <a:t>In</a:t>
+            </a:r>
+            <a:endParaRPr>
+              <a:latin typeface="Cabin"/>
+              <a:ea typeface="Cabin"/>
+              <a:cs typeface="Cabin"/>
+              <a:sym typeface="Cabin"/>
+            </a:endParaRPr>
+          </a:p>
+          <a:p>
+            <a:pPr marL="0" lvl="0" indent="0" algn="ctr" rtl="0">
+              <a:spcBef>
+                <a:spcPts val="0"/>
+              </a:spcBef>
+              <a:spcAft>
+                <a:spcPts val="0"/>
+              </a:spcAft>
+              <a:buNone/>
+            </a:pPr>
+            <a:r>
+              <a:rPr lang="en-GB">
+                <a:latin typeface="Cabin"/>
+                <a:ea typeface="Cabin"/>
+                <a:cs typeface="Cabin"/>
+                <a:sym typeface="Cabin"/>
+              </a:rPr>
+              <a:t>d33</a:t>
+            </a:r>
+            <a:endParaRPr>
+              <a:latin typeface="Cabin"/>
+              <a:ea typeface="Cabin"/>
+              <a:cs typeface="Cabin"/>
+              <a:sym typeface="Cabin"/>
+            </a:endParaRPr>
+          </a:p>
+        </p:txBody>
+      </p:sp>
+      <p:sp>
+        <p:nvSpPr>
+          <p:cNvPr id="198" name="Google Shape;198;p24"/>
+          <p:cNvSpPr txBox="1"/>
+          <p:nvPr/>
+        </p:nvSpPr>
+        <p:spPr>
+          <a:xfrm>
+            <a:off x="5448525" y="946650"/>
+            <a:ext cx="3443100" cy="1369800"/>
+          </a:xfrm>
+          <a:prstGeom prst="rect">
+            <a:avLst/>
+          </a:prstGeom>
+          <a:noFill/>
+          <a:ln>
+            <a:noFill/>
+          </a:ln>
+        </p:spPr>
+        <p:txBody>
+          <a:bodyPr spcFirstLastPara="1" wrap="square" lIns="91425" tIns="91425" rIns="91425" bIns="91425" anchor="t" anchorCtr="0">
+            <a:spAutoFit/>
+          </a:bodyPr>
+          <a:lstStyle/>
+          <a:p>
+            <a:pPr marL="0" lvl="0" indent="0" algn="l" rtl="0">
+              <a:lnSpc>
+                <a:spcPct val="150000"/>
+              </a:lnSpc>
+              <a:spcBef>
+                <a:spcPts val="0"/>
+              </a:spcBef>
+              <a:spcAft>
+                <a:spcPts val="0"/>
+              </a:spcAft>
+              <a:buNone/>
+            </a:pPr>
+            <a:r>
+              <a:rPr lang="en-GB">
+                <a:latin typeface="Cabin"/>
+                <a:ea typeface="Cabin"/>
+                <a:cs typeface="Cabin"/>
+                <a:sym typeface="Cabin"/>
+              </a:rPr>
+              <a:t>DESeq coefficient names:</a:t>
+            </a:r>
+            <a:endParaRPr>
+              <a:latin typeface="Cabin"/>
+              <a:ea typeface="Cabin"/>
+              <a:cs typeface="Cabin"/>
+              <a:sym typeface="Cabin"/>
+            </a:endParaRPr>
+          </a:p>
+          <a:p>
+            <a:pPr marL="457200" lvl="0" indent="0" algn="l" rtl="0">
+              <a:lnSpc>
+                <a:spcPct val="150000"/>
+              </a:lnSpc>
+              <a:spcBef>
+                <a:spcPts val="0"/>
+              </a:spcBef>
+              <a:spcAft>
+                <a:spcPts val="0"/>
+              </a:spcAft>
+              <a:buNone/>
+            </a:pPr>
+            <a:r>
+              <a:rPr lang="en-GB">
+                <a:latin typeface="Cabin"/>
+                <a:ea typeface="Cabin"/>
+                <a:cs typeface="Cabin"/>
+                <a:sym typeface="Cabin"/>
+              </a:rPr>
+              <a:t>𝛽</a:t>
+            </a:r>
+            <a:r>
+              <a:rPr lang="en-GB" baseline="-25000">
+                <a:latin typeface="Cabin"/>
+                <a:ea typeface="Cabin"/>
+                <a:cs typeface="Cabin"/>
+                <a:sym typeface="Cabin"/>
+              </a:rPr>
+              <a:t>0</a:t>
+            </a:r>
+            <a:r>
+              <a:rPr lang="en-GB">
+                <a:latin typeface="Cabin"/>
+                <a:ea typeface="Cabin"/>
+                <a:cs typeface="Cabin"/>
+                <a:sym typeface="Cabin"/>
+              </a:rPr>
+              <a:t> → Intercept</a:t>
+            </a:r>
+            <a:endParaRPr>
+              <a:latin typeface="Cabin"/>
+              <a:ea typeface="Cabin"/>
+              <a:cs typeface="Cabin"/>
+              <a:sym typeface="Cabin"/>
+            </a:endParaRPr>
+          </a:p>
+          <a:p>
+            <a:pPr marL="457200" lvl="0" indent="0" algn="l" rtl="0">
+              <a:lnSpc>
+                <a:spcPct val="150000"/>
+              </a:lnSpc>
+              <a:spcBef>
+                <a:spcPts val="0"/>
+              </a:spcBef>
+              <a:spcAft>
+                <a:spcPts val="0"/>
+              </a:spcAft>
+              <a:buNone/>
+            </a:pPr>
+            <a:r>
+              <a:rPr lang="en-GB">
+                <a:latin typeface="Cabin"/>
+                <a:ea typeface="Cabin"/>
+                <a:cs typeface="Cabin"/>
+                <a:sym typeface="Cabin"/>
+              </a:rPr>
+              <a:t>𝛽</a:t>
+            </a:r>
+            <a:r>
+              <a:rPr lang="en-GB" baseline="-25000">
+                <a:latin typeface="Cabin"/>
+                <a:ea typeface="Cabin"/>
+                <a:cs typeface="Cabin"/>
+                <a:sym typeface="Cabin"/>
+              </a:rPr>
+              <a:t>1</a:t>
+            </a:r>
+            <a:r>
+              <a:rPr lang="en-GB">
+                <a:latin typeface="Cabin"/>
+                <a:ea typeface="Cabin"/>
+                <a:cs typeface="Cabin"/>
+                <a:sym typeface="Cabin"/>
+              </a:rPr>
+              <a:t> → Status_Infected_vs_Uninfected</a:t>
+            </a:r>
+            <a:endParaRPr>
+              <a:latin typeface="Cabin"/>
+              <a:ea typeface="Cabin"/>
+              <a:cs typeface="Cabin"/>
+              <a:sym typeface="Cabin"/>
+            </a:endParaRPr>
+          </a:p>
+          <a:p>
+            <a:pPr marL="457200" lvl="0" indent="0" algn="l" rtl="0">
+              <a:lnSpc>
+                <a:spcPct val="150000"/>
+              </a:lnSpc>
+              <a:spcBef>
+                <a:spcPts val="0"/>
+              </a:spcBef>
+              <a:spcAft>
+                <a:spcPts val="0"/>
+              </a:spcAft>
+              <a:buNone/>
+            </a:pPr>
+            <a:r>
+              <a:rPr lang="en-GB">
+                <a:latin typeface="Cabin"/>
+                <a:ea typeface="Cabin"/>
+                <a:cs typeface="Cabin"/>
+                <a:sym typeface="Cabin"/>
+              </a:rPr>
+              <a:t>𝛽</a:t>
+            </a:r>
+            <a:r>
+              <a:rPr lang="en-GB" baseline="-25000">
+                <a:latin typeface="Cabin"/>
+                <a:ea typeface="Cabin"/>
+                <a:cs typeface="Cabin"/>
+                <a:sym typeface="Cabin"/>
+              </a:rPr>
+              <a:t>2</a:t>
+            </a:r>
+            <a:r>
+              <a:rPr lang="en-GB">
+                <a:latin typeface="Cabin"/>
+                <a:ea typeface="Cabin"/>
+                <a:cs typeface="Cabin"/>
+                <a:sym typeface="Cabin"/>
+              </a:rPr>
+              <a:t> → TimePoint_d33_vs_d11</a:t>
+            </a:r>
+            <a:endParaRPr>
+              <a:latin typeface="Cabin"/>
+              <a:ea typeface="Cabin"/>
+              <a:cs typeface="Cabin"/>
+              <a:sym typeface="Cabin"/>
+            </a:endParaRPr>
+          </a:p>
+        </p:txBody>
+      </p:sp>
+    </p:spTree>
+  </p:cSld>
+  <p:clrMapOvr>
+    <a:masterClrMapping/>
+  </p:clrMapOvr>
+</p:sld>
+</file>
+
+<file path=ppt/slides/slide6.xml><?xml version="1.0" encoding="utf-8"?>
 <p:sld xmlns:a="http://schemas.openxmlformats.org/drawingml/2006/main" xmlns:r="http://schemas.openxmlformats.org/officeDocument/2006/relationships" xmlns:p="http://schemas.openxmlformats.org/presentationml/2006/main">
   <p:cSld>
     <p:spTree>
@@ -10662,3078 +12023,7 @@
 </p:sld>
 </file>
 
-<file path=ppt/slides/slide11.xml><?xml version="1.0" encoding="utf-8"?>
-<p:sld xmlns:a="http://schemas.openxmlformats.org/drawingml/2006/main" xmlns:r="http://schemas.openxmlformats.org/officeDocument/2006/relationships" xmlns:p="http://schemas.openxmlformats.org/presentationml/2006/main">
-  <p:cSld>
-    <p:spTree>
-      <p:nvGrpSpPr>
-        <p:cNvPr id="1" name="Shape 237"/>
-        <p:cNvGrpSpPr/>
-        <p:nvPr/>
-      </p:nvGrpSpPr>
-      <p:grpSpPr>
-        <a:xfrm>
-          <a:off x="0" y="0"/>
-          <a:ext cx="0" cy="0"/>
-          <a:chOff x="0" y="0"/>
-          <a:chExt cx="0" cy="0"/>
-        </a:xfrm>
-      </p:grpSpPr>
-      <p:sp>
-        <p:nvSpPr>
-          <p:cNvPr id="238" name="Google Shape;238;p26"/>
-          <p:cNvSpPr txBox="1">
-            <a:spLocks noGrp="1"/>
-          </p:cNvSpPr>
-          <p:nvPr>
-            <p:ph type="title"/>
-          </p:nvPr>
-        </p:nvSpPr>
-        <p:spPr>
-          <a:xfrm>
-            <a:off x="0" y="38750"/>
-            <a:ext cx="8520600" cy="572700"/>
-          </a:xfrm>
-          <a:prstGeom prst="rect">
-            <a:avLst/>
-          </a:prstGeom>
-        </p:spPr>
-        <p:txBody>
-          <a:bodyPr spcFirstLastPara="1" wrap="square" lIns="91425" tIns="91425" rIns="91425" bIns="91425" anchor="t" anchorCtr="0">
-            <a:noAutofit/>
-          </a:bodyPr>
-          <a:lstStyle/>
-          <a:p>
-            <a:pPr marL="0" lvl="0" indent="0" algn="l" rtl="0">
-              <a:spcBef>
-                <a:spcPts val="0"/>
-              </a:spcBef>
-              <a:spcAft>
-                <a:spcPts val="0"/>
-              </a:spcAft>
-              <a:buNone/>
-            </a:pPr>
-            <a:r>
-              <a:rPr lang="en-GB">
-                <a:solidFill>
-                  <a:schemeClr val="dk2"/>
-                </a:solidFill>
-              </a:rPr>
-              <a:t>Model Specification in </a:t>
-            </a:r>
-            <a:r>
-              <a:rPr lang="en-GB" i="1">
-                <a:solidFill>
-                  <a:schemeClr val="dk2"/>
-                </a:solidFill>
-              </a:rPr>
-              <a:t>DESeq2</a:t>
-            </a:r>
-            <a:r>
-              <a:rPr lang="en-GB">
-                <a:solidFill>
-                  <a:schemeClr val="dk2"/>
-                </a:solidFill>
-              </a:rPr>
-              <a:t> | </a:t>
-            </a:r>
-            <a:r>
-              <a:rPr lang="en-GB"/>
-              <a:t>Likelihood-ratio Test</a:t>
-            </a:r>
-            <a:endParaRPr/>
-          </a:p>
-        </p:txBody>
-      </p:sp>
-      <p:sp>
-        <p:nvSpPr>
-          <p:cNvPr id="239" name="Google Shape;239;p26"/>
-          <p:cNvSpPr txBox="1"/>
-          <p:nvPr/>
-        </p:nvSpPr>
-        <p:spPr>
-          <a:xfrm>
-            <a:off x="269200" y="665975"/>
-            <a:ext cx="8416800" cy="831300"/>
-          </a:xfrm>
-          <a:prstGeom prst="rect">
-            <a:avLst/>
-          </a:prstGeom>
-          <a:noFill/>
-          <a:ln>
-            <a:noFill/>
-          </a:ln>
-        </p:spPr>
-        <p:txBody>
-          <a:bodyPr spcFirstLastPara="1" wrap="square" lIns="91425" tIns="91425" rIns="91425" bIns="91425" anchor="t" anchorCtr="0">
-            <a:spAutoFit/>
-          </a:bodyPr>
-          <a:lstStyle/>
-          <a:p>
-            <a:pPr marL="0" lvl="0" indent="0" algn="l" rtl="0">
-              <a:spcBef>
-                <a:spcPts val="0"/>
-              </a:spcBef>
-              <a:spcAft>
-                <a:spcPts val="0"/>
-              </a:spcAft>
-              <a:buNone/>
-            </a:pPr>
-            <a:r>
-              <a:rPr lang="en-GB" dirty="0">
-                <a:latin typeface="Cabin"/>
-                <a:ea typeface="Cabin"/>
-                <a:cs typeface="Cabin"/>
-                <a:sym typeface="Cabin"/>
-              </a:rPr>
-              <a:t>The default test in </a:t>
-            </a:r>
-            <a:r>
-              <a:rPr lang="en-GB" i="1" dirty="0">
-                <a:latin typeface="Cabin"/>
-                <a:ea typeface="Cabin"/>
-                <a:cs typeface="Cabin"/>
-                <a:sym typeface="Cabin"/>
-              </a:rPr>
-              <a:t>DESeq2</a:t>
-            </a:r>
-            <a:r>
-              <a:rPr lang="en-GB" dirty="0">
-                <a:latin typeface="Cabin"/>
-                <a:ea typeface="Cabin"/>
-                <a:cs typeface="Cabin"/>
-                <a:sym typeface="Cabin"/>
-              </a:rPr>
-              <a:t> is the Wald test, testing for null hypothesis that LFC = 0</a:t>
-            </a:r>
-            <a:endParaRPr dirty="0">
-              <a:latin typeface="Cabin"/>
-              <a:ea typeface="Cabin"/>
-              <a:cs typeface="Cabin"/>
-              <a:sym typeface="Cabin"/>
-            </a:endParaRPr>
-          </a:p>
-          <a:p>
-            <a:pPr marL="0" lvl="0" indent="0" algn="l" rtl="0">
-              <a:spcBef>
-                <a:spcPts val="0"/>
-              </a:spcBef>
-              <a:spcAft>
-                <a:spcPts val="0"/>
-              </a:spcAft>
-              <a:buNone/>
-            </a:pPr>
-            <a:endParaRPr dirty="0">
-              <a:latin typeface="Cabin"/>
-              <a:ea typeface="Cabin"/>
-              <a:cs typeface="Cabin"/>
-              <a:sym typeface="Cabin"/>
-            </a:endParaRPr>
-          </a:p>
-          <a:p>
-            <a:pPr marL="0" lvl="0" indent="0" algn="l" rtl="0">
-              <a:spcBef>
-                <a:spcPts val="0"/>
-              </a:spcBef>
-              <a:spcAft>
-                <a:spcPts val="0"/>
-              </a:spcAft>
-              <a:buNone/>
-            </a:pPr>
-            <a:r>
-              <a:rPr lang="en-GB" dirty="0">
-                <a:latin typeface="Cabin"/>
-                <a:ea typeface="Cabin"/>
-                <a:cs typeface="Cabin"/>
-                <a:sym typeface="Cabin"/>
-              </a:rPr>
-              <a:t>And alternative is the </a:t>
-            </a:r>
-            <a:r>
-              <a:rPr lang="en-GB" b="1" dirty="0">
-                <a:latin typeface="Cabin"/>
-                <a:ea typeface="Cabin"/>
-                <a:cs typeface="Cabin"/>
-                <a:sym typeface="Cabin"/>
-              </a:rPr>
-              <a:t>Likelihood Ratio Test</a:t>
-            </a:r>
-            <a:endParaRPr b="1" dirty="0">
-              <a:latin typeface="Cabin"/>
-              <a:ea typeface="Cabin"/>
-              <a:cs typeface="Cabin"/>
-              <a:sym typeface="Cabin"/>
-            </a:endParaRPr>
-          </a:p>
-        </p:txBody>
-      </p:sp>
-      <p:pic>
-        <p:nvPicPr>
-          <p:cNvPr id="240" name="Google Shape;240;p26"/>
-          <p:cNvPicPr preferRelativeResize="0"/>
-          <p:nvPr/>
-        </p:nvPicPr>
-        <p:blipFill>
-          <a:blip r:embed="rId3">
-            <a:alphaModFix/>
-          </a:blip>
-          <a:stretch>
-            <a:fillRect/>
-          </a:stretch>
-        </p:blipFill>
-        <p:spPr>
-          <a:xfrm>
-            <a:off x="3992350" y="1073500"/>
-            <a:ext cx="1824225" cy="681325"/>
-          </a:xfrm>
-          <a:prstGeom prst="rect">
-            <a:avLst/>
-          </a:prstGeom>
-          <a:noFill/>
-          <a:ln>
-            <a:noFill/>
-          </a:ln>
-        </p:spPr>
-      </p:pic>
-      <p:sp>
-        <p:nvSpPr>
-          <p:cNvPr id="245" name="Google Shape;245;p26"/>
-          <p:cNvSpPr txBox="1"/>
-          <p:nvPr/>
-        </p:nvSpPr>
-        <p:spPr>
-          <a:xfrm>
-            <a:off x="123569" y="3836193"/>
-            <a:ext cx="4720500" cy="800400"/>
-          </a:xfrm>
-          <a:prstGeom prst="rect">
-            <a:avLst/>
-          </a:prstGeom>
-          <a:solidFill>
-            <a:srgbClr val="EFEFEF"/>
-          </a:solidFill>
-          <a:ln>
-            <a:noFill/>
-          </a:ln>
-        </p:spPr>
-        <p:txBody>
-          <a:bodyPr spcFirstLastPara="1" wrap="square" lIns="91425" tIns="91425" rIns="91425" bIns="91425" anchor="t" anchorCtr="0">
-            <a:spAutoFit/>
-          </a:bodyPr>
-          <a:lstStyle/>
-          <a:p>
-            <a:pPr marL="0" lvl="0" indent="0" algn="l" rtl="0">
-              <a:spcBef>
-                <a:spcPts val="0"/>
-              </a:spcBef>
-              <a:spcAft>
-                <a:spcPts val="0"/>
-              </a:spcAft>
-              <a:buNone/>
-            </a:pPr>
-            <a:r>
-              <a:rPr lang="en-GB" sz="1000" dirty="0">
-                <a:latin typeface="Courier New"/>
-                <a:ea typeface="Courier New"/>
-                <a:cs typeface="Courier New"/>
-                <a:sym typeface="Courier New"/>
-              </a:rPr>
-              <a:t>design(</a:t>
-            </a:r>
-            <a:r>
-              <a:rPr lang="en-GB" sz="1000" dirty="0" err="1">
-                <a:latin typeface="Courier New"/>
-                <a:ea typeface="Courier New"/>
-                <a:cs typeface="Courier New"/>
-                <a:sym typeface="Courier New"/>
-              </a:rPr>
-              <a:t>dds</a:t>
-            </a:r>
-            <a:r>
-              <a:rPr lang="en-GB" sz="1000" dirty="0">
-                <a:latin typeface="Courier New"/>
-                <a:ea typeface="Courier New"/>
-                <a:cs typeface="Courier New"/>
-                <a:sym typeface="Courier New"/>
-              </a:rPr>
-              <a:t>) ← ~ genotype + timepoint + </a:t>
-            </a:r>
-            <a:r>
-              <a:rPr lang="en-GB" sz="1000" dirty="0" err="1">
-                <a:latin typeface="Courier New"/>
-                <a:ea typeface="Courier New"/>
-                <a:cs typeface="Courier New"/>
-                <a:sym typeface="Courier New"/>
-              </a:rPr>
-              <a:t>genotype:timepoint</a:t>
-            </a:r>
-            <a:endParaRPr sz="1000" dirty="0">
-              <a:latin typeface="Courier New"/>
-              <a:ea typeface="Courier New"/>
-              <a:cs typeface="Courier New"/>
-              <a:sym typeface="Courier New"/>
-            </a:endParaRPr>
-          </a:p>
-          <a:p>
-            <a:pPr marL="0" lvl="0" indent="0" algn="l" rtl="0">
-              <a:spcBef>
-                <a:spcPts val="0"/>
-              </a:spcBef>
-              <a:spcAft>
-                <a:spcPts val="0"/>
-              </a:spcAft>
-              <a:buNone/>
-            </a:pPr>
-            <a:endParaRPr sz="1000" dirty="0">
-              <a:latin typeface="Courier New"/>
-              <a:ea typeface="Courier New"/>
-              <a:cs typeface="Courier New"/>
-              <a:sym typeface="Courier New"/>
-            </a:endParaRPr>
-          </a:p>
-          <a:p>
-            <a:pPr marL="0" lvl="0" indent="0" algn="l" rtl="0">
-              <a:spcBef>
-                <a:spcPts val="0"/>
-              </a:spcBef>
-              <a:spcAft>
-                <a:spcPts val="0"/>
-              </a:spcAft>
-              <a:buNone/>
-            </a:pPr>
-            <a:r>
-              <a:rPr lang="en-GB" sz="1000" dirty="0" err="1">
-                <a:latin typeface="Courier New"/>
-                <a:ea typeface="Courier New"/>
-                <a:cs typeface="Courier New"/>
-                <a:sym typeface="Courier New"/>
-              </a:rPr>
-              <a:t>dds</a:t>
-            </a:r>
-            <a:r>
-              <a:rPr lang="en-GB" sz="1000" dirty="0">
-                <a:latin typeface="Courier New"/>
-                <a:ea typeface="Courier New"/>
-                <a:cs typeface="Courier New"/>
-                <a:sym typeface="Courier New"/>
-              </a:rPr>
-              <a:t> ← </a:t>
-            </a:r>
-            <a:r>
-              <a:rPr lang="en-GB" sz="1000" dirty="0" err="1">
-                <a:latin typeface="Courier New"/>
-                <a:ea typeface="Courier New"/>
-                <a:cs typeface="Courier New"/>
-                <a:sym typeface="Courier New"/>
-              </a:rPr>
-              <a:t>DESeq</a:t>
-            </a:r>
-            <a:r>
-              <a:rPr lang="en-GB" sz="1000" dirty="0">
-                <a:latin typeface="Courier New"/>
-                <a:ea typeface="Courier New"/>
-                <a:cs typeface="Courier New"/>
-                <a:sym typeface="Courier New"/>
-              </a:rPr>
-              <a:t>(</a:t>
-            </a:r>
-            <a:r>
-              <a:rPr lang="en-GB" sz="1000" dirty="0" err="1">
-                <a:latin typeface="Courier New"/>
-                <a:ea typeface="Courier New"/>
-                <a:cs typeface="Courier New"/>
-                <a:sym typeface="Courier New"/>
-              </a:rPr>
-              <a:t>dds</a:t>
-            </a:r>
-            <a:r>
-              <a:rPr lang="en-GB" sz="1000" dirty="0">
-                <a:latin typeface="Courier New"/>
-                <a:ea typeface="Courier New"/>
-                <a:cs typeface="Courier New"/>
-                <a:sym typeface="Courier New"/>
-              </a:rPr>
-              <a:t>, test = “LRT”, </a:t>
-            </a:r>
-            <a:endParaRPr sz="1000" dirty="0">
-              <a:latin typeface="Courier New"/>
-              <a:ea typeface="Courier New"/>
-              <a:cs typeface="Courier New"/>
-              <a:sym typeface="Courier New"/>
-            </a:endParaRPr>
-          </a:p>
-          <a:p>
-            <a:pPr marL="0" lvl="0" indent="0" algn="l" rtl="0">
-              <a:spcBef>
-                <a:spcPts val="0"/>
-              </a:spcBef>
-              <a:spcAft>
-                <a:spcPts val="0"/>
-              </a:spcAft>
-              <a:buNone/>
-            </a:pPr>
-            <a:r>
-              <a:rPr lang="en-GB" sz="1000" dirty="0">
-                <a:latin typeface="Courier New"/>
-                <a:ea typeface="Courier New"/>
-                <a:cs typeface="Courier New"/>
-                <a:sym typeface="Courier New"/>
-              </a:rPr>
-              <a:t>            reduced = ~ genotype)</a:t>
-            </a:r>
-            <a:endParaRPr sz="1000" dirty="0">
-              <a:latin typeface="Courier New"/>
-              <a:ea typeface="Courier New"/>
-              <a:cs typeface="Courier New"/>
-              <a:sym typeface="Courier New"/>
-            </a:endParaRPr>
-          </a:p>
-        </p:txBody>
-      </p:sp>
-      <p:sp>
-        <p:nvSpPr>
-          <p:cNvPr id="246" name="Google Shape;246;p26"/>
-          <p:cNvSpPr txBox="1"/>
-          <p:nvPr/>
-        </p:nvSpPr>
-        <p:spPr>
-          <a:xfrm>
-            <a:off x="150794" y="3496993"/>
-            <a:ext cx="4562700" cy="400200"/>
-          </a:xfrm>
-          <a:prstGeom prst="rect">
-            <a:avLst/>
-          </a:prstGeom>
-          <a:noFill/>
-          <a:ln>
-            <a:noFill/>
-          </a:ln>
-        </p:spPr>
-        <p:txBody>
-          <a:bodyPr spcFirstLastPara="1" wrap="square" lIns="91425" tIns="91425" rIns="91425" bIns="91425" anchor="t" anchorCtr="0">
-            <a:spAutoFit/>
-          </a:bodyPr>
-          <a:lstStyle/>
-          <a:p>
-            <a:pPr marL="0" lvl="0" indent="0" algn="l" rtl="0">
-              <a:spcBef>
-                <a:spcPts val="0"/>
-              </a:spcBef>
-              <a:spcAft>
-                <a:spcPts val="0"/>
-              </a:spcAft>
-              <a:buNone/>
-            </a:pPr>
-            <a:r>
-              <a:rPr lang="en-GB">
-                <a:latin typeface="Cabin"/>
-                <a:ea typeface="Cabin"/>
-                <a:cs typeface="Cabin"/>
-                <a:sym typeface="Cabin"/>
-              </a:rPr>
-              <a:t>Example:</a:t>
-            </a:r>
-            <a:endParaRPr>
-              <a:latin typeface="Cabin"/>
-              <a:ea typeface="Cabin"/>
-              <a:cs typeface="Cabin"/>
-              <a:sym typeface="Cabin"/>
-            </a:endParaRPr>
-          </a:p>
-        </p:txBody>
-      </p:sp>
-      <p:sp>
-        <p:nvSpPr>
-          <p:cNvPr id="2" name="TextBox 1">
-            <a:extLst>
-              <a:ext uri="{FF2B5EF4-FFF2-40B4-BE49-F238E27FC236}">
-                <a16:creationId xmlns:a16="http://schemas.microsoft.com/office/drawing/2014/main" id="{3B148377-FEF3-2704-7B8A-4E022A2ED459}"/>
-              </a:ext>
-            </a:extLst>
-          </p:cNvPr>
-          <p:cNvSpPr txBox="1"/>
-          <p:nvPr/>
-        </p:nvSpPr>
-        <p:spPr>
-          <a:xfrm>
-            <a:off x="123569" y="2405124"/>
-            <a:ext cx="8888626" cy="523220"/>
-          </a:xfrm>
-          <a:prstGeom prst="rect">
-            <a:avLst/>
-          </a:prstGeom>
-          <a:noFill/>
-        </p:spPr>
-        <p:txBody>
-          <a:bodyPr wrap="square" rtlCol="0">
-            <a:spAutoFit/>
-          </a:bodyPr>
-          <a:lstStyle/>
-          <a:p>
-            <a:pPr algn="ctr"/>
-            <a:r>
-              <a:rPr lang="en-US" sz="2000" dirty="0"/>
-              <a:t>~ genotype + timepoint + </a:t>
-            </a:r>
-            <a:r>
-              <a:rPr lang="en-US" sz="2000" dirty="0" err="1"/>
-              <a:t>genotype:timepoint</a:t>
-            </a:r>
-            <a:r>
-              <a:rPr lang="en-US" sz="2000" dirty="0"/>
-              <a:t>    </a:t>
-            </a:r>
-            <a:r>
-              <a:rPr lang="en-US" sz="2800" dirty="0">
-                <a:solidFill>
-                  <a:srgbClr val="FF0000"/>
-                </a:solidFill>
-              </a:rPr>
-              <a:t>vs</a:t>
-            </a:r>
-            <a:r>
-              <a:rPr lang="en-US" sz="2000" dirty="0"/>
-              <a:t>    ~ genotype + timepoint</a:t>
-            </a:r>
-          </a:p>
-        </p:txBody>
-      </p:sp>
-    </p:spTree>
-  </p:cSld>
-  <p:clrMapOvr>
-    <a:masterClrMapping/>
-  </p:clrMapOvr>
-</p:sld>
-</file>
-
-<file path=ppt/slides/slide2.xml><?xml version="1.0" encoding="utf-8"?>
-<p:sld xmlns:a="http://schemas.openxmlformats.org/drawingml/2006/main" xmlns:r="http://schemas.openxmlformats.org/officeDocument/2006/relationships" xmlns:p="http://schemas.openxmlformats.org/presentationml/2006/main">
-  <p:cSld>
-    <p:spTree>
-      <p:nvGrpSpPr>
-        <p:cNvPr id="1" name="Shape 89"/>
-        <p:cNvGrpSpPr/>
-        <p:nvPr/>
-      </p:nvGrpSpPr>
-      <p:grpSpPr>
-        <a:xfrm>
-          <a:off x="0" y="0"/>
-          <a:ext cx="0" cy="0"/>
-          <a:chOff x="0" y="0"/>
-          <a:chExt cx="0" cy="0"/>
-        </a:xfrm>
-      </p:grpSpPr>
-      <p:sp>
-        <p:nvSpPr>
-          <p:cNvPr id="90" name="Google Shape;90;p17"/>
-          <p:cNvSpPr txBox="1">
-            <a:spLocks noGrp="1"/>
-          </p:cNvSpPr>
-          <p:nvPr>
-            <p:ph type="title"/>
-          </p:nvPr>
-        </p:nvSpPr>
-        <p:spPr>
-          <a:xfrm>
-            <a:off x="76200" y="0"/>
-            <a:ext cx="8520600" cy="572700"/>
-          </a:xfrm>
-          <a:prstGeom prst="rect">
-            <a:avLst/>
-          </a:prstGeom>
-        </p:spPr>
-        <p:txBody>
-          <a:bodyPr spcFirstLastPara="1" wrap="square" lIns="91425" tIns="91425" rIns="91425" bIns="91425" anchor="t" anchorCtr="0">
-            <a:noAutofit/>
-          </a:bodyPr>
-          <a:lstStyle/>
-          <a:p>
-            <a:pPr marL="0" lvl="0" indent="0" algn="l" rtl="0">
-              <a:spcBef>
-                <a:spcPts val="0"/>
-              </a:spcBef>
-              <a:spcAft>
-                <a:spcPts val="0"/>
-              </a:spcAft>
-              <a:buNone/>
-            </a:pPr>
-            <a:r>
-              <a:rPr lang="en-GB"/>
-              <a:t>Case Study</a:t>
-            </a:r>
-            <a:endParaRPr/>
-          </a:p>
-        </p:txBody>
-      </p:sp>
-      <p:pic>
-        <p:nvPicPr>
-          <p:cNvPr id="91" name="Google Shape;91;p17"/>
-          <p:cNvPicPr preferRelativeResize="0"/>
-          <p:nvPr/>
-        </p:nvPicPr>
-        <p:blipFill>
-          <a:blip r:embed="rId3">
-            <a:alphaModFix/>
-          </a:blip>
-          <a:stretch>
-            <a:fillRect/>
-          </a:stretch>
-        </p:blipFill>
-        <p:spPr>
-          <a:xfrm>
-            <a:off x="2298175" y="746150"/>
-            <a:ext cx="4927279" cy="4266000"/>
-          </a:xfrm>
-          <a:prstGeom prst="rect">
-            <a:avLst/>
-          </a:prstGeom>
-          <a:noFill/>
-          <a:ln>
-            <a:noFill/>
-          </a:ln>
-        </p:spPr>
-      </p:pic>
-    </p:spTree>
-  </p:cSld>
-  <p:clrMapOvr>
-    <a:masterClrMapping/>
-  </p:clrMapOvr>
-</p:sld>
-</file>
-
-<file path=ppt/slides/slide3.xml><?xml version="1.0" encoding="utf-8"?>
-<p:sld xmlns:a="http://schemas.openxmlformats.org/drawingml/2006/main" xmlns:r="http://schemas.openxmlformats.org/officeDocument/2006/relationships" xmlns:p="http://schemas.openxmlformats.org/presentationml/2006/main">
-  <p:cSld>
-    <p:spTree>
-      <p:nvGrpSpPr>
-        <p:cNvPr id="1" name="Shape 95"/>
-        <p:cNvGrpSpPr/>
-        <p:nvPr/>
-      </p:nvGrpSpPr>
-      <p:grpSpPr>
-        <a:xfrm>
-          <a:off x="0" y="0"/>
-          <a:ext cx="0" cy="0"/>
-          <a:chOff x="0" y="0"/>
-          <a:chExt cx="0" cy="0"/>
-        </a:xfrm>
-      </p:grpSpPr>
-      <p:sp>
-        <p:nvSpPr>
-          <p:cNvPr id="96" name="Google Shape;96;p18"/>
-          <p:cNvSpPr txBox="1">
-            <a:spLocks noGrp="1"/>
-          </p:cNvSpPr>
-          <p:nvPr>
-            <p:ph type="title"/>
-          </p:nvPr>
-        </p:nvSpPr>
-        <p:spPr>
-          <a:xfrm>
-            <a:off x="76200" y="0"/>
-            <a:ext cx="8520600" cy="572700"/>
-          </a:xfrm>
-          <a:prstGeom prst="rect">
-            <a:avLst/>
-          </a:prstGeom>
-        </p:spPr>
-        <p:txBody>
-          <a:bodyPr spcFirstLastPara="1" wrap="square" lIns="91425" tIns="91425" rIns="91425" bIns="91425" anchor="t" anchorCtr="0">
-            <a:noAutofit/>
-          </a:bodyPr>
-          <a:lstStyle/>
-          <a:p>
-            <a:pPr marL="0" lvl="0" indent="0" algn="l" rtl="0">
-              <a:spcBef>
-                <a:spcPts val="0"/>
-              </a:spcBef>
-              <a:spcAft>
-                <a:spcPts val="0"/>
-              </a:spcAft>
-              <a:buNone/>
-            </a:pPr>
-            <a:r>
-              <a:rPr lang="en-GB"/>
-              <a:t>Bioinformatics Analysis Workflow</a:t>
-            </a:r>
-            <a:endParaRPr/>
-          </a:p>
-        </p:txBody>
-      </p:sp>
-      <p:pic>
-        <p:nvPicPr>
-          <p:cNvPr id="97" name="Google Shape;97;p18"/>
-          <p:cNvPicPr preferRelativeResize="0"/>
-          <p:nvPr/>
-        </p:nvPicPr>
-        <p:blipFill>
-          <a:blip r:embed="rId3">
-            <a:alphaModFix/>
-          </a:blip>
-          <a:stretch>
-            <a:fillRect/>
-          </a:stretch>
-        </p:blipFill>
-        <p:spPr>
-          <a:xfrm>
-            <a:off x="497412" y="749125"/>
-            <a:ext cx="8149176" cy="4102450"/>
-          </a:xfrm>
-          <a:prstGeom prst="rect">
-            <a:avLst/>
-          </a:prstGeom>
-          <a:noFill/>
-          <a:ln>
-            <a:noFill/>
-          </a:ln>
-        </p:spPr>
-      </p:pic>
-    </p:spTree>
-  </p:cSld>
-  <p:clrMapOvr>
-    <a:masterClrMapping/>
-  </p:clrMapOvr>
-</p:sld>
-</file>
-
-<file path=ppt/slides/slide4.xml><?xml version="1.0" encoding="utf-8"?>
-<p:sld xmlns:a="http://schemas.openxmlformats.org/drawingml/2006/main" xmlns:r="http://schemas.openxmlformats.org/officeDocument/2006/relationships" xmlns:p="http://schemas.openxmlformats.org/presentationml/2006/main">
-  <p:cSld>
-    <p:spTree>
-      <p:nvGrpSpPr>
-        <p:cNvPr id="1" name="Shape 101"/>
-        <p:cNvGrpSpPr/>
-        <p:nvPr/>
-      </p:nvGrpSpPr>
-      <p:grpSpPr>
-        <a:xfrm>
-          <a:off x="0" y="0"/>
-          <a:ext cx="0" cy="0"/>
-          <a:chOff x="0" y="0"/>
-          <a:chExt cx="0" cy="0"/>
-        </a:xfrm>
-      </p:grpSpPr>
-      <p:pic>
-        <p:nvPicPr>
-          <p:cNvPr id="102" name="Google Shape;102;p19"/>
-          <p:cNvPicPr preferRelativeResize="0"/>
-          <p:nvPr/>
-        </p:nvPicPr>
-        <p:blipFill>
-          <a:blip r:embed="rId3">
-            <a:alphaModFix/>
-          </a:blip>
-          <a:stretch>
-            <a:fillRect/>
-          </a:stretch>
-        </p:blipFill>
-        <p:spPr>
-          <a:xfrm>
-            <a:off x="2415588" y="2209933"/>
-            <a:ext cx="3556199" cy="2626231"/>
-          </a:xfrm>
-          <a:prstGeom prst="rect">
-            <a:avLst/>
-          </a:prstGeom>
-          <a:noFill/>
-          <a:ln>
-            <a:noFill/>
-          </a:ln>
-        </p:spPr>
-      </p:pic>
-      <p:sp>
-        <p:nvSpPr>
-          <p:cNvPr id="103" name="Google Shape;103;p19"/>
-          <p:cNvSpPr txBox="1">
-            <a:spLocks noGrp="1"/>
-          </p:cNvSpPr>
-          <p:nvPr>
-            <p:ph type="title"/>
-          </p:nvPr>
-        </p:nvSpPr>
-        <p:spPr>
-          <a:xfrm>
-            <a:off x="76200" y="0"/>
-            <a:ext cx="8520600" cy="572700"/>
-          </a:xfrm>
-          <a:prstGeom prst="rect">
-            <a:avLst/>
-          </a:prstGeom>
-        </p:spPr>
-        <p:txBody>
-          <a:bodyPr spcFirstLastPara="1" wrap="square" lIns="91425" tIns="91425" rIns="91425" bIns="91425" anchor="t" anchorCtr="0">
-            <a:noAutofit/>
-          </a:bodyPr>
-          <a:lstStyle/>
-          <a:p>
-            <a:pPr marL="0" lvl="0" indent="0" algn="l" rtl="0">
-              <a:spcBef>
-                <a:spcPts val="0"/>
-              </a:spcBef>
-              <a:spcAft>
-                <a:spcPts val="0"/>
-              </a:spcAft>
-              <a:buNone/>
-            </a:pPr>
-            <a:r>
-              <a:rPr lang="en-GB"/>
-              <a:t>Linear Modelling</a:t>
-            </a:r>
-            <a:endParaRPr/>
-          </a:p>
-        </p:txBody>
-      </p:sp>
-      <p:pic>
-        <p:nvPicPr>
-          <p:cNvPr id="104" name="Google Shape;104;p19"/>
-          <p:cNvPicPr preferRelativeResize="0"/>
-          <p:nvPr/>
-        </p:nvPicPr>
-        <p:blipFill>
-          <a:blip r:embed="rId4">
-            <a:alphaModFix/>
-          </a:blip>
-          <a:stretch>
-            <a:fillRect/>
-          </a:stretch>
-        </p:blipFill>
-        <p:spPr>
-          <a:xfrm>
-            <a:off x="3471052" y="885613"/>
-            <a:ext cx="2201897" cy="413929"/>
-          </a:xfrm>
-          <a:prstGeom prst="rect">
-            <a:avLst/>
-          </a:prstGeom>
-          <a:noFill/>
-          <a:ln>
-            <a:noFill/>
-          </a:ln>
-        </p:spPr>
-      </p:pic>
-      <p:pic>
-        <p:nvPicPr>
-          <p:cNvPr id="105" name="Google Shape;105;p19"/>
-          <p:cNvPicPr preferRelativeResize="0"/>
-          <p:nvPr/>
-        </p:nvPicPr>
-        <p:blipFill>
-          <a:blip r:embed="rId5">
-            <a:alphaModFix/>
-          </a:blip>
-          <a:stretch>
-            <a:fillRect/>
-          </a:stretch>
-        </p:blipFill>
-        <p:spPr>
-          <a:xfrm>
-            <a:off x="4206185" y="1326870"/>
-            <a:ext cx="731630" cy="283284"/>
-          </a:xfrm>
-          <a:prstGeom prst="rect">
-            <a:avLst/>
-          </a:prstGeom>
-          <a:noFill/>
-          <a:ln>
-            <a:noFill/>
-          </a:ln>
-        </p:spPr>
-      </p:pic>
-      <p:pic>
-        <p:nvPicPr>
-          <p:cNvPr id="106" name="Google Shape;106;p19"/>
-          <p:cNvPicPr preferRelativeResize="0"/>
-          <p:nvPr/>
-        </p:nvPicPr>
-        <p:blipFill>
-          <a:blip r:embed="rId6">
-            <a:alphaModFix/>
-          </a:blip>
-          <a:stretch>
-            <a:fillRect/>
-          </a:stretch>
-        </p:blipFill>
-        <p:spPr>
-          <a:xfrm>
-            <a:off x="2415549" y="1637483"/>
-            <a:ext cx="4312902" cy="395400"/>
-          </a:xfrm>
-          <a:prstGeom prst="rect">
-            <a:avLst/>
-          </a:prstGeom>
-          <a:noFill/>
-          <a:ln>
-            <a:noFill/>
-          </a:ln>
-        </p:spPr>
-      </p:pic>
-      <p:pic>
-        <p:nvPicPr>
-          <p:cNvPr id="107" name="Google Shape;107;p19"/>
-          <p:cNvPicPr preferRelativeResize="0"/>
-          <p:nvPr/>
-        </p:nvPicPr>
-        <p:blipFill>
-          <a:blip r:embed="rId7">
-            <a:alphaModFix/>
-          </a:blip>
-          <a:stretch>
-            <a:fillRect/>
-          </a:stretch>
-        </p:blipFill>
-        <p:spPr>
-          <a:xfrm rot="5400000" flipH="1">
-            <a:off x="5257350" y="2775462"/>
-            <a:ext cx="2033100" cy="909025"/>
-          </a:xfrm>
-          <a:prstGeom prst="rect">
-            <a:avLst/>
-          </a:prstGeom>
-          <a:noFill/>
-          <a:ln>
-            <a:noFill/>
-          </a:ln>
-        </p:spPr>
-      </p:pic>
-    </p:spTree>
-  </p:cSld>
-  <p:clrMapOvr>
-    <a:masterClrMapping/>
-  </p:clrMapOvr>
-</p:sld>
-</file>
-
-<file path=ppt/slides/slide5.xml><?xml version="1.0" encoding="utf-8"?>
-<p:sld xmlns:a="http://schemas.openxmlformats.org/drawingml/2006/main" xmlns:r="http://schemas.openxmlformats.org/officeDocument/2006/relationships" xmlns:p="http://schemas.openxmlformats.org/presentationml/2006/main">
-  <p:cSld>
-    <p:spTree>
-      <p:nvGrpSpPr>
-        <p:cNvPr id="1" name="Shape 111"/>
-        <p:cNvGrpSpPr/>
-        <p:nvPr/>
-      </p:nvGrpSpPr>
-      <p:grpSpPr>
-        <a:xfrm>
-          <a:off x="0" y="0"/>
-          <a:ext cx="0" cy="0"/>
-          <a:chOff x="0" y="0"/>
-          <a:chExt cx="0" cy="0"/>
-        </a:xfrm>
-      </p:grpSpPr>
-      <p:sp>
-        <p:nvSpPr>
-          <p:cNvPr id="112" name="Google Shape;112;p20"/>
-          <p:cNvSpPr txBox="1">
-            <a:spLocks noGrp="1"/>
-          </p:cNvSpPr>
-          <p:nvPr>
-            <p:ph type="title"/>
-          </p:nvPr>
-        </p:nvSpPr>
-        <p:spPr>
-          <a:xfrm>
-            <a:off x="76200" y="0"/>
-            <a:ext cx="8520600" cy="572700"/>
-          </a:xfrm>
-          <a:prstGeom prst="rect">
-            <a:avLst/>
-          </a:prstGeom>
-        </p:spPr>
-        <p:txBody>
-          <a:bodyPr spcFirstLastPara="1" wrap="square" lIns="91425" tIns="91425" rIns="91425" bIns="91425" anchor="t" anchorCtr="0">
-            <a:noAutofit/>
-          </a:bodyPr>
-          <a:lstStyle/>
-          <a:p>
-            <a:pPr marL="0" lvl="0" indent="0" algn="l" rtl="0">
-              <a:spcBef>
-                <a:spcPts val="0"/>
-              </a:spcBef>
-              <a:spcAft>
-                <a:spcPts val="0"/>
-              </a:spcAft>
-              <a:buNone/>
-            </a:pPr>
-            <a:r>
-              <a:rPr lang="en-GB"/>
-              <a:t>Linear Modelling</a:t>
-            </a:r>
-            <a:endParaRPr/>
-          </a:p>
-        </p:txBody>
-      </p:sp>
-      <p:pic>
-        <p:nvPicPr>
-          <p:cNvPr id="113" name="Google Shape;113;p20"/>
-          <p:cNvPicPr preferRelativeResize="0"/>
-          <p:nvPr/>
-        </p:nvPicPr>
-        <p:blipFill>
-          <a:blip r:embed="rId3">
-            <a:alphaModFix/>
-          </a:blip>
-          <a:stretch>
-            <a:fillRect/>
-          </a:stretch>
-        </p:blipFill>
-        <p:spPr>
-          <a:xfrm>
-            <a:off x="3591258" y="580813"/>
-            <a:ext cx="2201897" cy="413929"/>
-          </a:xfrm>
-          <a:prstGeom prst="rect">
-            <a:avLst/>
-          </a:prstGeom>
-          <a:noFill/>
-          <a:ln>
-            <a:noFill/>
-          </a:ln>
-        </p:spPr>
-      </p:pic>
-      <p:pic>
-        <p:nvPicPr>
-          <p:cNvPr id="114" name="Google Shape;114;p20"/>
-          <p:cNvPicPr preferRelativeResize="0"/>
-          <p:nvPr/>
-        </p:nvPicPr>
-        <p:blipFill>
-          <a:blip r:embed="rId4">
-            <a:alphaModFix/>
-          </a:blip>
-          <a:stretch>
-            <a:fillRect/>
-          </a:stretch>
-        </p:blipFill>
-        <p:spPr>
-          <a:xfrm>
-            <a:off x="4326392" y="1022070"/>
-            <a:ext cx="731630" cy="283284"/>
-          </a:xfrm>
-          <a:prstGeom prst="rect">
-            <a:avLst/>
-          </a:prstGeom>
-          <a:noFill/>
-          <a:ln>
-            <a:noFill/>
-          </a:ln>
-        </p:spPr>
-      </p:pic>
-      <p:pic>
-        <p:nvPicPr>
-          <p:cNvPr id="115" name="Google Shape;115;p20"/>
-          <p:cNvPicPr preferRelativeResize="0"/>
-          <p:nvPr/>
-        </p:nvPicPr>
-        <p:blipFill rotWithShape="1">
-          <a:blip r:embed="rId5">
-            <a:alphaModFix/>
-          </a:blip>
-          <a:srcRect t="13511" b="2771"/>
-          <a:stretch/>
-        </p:blipFill>
-        <p:spPr>
-          <a:xfrm>
-            <a:off x="4578787" y="2348600"/>
-            <a:ext cx="2805826" cy="2348899"/>
-          </a:xfrm>
-          <a:prstGeom prst="rect">
-            <a:avLst/>
-          </a:prstGeom>
-          <a:noFill/>
-          <a:ln w="19050" cap="flat" cmpd="sng">
-            <a:solidFill>
-              <a:srgbClr val="E06666"/>
-            </a:solidFill>
-            <a:prstDash val="solid"/>
-            <a:round/>
-            <a:headEnd type="none" w="sm" len="sm"/>
-            <a:tailEnd type="none" w="sm" len="sm"/>
-          </a:ln>
-        </p:spPr>
-      </p:pic>
-      <p:sp>
-        <p:nvSpPr>
-          <p:cNvPr id="116" name="Google Shape;116;p20"/>
-          <p:cNvSpPr/>
-          <p:nvPr/>
-        </p:nvSpPr>
-        <p:spPr>
-          <a:xfrm>
-            <a:off x="5349224" y="640913"/>
-            <a:ext cx="322500" cy="322500"/>
-          </a:xfrm>
-          <a:prstGeom prst="ellipse">
-            <a:avLst/>
-          </a:prstGeom>
-          <a:noFill/>
-          <a:ln w="28575" cap="flat" cmpd="sng">
-            <a:solidFill>
-              <a:srgbClr val="E06666"/>
-            </a:solidFill>
-            <a:prstDash val="solid"/>
-            <a:round/>
-            <a:headEnd type="none" w="sm" len="sm"/>
-            <a:tailEnd type="none" w="sm" len="sm"/>
-          </a:ln>
-        </p:spPr>
-        <p:txBody>
-          <a:bodyPr spcFirstLastPara="1" wrap="square" lIns="91425" tIns="91425" rIns="91425" bIns="91425" anchor="ctr" anchorCtr="0">
-            <a:noAutofit/>
-          </a:bodyPr>
-          <a:lstStyle/>
-          <a:p>
-            <a:pPr marL="0" lvl="0" indent="0" algn="l" rtl="0">
-              <a:spcBef>
-                <a:spcPts val="0"/>
-              </a:spcBef>
-              <a:spcAft>
-                <a:spcPts val="0"/>
-              </a:spcAft>
-              <a:buNone/>
-            </a:pPr>
-            <a:endParaRPr/>
-          </a:p>
-        </p:txBody>
-      </p:sp>
-      <p:pic>
-        <p:nvPicPr>
-          <p:cNvPr id="117" name="Google Shape;117;p20"/>
-          <p:cNvPicPr preferRelativeResize="0"/>
-          <p:nvPr/>
-        </p:nvPicPr>
-        <p:blipFill>
-          <a:blip r:embed="rId6">
-            <a:alphaModFix/>
-          </a:blip>
-          <a:stretch>
-            <a:fillRect/>
-          </a:stretch>
-        </p:blipFill>
-        <p:spPr>
-          <a:xfrm>
-            <a:off x="1820100" y="2348601"/>
-            <a:ext cx="2619046" cy="2650127"/>
-          </a:xfrm>
-          <a:prstGeom prst="rect">
-            <a:avLst/>
-          </a:prstGeom>
-          <a:noFill/>
-          <a:ln w="19050" cap="flat" cmpd="sng">
-            <a:solidFill>
-              <a:srgbClr val="6AA84F"/>
-            </a:solidFill>
-            <a:prstDash val="solid"/>
-            <a:round/>
-            <a:headEnd type="none" w="sm" len="sm"/>
-            <a:tailEnd type="none" w="sm" len="sm"/>
-          </a:ln>
-        </p:spPr>
-      </p:pic>
-      <p:sp>
-        <p:nvSpPr>
-          <p:cNvPr id="118" name="Google Shape;118;p20"/>
-          <p:cNvSpPr/>
-          <p:nvPr/>
-        </p:nvSpPr>
-        <p:spPr>
-          <a:xfrm>
-            <a:off x="4688176" y="1009462"/>
-            <a:ext cx="283200" cy="283200"/>
-          </a:xfrm>
-          <a:prstGeom prst="ellipse">
-            <a:avLst/>
-          </a:prstGeom>
-          <a:noFill/>
-          <a:ln w="28575" cap="flat" cmpd="sng">
-            <a:solidFill>
-              <a:srgbClr val="6AA84F"/>
-            </a:solidFill>
-            <a:prstDash val="solid"/>
-            <a:round/>
-            <a:headEnd type="none" w="sm" len="sm"/>
-            <a:tailEnd type="none" w="sm" len="sm"/>
-          </a:ln>
-        </p:spPr>
-        <p:txBody>
-          <a:bodyPr spcFirstLastPara="1" wrap="square" lIns="91425" tIns="91425" rIns="91425" bIns="91425" anchor="ctr" anchorCtr="0">
-            <a:noAutofit/>
-          </a:bodyPr>
-          <a:lstStyle/>
-          <a:p>
-            <a:pPr marL="0" lvl="0" indent="0" algn="l" rtl="0">
-              <a:spcBef>
-                <a:spcPts val="0"/>
-              </a:spcBef>
-              <a:spcAft>
-                <a:spcPts val="0"/>
-              </a:spcAft>
-              <a:buNone/>
-            </a:pPr>
-            <a:endParaRPr/>
-          </a:p>
-        </p:txBody>
-      </p:sp>
-      <p:sp>
-        <p:nvSpPr>
-          <p:cNvPr id="119" name="Google Shape;119;p20"/>
-          <p:cNvSpPr txBox="1"/>
-          <p:nvPr/>
-        </p:nvSpPr>
-        <p:spPr>
-          <a:xfrm>
-            <a:off x="4578787" y="1972525"/>
-            <a:ext cx="2580600" cy="400200"/>
-          </a:xfrm>
-          <a:prstGeom prst="rect">
-            <a:avLst/>
-          </a:prstGeom>
-          <a:noFill/>
-          <a:ln>
-            <a:noFill/>
-          </a:ln>
-        </p:spPr>
-        <p:txBody>
-          <a:bodyPr spcFirstLastPara="1" wrap="square" lIns="91425" tIns="91425" rIns="91425" bIns="91425" anchor="t" anchorCtr="0">
-            <a:spAutoFit/>
-          </a:bodyPr>
-          <a:lstStyle/>
-          <a:p>
-            <a:pPr marL="0" lvl="0" indent="0" algn="l" rtl="0">
-              <a:spcBef>
-                <a:spcPts val="0"/>
-              </a:spcBef>
-              <a:spcAft>
-                <a:spcPts val="0"/>
-              </a:spcAft>
-              <a:buNone/>
-            </a:pPr>
-            <a:r>
-              <a:rPr lang="en-GB">
-                <a:latin typeface="Cabin"/>
-                <a:ea typeface="Cabin"/>
-                <a:cs typeface="Cabin"/>
-                <a:sym typeface="Cabin"/>
-              </a:rPr>
-              <a:t>Gene Dispersion</a:t>
-            </a:r>
-            <a:endParaRPr>
-              <a:latin typeface="Cabin"/>
-              <a:ea typeface="Cabin"/>
-              <a:cs typeface="Cabin"/>
-              <a:sym typeface="Cabin"/>
-            </a:endParaRPr>
-          </a:p>
-        </p:txBody>
-      </p:sp>
-      <p:sp>
-        <p:nvSpPr>
-          <p:cNvPr id="120" name="Google Shape;120;p20"/>
-          <p:cNvSpPr txBox="1"/>
-          <p:nvPr/>
-        </p:nvSpPr>
-        <p:spPr>
-          <a:xfrm>
-            <a:off x="1759387" y="1972525"/>
-            <a:ext cx="2580600" cy="400200"/>
-          </a:xfrm>
-          <a:prstGeom prst="rect">
-            <a:avLst/>
-          </a:prstGeom>
-          <a:noFill/>
-          <a:ln>
-            <a:noFill/>
-          </a:ln>
-        </p:spPr>
-        <p:txBody>
-          <a:bodyPr spcFirstLastPara="1" wrap="square" lIns="91425" tIns="91425" rIns="91425" bIns="91425" anchor="t" anchorCtr="0">
-            <a:spAutoFit/>
-          </a:bodyPr>
-          <a:lstStyle/>
-          <a:p>
-            <a:pPr marL="0" lvl="0" indent="0" algn="l" rtl="0">
-              <a:spcBef>
-                <a:spcPts val="0"/>
-              </a:spcBef>
-              <a:spcAft>
-                <a:spcPts val="0"/>
-              </a:spcAft>
-              <a:buNone/>
-            </a:pPr>
-            <a:r>
-              <a:rPr lang="en-GB">
-                <a:latin typeface="Cabin"/>
-                <a:ea typeface="Cabin"/>
-                <a:cs typeface="Cabin"/>
-                <a:sym typeface="Cabin"/>
-              </a:rPr>
-              <a:t>Sample Scaling Factors</a:t>
-            </a:r>
-            <a:endParaRPr>
-              <a:latin typeface="Cabin"/>
-              <a:ea typeface="Cabin"/>
-              <a:cs typeface="Cabin"/>
-              <a:sym typeface="Cabin"/>
-            </a:endParaRPr>
-          </a:p>
-        </p:txBody>
-      </p:sp>
-      <p:pic>
-        <p:nvPicPr>
-          <p:cNvPr id="121" name="Google Shape;121;p20"/>
-          <p:cNvPicPr preferRelativeResize="0"/>
-          <p:nvPr/>
-        </p:nvPicPr>
-        <p:blipFill>
-          <a:blip r:embed="rId7">
-            <a:alphaModFix/>
-          </a:blip>
-          <a:stretch>
-            <a:fillRect/>
-          </a:stretch>
-        </p:blipFill>
-        <p:spPr>
-          <a:xfrm>
-            <a:off x="2535756" y="1332683"/>
-            <a:ext cx="4312902" cy="395400"/>
-          </a:xfrm>
-          <a:prstGeom prst="rect">
-            <a:avLst/>
-          </a:prstGeom>
-          <a:noFill/>
-          <a:ln>
-            <a:noFill/>
-          </a:ln>
-        </p:spPr>
-      </p:pic>
-    </p:spTree>
-  </p:cSld>
-  <p:clrMapOvr>
-    <a:masterClrMapping/>
-  </p:clrMapOvr>
-</p:sld>
-</file>
-
-<file path=ppt/slides/slide6.xml><?xml version="1.0" encoding="utf-8"?>
-<p:sld xmlns:a="http://schemas.openxmlformats.org/drawingml/2006/main" xmlns:r="http://schemas.openxmlformats.org/officeDocument/2006/relationships" xmlns:p="http://schemas.openxmlformats.org/presentationml/2006/main">
-  <p:cSld>
-    <p:spTree>
-      <p:nvGrpSpPr>
-        <p:cNvPr id="1" name="Shape 125"/>
-        <p:cNvGrpSpPr/>
-        <p:nvPr/>
-      </p:nvGrpSpPr>
-      <p:grpSpPr>
-        <a:xfrm>
-          <a:off x="0" y="0"/>
-          <a:ext cx="0" cy="0"/>
-          <a:chOff x="0" y="0"/>
-          <a:chExt cx="0" cy="0"/>
-        </a:xfrm>
-      </p:grpSpPr>
-      <p:sp>
-        <p:nvSpPr>
-          <p:cNvPr id="126" name="Google Shape;126;p21"/>
-          <p:cNvSpPr txBox="1">
-            <a:spLocks noGrp="1"/>
-          </p:cNvSpPr>
-          <p:nvPr>
-            <p:ph type="title"/>
-          </p:nvPr>
-        </p:nvSpPr>
-        <p:spPr>
-          <a:xfrm>
-            <a:off x="76200" y="0"/>
-            <a:ext cx="8520600" cy="572700"/>
-          </a:xfrm>
-          <a:prstGeom prst="rect">
-            <a:avLst/>
-          </a:prstGeom>
-        </p:spPr>
-        <p:txBody>
-          <a:bodyPr spcFirstLastPara="1" wrap="square" lIns="91425" tIns="91425" rIns="91425" bIns="91425" anchor="t" anchorCtr="0">
-            <a:noAutofit/>
-          </a:bodyPr>
-          <a:lstStyle/>
-          <a:p>
-            <a:pPr marL="0" lvl="0" indent="0" algn="l" rtl="0">
-              <a:spcBef>
-                <a:spcPts val="0"/>
-              </a:spcBef>
-              <a:spcAft>
-                <a:spcPts val="0"/>
-              </a:spcAft>
-              <a:buNone/>
-            </a:pPr>
-            <a:r>
-              <a:rPr lang="en-GB"/>
-              <a:t>DESeq2 | Models and Hypothesis Testing | </a:t>
-            </a:r>
-            <a:r>
-              <a:rPr lang="en-GB">
-                <a:solidFill>
-                  <a:srgbClr val="E06666"/>
-                </a:solidFill>
-              </a:rPr>
-              <a:t>One-Factor Model</a:t>
-            </a:r>
-            <a:endParaRPr>
-              <a:solidFill>
-                <a:srgbClr val="E06666"/>
-              </a:solidFill>
-            </a:endParaRPr>
-          </a:p>
-        </p:txBody>
-      </p:sp>
-      <p:pic>
-        <p:nvPicPr>
-          <p:cNvPr id="127" name="Google Shape;127;p21"/>
-          <p:cNvPicPr preferRelativeResize="0"/>
-          <p:nvPr/>
-        </p:nvPicPr>
-        <p:blipFill rotWithShape="1">
-          <a:blip r:embed="rId3">
-            <a:alphaModFix/>
-          </a:blip>
-          <a:srcRect r="41965"/>
-          <a:stretch/>
-        </p:blipFill>
-        <p:spPr>
-          <a:xfrm>
-            <a:off x="2518860" y="827800"/>
-            <a:ext cx="2503050" cy="395400"/>
-          </a:xfrm>
-          <a:prstGeom prst="rect">
-            <a:avLst/>
-          </a:prstGeom>
-          <a:noFill/>
-          <a:ln>
-            <a:noFill/>
-          </a:ln>
-        </p:spPr>
-      </p:pic>
-      <p:sp>
-        <p:nvSpPr>
-          <p:cNvPr id="128" name="Google Shape;128;p21"/>
-          <p:cNvSpPr txBox="1"/>
-          <p:nvPr/>
-        </p:nvSpPr>
-        <p:spPr>
-          <a:xfrm>
-            <a:off x="2617638" y="1312250"/>
-            <a:ext cx="4536900" cy="723300"/>
-          </a:xfrm>
-          <a:prstGeom prst="rect">
-            <a:avLst/>
-          </a:prstGeom>
-          <a:noFill/>
-          <a:ln>
-            <a:noFill/>
-          </a:ln>
-        </p:spPr>
-        <p:txBody>
-          <a:bodyPr spcFirstLastPara="1" wrap="square" lIns="91425" tIns="91425" rIns="91425" bIns="91425" anchor="t" anchorCtr="0">
-            <a:spAutoFit/>
-          </a:bodyPr>
-          <a:lstStyle/>
-          <a:p>
-            <a:pPr marL="0" lvl="0" indent="0" algn="l" rtl="0">
-              <a:lnSpc>
-                <a:spcPct val="150000"/>
-              </a:lnSpc>
-              <a:spcBef>
-                <a:spcPts val="0"/>
-              </a:spcBef>
-              <a:spcAft>
-                <a:spcPts val="0"/>
-              </a:spcAft>
-              <a:buNone/>
-            </a:pPr>
-            <a:r>
-              <a:rPr lang="en-GB">
-                <a:latin typeface="Cabin"/>
-                <a:ea typeface="Cabin"/>
-                <a:cs typeface="Cabin"/>
-                <a:sym typeface="Cabin"/>
-              </a:rPr>
-              <a:t>Formula syntax: </a:t>
-            </a:r>
-            <a:endParaRPr>
-              <a:latin typeface="Cabin"/>
-              <a:ea typeface="Cabin"/>
-              <a:cs typeface="Cabin"/>
-              <a:sym typeface="Cabin"/>
-            </a:endParaRPr>
-          </a:p>
-          <a:p>
-            <a:pPr marL="0" lvl="0" indent="457200" algn="l" rtl="0">
-              <a:lnSpc>
-                <a:spcPct val="150000"/>
-              </a:lnSpc>
-              <a:spcBef>
-                <a:spcPts val="0"/>
-              </a:spcBef>
-              <a:spcAft>
-                <a:spcPts val="0"/>
-              </a:spcAft>
-              <a:buNone/>
-            </a:pPr>
-            <a:r>
-              <a:rPr lang="en-GB" b="1">
-                <a:latin typeface="Courier New"/>
-                <a:ea typeface="Courier New"/>
-                <a:cs typeface="Courier New"/>
-                <a:sym typeface="Courier New"/>
-              </a:rPr>
-              <a:t>~ Status</a:t>
-            </a:r>
-            <a:endParaRPr b="1">
-              <a:latin typeface="Courier New"/>
-              <a:ea typeface="Courier New"/>
-              <a:cs typeface="Courier New"/>
-              <a:sym typeface="Courier New"/>
-            </a:endParaRPr>
-          </a:p>
-        </p:txBody>
-      </p:sp>
-      <p:cxnSp>
-        <p:nvCxnSpPr>
-          <p:cNvPr id="129" name="Google Shape;129;p21"/>
-          <p:cNvCxnSpPr/>
-          <p:nvPr/>
-        </p:nvCxnSpPr>
-        <p:spPr>
-          <a:xfrm>
-            <a:off x="4803138" y="4083625"/>
-            <a:ext cx="1270500" cy="0"/>
-          </a:xfrm>
-          <a:prstGeom prst="straightConnector1">
-            <a:avLst/>
-          </a:prstGeom>
-          <a:noFill/>
-          <a:ln w="38100" cap="flat" cmpd="sng">
-            <a:solidFill>
-              <a:srgbClr val="595959"/>
-            </a:solidFill>
-            <a:prstDash val="solid"/>
-            <a:round/>
-            <a:headEnd type="none" w="med" len="med"/>
-            <a:tailEnd type="none" w="med" len="med"/>
-          </a:ln>
-        </p:spPr>
-      </p:cxnSp>
-      <p:cxnSp>
-        <p:nvCxnSpPr>
-          <p:cNvPr id="130" name="Google Shape;130;p21"/>
-          <p:cNvCxnSpPr/>
-          <p:nvPr/>
-        </p:nvCxnSpPr>
-        <p:spPr>
-          <a:xfrm rot="10800000">
-            <a:off x="4810042" y="2325143"/>
-            <a:ext cx="0" cy="1767900"/>
-          </a:xfrm>
-          <a:prstGeom prst="straightConnector1">
-            <a:avLst/>
-          </a:prstGeom>
-          <a:noFill/>
-          <a:ln w="38100" cap="flat" cmpd="sng">
-            <a:solidFill>
-              <a:srgbClr val="595959"/>
-            </a:solidFill>
-            <a:prstDash val="solid"/>
-            <a:round/>
-            <a:headEnd type="none" w="med" len="med"/>
-            <a:tailEnd type="none" w="med" len="med"/>
-          </a:ln>
-        </p:spPr>
-      </p:cxnSp>
-      <p:sp>
-        <p:nvSpPr>
-          <p:cNvPr id="131" name="Google Shape;131;p21"/>
-          <p:cNvSpPr/>
-          <p:nvPr/>
-        </p:nvSpPr>
-        <p:spPr>
-          <a:xfrm>
-            <a:off x="5138780" y="3527410"/>
-            <a:ext cx="236700" cy="236400"/>
-          </a:xfrm>
-          <a:prstGeom prst="ellipse">
-            <a:avLst/>
-          </a:prstGeom>
-          <a:solidFill>
-            <a:srgbClr val="D9D9D9"/>
-          </a:solidFill>
-          <a:ln w="9525" cap="flat" cmpd="sng">
-            <a:solidFill>
-              <a:srgbClr val="595959"/>
-            </a:solidFill>
-            <a:prstDash val="solid"/>
-            <a:round/>
-            <a:headEnd type="none" w="sm" len="sm"/>
-            <a:tailEnd type="none" w="sm" len="sm"/>
-          </a:ln>
-        </p:spPr>
-        <p:txBody>
-          <a:bodyPr spcFirstLastPara="1" wrap="square" lIns="91425" tIns="91425" rIns="91425" bIns="91425" anchor="ctr" anchorCtr="0">
-            <a:noAutofit/>
-          </a:bodyPr>
-          <a:lstStyle/>
-          <a:p>
-            <a:pPr marL="0" lvl="0" indent="0" algn="l" rtl="0">
-              <a:spcBef>
-                <a:spcPts val="0"/>
-              </a:spcBef>
-              <a:spcAft>
-                <a:spcPts val="0"/>
-              </a:spcAft>
-              <a:buNone/>
-            </a:pPr>
-            <a:endParaRPr/>
-          </a:p>
-        </p:txBody>
-      </p:sp>
-      <p:sp>
-        <p:nvSpPr>
-          <p:cNvPr id="132" name="Google Shape;132;p21"/>
-          <p:cNvSpPr txBox="1"/>
-          <p:nvPr/>
-        </p:nvSpPr>
-        <p:spPr>
-          <a:xfrm>
-            <a:off x="5626010" y="3057926"/>
-            <a:ext cx="595500" cy="517200"/>
-          </a:xfrm>
-          <a:prstGeom prst="rect">
-            <a:avLst/>
-          </a:prstGeom>
-          <a:noFill/>
-          <a:ln>
-            <a:noFill/>
-          </a:ln>
-        </p:spPr>
-        <p:txBody>
-          <a:bodyPr spcFirstLastPara="1" wrap="square" lIns="91425" tIns="91425" rIns="91425" bIns="91425" anchor="t" anchorCtr="0">
-            <a:noAutofit/>
-          </a:bodyPr>
-          <a:lstStyle/>
-          <a:p>
-            <a:pPr marL="0" lvl="0" indent="0" algn="l" rtl="0">
-              <a:spcBef>
-                <a:spcPts val="0"/>
-              </a:spcBef>
-              <a:spcAft>
-                <a:spcPts val="0"/>
-              </a:spcAft>
-              <a:buNone/>
-            </a:pPr>
-            <a:r>
-              <a:rPr lang="en-GB">
-                <a:solidFill>
-                  <a:srgbClr val="000000"/>
-                </a:solidFill>
-                <a:latin typeface="Cabin"/>
-                <a:ea typeface="Cabin"/>
-                <a:cs typeface="Cabin"/>
-                <a:sym typeface="Cabin"/>
-              </a:rPr>
-              <a:t>𝛽</a:t>
-            </a:r>
-            <a:r>
-              <a:rPr lang="en-GB" baseline="-25000">
-                <a:solidFill>
-                  <a:srgbClr val="000000"/>
-                </a:solidFill>
-                <a:latin typeface="Cabin"/>
-                <a:ea typeface="Cabin"/>
-                <a:cs typeface="Cabin"/>
-                <a:sym typeface="Cabin"/>
-              </a:rPr>
-              <a:t>1</a:t>
-            </a:r>
-            <a:endParaRPr/>
-          </a:p>
-        </p:txBody>
-      </p:sp>
-      <p:sp>
-        <p:nvSpPr>
-          <p:cNvPr id="133" name="Google Shape;133;p21"/>
-          <p:cNvSpPr txBox="1"/>
-          <p:nvPr/>
-        </p:nvSpPr>
-        <p:spPr>
-          <a:xfrm>
-            <a:off x="4904516" y="4107035"/>
-            <a:ext cx="740100" cy="400200"/>
-          </a:xfrm>
-          <a:prstGeom prst="rect">
-            <a:avLst/>
-          </a:prstGeom>
-          <a:noFill/>
-          <a:ln>
-            <a:noFill/>
-          </a:ln>
-        </p:spPr>
-        <p:txBody>
-          <a:bodyPr spcFirstLastPara="1" wrap="square" lIns="91425" tIns="91425" rIns="91425" bIns="91425" anchor="t" anchorCtr="0">
-            <a:spAutoFit/>
-          </a:bodyPr>
-          <a:lstStyle/>
-          <a:p>
-            <a:pPr marL="0" lvl="0" indent="0" algn="ctr" rtl="0">
-              <a:spcBef>
-                <a:spcPts val="0"/>
-              </a:spcBef>
-              <a:spcAft>
-                <a:spcPts val="0"/>
-              </a:spcAft>
-              <a:buNone/>
-            </a:pPr>
-            <a:r>
-              <a:rPr lang="en-GB">
-                <a:latin typeface="Cabin"/>
-                <a:ea typeface="Cabin"/>
-                <a:cs typeface="Cabin"/>
-                <a:sym typeface="Cabin"/>
-              </a:rPr>
-              <a:t>Un</a:t>
-            </a:r>
-            <a:endParaRPr>
-              <a:latin typeface="Cabin"/>
-              <a:ea typeface="Cabin"/>
-              <a:cs typeface="Cabin"/>
-              <a:sym typeface="Cabin"/>
-            </a:endParaRPr>
-          </a:p>
-        </p:txBody>
-      </p:sp>
-      <p:cxnSp>
-        <p:nvCxnSpPr>
-          <p:cNvPr id="134" name="Google Shape;134;p21"/>
-          <p:cNvCxnSpPr/>
-          <p:nvPr/>
-        </p:nvCxnSpPr>
-        <p:spPr>
-          <a:xfrm>
-            <a:off x="5330844" y="3656246"/>
-            <a:ext cx="378300" cy="2400"/>
-          </a:xfrm>
-          <a:prstGeom prst="straightConnector1">
-            <a:avLst/>
-          </a:prstGeom>
-          <a:noFill/>
-          <a:ln w="9525" cap="flat" cmpd="sng">
-            <a:solidFill>
-              <a:srgbClr val="595959"/>
-            </a:solidFill>
-            <a:prstDash val="dash"/>
-            <a:round/>
-            <a:headEnd type="none" w="med" len="med"/>
-            <a:tailEnd type="none" w="med" len="med"/>
-          </a:ln>
-        </p:spPr>
-      </p:cxnSp>
-      <p:sp>
-        <p:nvSpPr>
-          <p:cNvPr id="135" name="Google Shape;135;p21"/>
-          <p:cNvSpPr/>
-          <p:nvPr/>
-        </p:nvSpPr>
-        <p:spPr>
-          <a:xfrm>
-            <a:off x="5585007" y="2813158"/>
-            <a:ext cx="236700" cy="236400"/>
-          </a:xfrm>
-          <a:prstGeom prst="ellipse">
-            <a:avLst/>
-          </a:prstGeom>
-          <a:solidFill>
-            <a:srgbClr val="A64D79"/>
-          </a:solidFill>
-          <a:ln w="9525" cap="flat" cmpd="sng">
-            <a:solidFill>
-              <a:srgbClr val="595959"/>
-            </a:solidFill>
-            <a:prstDash val="solid"/>
-            <a:round/>
-            <a:headEnd type="none" w="sm" len="sm"/>
-            <a:tailEnd type="none" w="sm" len="sm"/>
-          </a:ln>
-        </p:spPr>
-        <p:txBody>
-          <a:bodyPr spcFirstLastPara="1" wrap="square" lIns="91425" tIns="91425" rIns="91425" bIns="91425" anchor="ctr" anchorCtr="0">
-            <a:noAutofit/>
-          </a:bodyPr>
-          <a:lstStyle/>
-          <a:p>
-            <a:pPr marL="0" lvl="0" indent="0" algn="l" rtl="0">
-              <a:spcBef>
-                <a:spcPts val="0"/>
-              </a:spcBef>
-              <a:spcAft>
-                <a:spcPts val="0"/>
-              </a:spcAft>
-              <a:buNone/>
-            </a:pPr>
-            <a:endParaRPr/>
-          </a:p>
-        </p:txBody>
-      </p:sp>
-      <p:cxnSp>
-        <p:nvCxnSpPr>
-          <p:cNvPr id="136" name="Google Shape;136;p21"/>
-          <p:cNvCxnSpPr/>
-          <p:nvPr/>
-        </p:nvCxnSpPr>
-        <p:spPr>
-          <a:xfrm rot="10800000">
-            <a:off x="5701642" y="2951393"/>
-            <a:ext cx="0" cy="709800"/>
-          </a:xfrm>
-          <a:prstGeom prst="straightConnector1">
-            <a:avLst/>
-          </a:prstGeom>
-          <a:noFill/>
-          <a:ln w="9525" cap="flat" cmpd="sng">
-            <a:solidFill>
-              <a:srgbClr val="000000"/>
-            </a:solidFill>
-            <a:prstDash val="solid"/>
-            <a:round/>
-            <a:headEnd type="none" w="med" len="med"/>
-            <a:tailEnd type="triangle" w="med" len="med"/>
-          </a:ln>
-        </p:spPr>
-      </p:cxnSp>
-      <p:sp>
-        <p:nvSpPr>
-          <p:cNvPr id="137" name="Google Shape;137;p21"/>
-          <p:cNvSpPr txBox="1"/>
-          <p:nvPr/>
-        </p:nvSpPr>
-        <p:spPr>
-          <a:xfrm>
-            <a:off x="4874808" y="3436268"/>
-            <a:ext cx="595500" cy="517200"/>
-          </a:xfrm>
-          <a:prstGeom prst="rect">
-            <a:avLst/>
-          </a:prstGeom>
-          <a:noFill/>
-          <a:ln>
-            <a:noFill/>
-          </a:ln>
-        </p:spPr>
-        <p:txBody>
-          <a:bodyPr spcFirstLastPara="1" wrap="square" lIns="91425" tIns="91425" rIns="91425" bIns="91425" anchor="t" anchorCtr="0">
-            <a:noAutofit/>
-          </a:bodyPr>
-          <a:lstStyle/>
-          <a:p>
-            <a:pPr marL="0" lvl="0" indent="0" algn="l" rtl="0">
-              <a:spcBef>
-                <a:spcPts val="0"/>
-              </a:spcBef>
-              <a:spcAft>
-                <a:spcPts val="0"/>
-              </a:spcAft>
-              <a:buNone/>
-            </a:pPr>
-            <a:r>
-              <a:rPr lang="en-GB">
-                <a:solidFill>
-                  <a:srgbClr val="000000"/>
-                </a:solidFill>
-                <a:latin typeface="Cabin"/>
-                <a:ea typeface="Cabin"/>
-                <a:cs typeface="Cabin"/>
-                <a:sym typeface="Cabin"/>
-              </a:rPr>
-              <a:t>𝛽</a:t>
-            </a:r>
-            <a:r>
-              <a:rPr lang="en-GB" baseline="-25000">
-                <a:solidFill>
-                  <a:srgbClr val="000000"/>
-                </a:solidFill>
-                <a:latin typeface="Cabin"/>
-                <a:ea typeface="Cabin"/>
-                <a:cs typeface="Cabin"/>
-                <a:sym typeface="Cabin"/>
-              </a:rPr>
-              <a:t>0</a:t>
-            </a:r>
-            <a:endParaRPr/>
-          </a:p>
-        </p:txBody>
-      </p:sp>
-      <p:sp>
-        <p:nvSpPr>
-          <p:cNvPr id="138" name="Google Shape;138;p21"/>
-          <p:cNvSpPr txBox="1"/>
-          <p:nvPr/>
-        </p:nvSpPr>
-        <p:spPr>
-          <a:xfrm>
-            <a:off x="2570288" y="2446725"/>
-            <a:ext cx="2160900" cy="1906200"/>
-          </a:xfrm>
-          <a:prstGeom prst="rect">
-            <a:avLst/>
-          </a:prstGeom>
-          <a:noFill/>
-          <a:ln>
-            <a:noFill/>
-          </a:ln>
-        </p:spPr>
-        <p:txBody>
-          <a:bodyPr spcFirstLastPara="1" wrap="square" lIns="91425" tIns="91425" rIns="91425" bIns="91425" anchor="t" anchorCtr="0">
-            <a:noAutofit/>
-          </a:bodyPr>
-          <a:lstStyle/>
-          <a:p>
-            <a:pPr marL="0" lvl="0" indent="0" algn="l" rtl="0">
-              <a:spcBef>
-                <a:spcPts val="0"/>
-              </a:spcBef>
-              <a:spcAft>
-                <a:spcPts val="0"/>
-              </a:spcAft>
-              <a:buNone/>
-            </a:pPr>
-            <a:r>
-              <a:rPr lang="en-GB" sz="1500">
-                <a:latin typeface="Cabin"/>
-                <a:ea typeface="Cabin"/>
-                <a:cs typeface="Cabin"/>
-                <a:sym typeface="Cabin"/>
-              </a:rPr>
-              <a:t>Null hypothesis:</a:t>
-            </a:r>
-            <a:endParaRPr sz="1500">
-              <a:latin typeface="Cabin"/>
-              <a:ea typeface="Cabin"/>
-              <a:cs typeface="Cabin"/>
-              <a:sym typeface="Cabin"/>
-            </a:endParaRPr>
-          </a:p>
-          <a:p>
-            <a:pPr marL="0" lvl="0" indent="0" algn="l" rtl="0">
-              <a:spcBef>
-                <a:spcPts val="0"/>
-              </a:spcBef>
-              <a:spcAft>
-                <a:spcPts val="0"/>
-              </a:spcAft>
-              <a:buNone/>
-            </a:pPr>
-            <a:endParaRPr sz="1500">
-              <a:latin typeface="Cabin"/>
-              <a:ea typeface="Cabin"/>
-              <a:cs typeface="Cabin"/>
-              <a:sym typeface="Cabin"/>
-            </a:endParaRPr>
-          </a:p>
-          <a:p>
-            <a:pPr marL="0" lvl="0" indent="0" algn="l" rtl="0">
-              <a:spcBef>
-                <a:spcPts val="0"/>
-              </a:spcBef>
-              <a:spcAft>
-                <a:spcPts val="0"/>
-              </a:spcAft>
-              <a:buClr>
-                <a:schemeClr val="dk1"/>
-              </a:buClr>
-              <a:buSzPts val="1100"/>
-              <a:buFont typeface="Arial"/>
-              <a:buNone/>
-            </a:pPr>
-            <a:r>
-              <a:rPr lang="en-GB" sz="1500">
-                <a:solidFill>
-                  <a:schemeClr val="dk1"/>
-                </a:solidFill>
-                <a:latin typeface="Cabin"/>
-                <a:ea typeface="Cabin"/>
-                <a:cs typeface="Cabin"/>
-                <a:sym typeface="Cabin"/>
-              </a:rPr>
-              <a:t>Infected vs Uninfected</a:t>
-            </a:r>
-            <a:endParaRPr sz="1500">
-              <a:latin typeface="Cabin"/>
-              <a:ea typeface="Cabin"/>
-              <a:cs typeface="Cabin"/>
-              <a:sym typeface="Cabin"/>
-            </a:endParaRPr>
-          </a:p>
-          <a:p>
-            <a:pPr marL="0" lvl="0" indent="0" algn="l" rtl="0">
-              <a:spcBef>
-                <a:spcPts val="0"/>
-              </a:spcBef>
-              <a:spcAft>
-                <a:spcPts val="0"/>
-              </a:spcAft>
-              <a:buNone/>
-            </a:pPr>
-            <a:r>
-              <a:rPr lang="en-GB" sz="1500">
-                <a:solidFill>
-                  <a:srgbClr val="000000"/>
-                </a:solidFill>
-                <a:latin typeface="Cabin"/>
-                <a:ea typeface="Cabin"/>
-                <a:cs typeface="Cabin"/>
-                <a:sym typeface="Cabin"/>
-              </a:rPr>
-              <a:t>𝛽</a:t>
-            </a:r>
-            <a:r>
-              <a:rPr lang="en-GB" sz="1500" baseline="-25000">
-                <a:solidFill>
-                  <a:srgbClr val="000000"/>
-                </a:solidFill>
-                <a:latin typeface="Cabin"/>
-                <a:ea typeface="Cabin"/>
-                <a:cs typeface="Cabin"/>
-                <a:sym typeface="Cabin"/>
-              </a:rPr>
-              <a:t>1</a:t>
-            </a:r>
-            <a:r>
-              <a:rPr lang="en-GB" sz="1500">
-                <a:solidFill>
-                  <a:srgbClr val="000000"/>
-                </a:solidFill>
-                <a:latin typeface="Cabin"/>
-                <a:ea typeface="Cabin"/>
-                <a:cs typeface="Cabin"/>
-                <a:sym typeface="Cabin"/>
-              </a:rPr>
-              <a:t> = 0</a:t>
-            </a:r>
-            <a:endParaRPr sz="1500">
-              <a:solidFill>
-                <a:srgbClr val="000000"/>
-              </a:solidFill>
-              <a:latin typeface="Cabin"/>
-              <a:ea typeface="Cabin"/>
-              <a:cs typeface="Cabin"/>
-              <a:sym typeface="Cabin"/>
-            </a:endParaRPr>
-          </a:p>
-          <a:p>
-            <a:pPr marL="0" lvl="0" indent="0" algn="l" rtl="0">
-              <a:spcBef>
-                <a:spcPts val="0"/>
-              </a:spcBef>
-              <a:spcAft>
-                <a:spcPts val="0"/>
-              </a:spcAft>
-              <a:buNone/>
-            </a:pPr>
-            <a:endParaRPr sz="1500">
-              <a:solidFill>
-                <a:srgbClr val="000000"/>
-              </a:solidFill>
-              <a:latin typeface="Cabin"/>
-              <a:ea typeface="Cabin"/>
-              <a:cs typeface="Cabin"/>
-              <a:sym typeface="Cabin"/>
-            </a:endParaRPr>
-          </a:p>
-        </p:txBody>
-      </p:sp>
-      <p:sp>
-        <p:nvSpPr>
-          <p:cNvPr id="139" name="Google Shape;139;p21"/>
-          <p:cNvSpPr txBox="1"/>
-          <p:nvPr/>
-        </p:nvSpPr>
-        <p:spPr>
-          <a:xfrm>
-            <a:off x="5371973" y="4107035"/>
-            <a:ext cx="740100" cy="400200"/>
-          </a:xfrm>
-          <a:prstGeom prst="rect">
-            <a:avLst/>
-          </a:prstGeom>
-          <a:noFill/>
-          <a:ln>
-            <a:noFill/>
-          </a:ln>
-        </p:spPr>
-        <p:txBody>
-          <a:bodyPr spcFirstLastPara="1" wrap="square" lIns="91425" tIns="91425" rIns="91425" bIns="91425" anchor="t" anchorCtr="0">
-            <a:spAutoFit/>
-          </a:bodyPr>
-          <a:lstStyle/>
-          <a:p>
-            <a:pPr marL="0" lvl="0" indent="0" algn="ctr" rtl="0">
-              <a:spcBef>
-                <a:spcPts val="0"/>
-              </a:spcBef>
-              <a:spcAft>
-                <a:spcPts val="0"/>
-              </a:spcAft>
-              <a:buNone/>
-            </a:pPr>
-            <a:r>
-              <a:rPr lang="en-GB">
-                <a:latin typeface="Cabin"/>
-                <a:ea typeface="Cabin"/>
-                <a:cs typeface="Cabin"/>
-                <a:sym typeface="Cabin"/>
-              </a:rPr>
-              <a:t>In</a:t>
-            </a:r>
-            <a:endParaRPr>
-              <a:latin typeface="Cabin"/>
-              <a:ea typeface="Cabin"/>
-              <a:cs typeface="Cabin"/>
-              <a:sym typeface="Cabin"/>
-            </a:endParaRPr>
-          </a:p>
-        </p:txBody>
-      </p:sp>
-    </p:spTree>
-  </p:cSld>
-  <p:clrMapOvr>
-    <a:masterClrMapping/>
-  </p:clrMapOvr>
-</p:sld>
-</file>
-
 <file path=ppt/slides/slide7.xml><?xml version="1.0" encoding="utf-8"?>
-<p:sld xmlns:a="http://schemas.openxmlformats.org/drawingml/2006/main" xmlns:r="http://schemas.openxmlformats.org/officeDocument/2006/relationships" xmlns:p="http://schemas.openxmlformats.org/presentationml/2006/main">
-  <p:cSld>
-    <p:spTree>
-      <p:nvGrpSpPr>
-        <p:cNvPr id="1" name="Shape 143"/>
-        <p:cNvGrpSpPr/>
-        <p:nvPr/>
-      </p:nvGrpSpPr>
-      <p:grpSpPr>
-        <a:xfrm>
-          <a:off x="0" y="0"/>
-          <a:ext cx="0" cy="0"/>
-          <a:chOff x="0" y="0"/>
-          <a:chExt cx="0" cy="0"/>
-        </a:xfrm>
-      </p:grpSpPr>
-      <p:sp>
-        <p:nvSpPr>
-          <p:cNvPr id="144" name="Google Shape;144;p22"/>
-          <p:cNvSpPr txBox="1">
-            <a:spLocks noGrp="1"/>
-          </p:cNvSpPr>
-          <p:nvPr>
-            <p:ph type="title"/>
-          </p:nvPr>
-        </p:nvSpPr>
-        <p:spPr>
-          <a:xfrm>
-            <a:off x="76200" y="0"/>
-            <a:ext cx="8520600" cy="572700"/>
-          </a:xfrm>
-          <a:prstGeom prst="rect">
-            <a:avLst/>
-          </a:prstGeom>
-        </p:spPr>
-        <p:txBody>
-          <a:bodyPr spcFirstLastPara="1" wrap="square" lIns="91425" tIns="91425" rIns="91425" bIns="91425" anchor="t" anchorCtr="0">
-            <a:noAutofit/>
-          </a:bodyPr>
-          <a:lstStyle/>
-          <a:p>
-            <a:pPr marL="0" lvl="0" indent="0" algn="l" rtl="0">
-              <a:spcBef>
-                <a:spcPts val="0"/>
-              </a:spcBef>
-              <a:spcAft>
-                <a:spcPts val="0"/>
-              </a:spcAft>
-              <a:buNone/>
-            </a:pPr>
-            <a:r>
-              <a:rPr lang="en-GB"/>
-              <a:t>DESeq2 - Defining Models and Hypothesis Testing</a:t>
-            </a:r>
-            <a:endParaRPr/>
-          </a:p>
-        </p:txBody>
-      </p:sp>
-      <p:pic>
-        <p:nvPicPr>
-          <p:cNvPr id="145" name="Google Shape;145;p22"/>
-          <p:cNvPicPr preferRelativeResize="0"/>
-          <p:nvPr/>
-        </p:nvPicPr>
-        <p:blipFill rotWithShape="1">
-          <a:blip r:embed="rId3">
-            <a:alphaModFix/>
-          </a:blip>
-          <a:srcRect r="41965"/>
-          <a:stretch/>
-        </p:blipFill>
-        <p:spPr>
-          <a:xfrm>
-            <a:off x="273797" y="715575"/>
-            <a:ext cx="2503050" cy="395400"/>
-          </a:xfrm>
-          <a:prstGeom prst="rect">
-            <a:avLst/>
-          </a:prstGeom>
-          <a:noFill/>
-          <a:ln>
-            <a:noFill/>
-          </a:ln>
-        </p:spPr>
-      </p:pic>
-      <p:sp>
-        <p:nvSpPr>
-          <p:cNvPr id="146" name="Google Shape;146;p22"/>
-          <p:cNvSpPr txBox="1"/>
-          <p:nvPr/>
-        </p:nvSpPr>
-        <p:spPr>
-          <a:xfrm>
-            <a:off x="372575" y="1200025"/>
-            <a:ext cx="4536900" cy="723300"/>
-          </a:xfrm>
-          <a:prstGeom prst="rect">
-            <a:avLst/>
-          </a:prstGeom>
-          <a:noFill/>
-          <a:ln>
-            <a:noFill/>
-          </a:ln>
-        </p:spPr>
-        <p:txBody>
-          <a:bodyPr spcFirstLastPara="1" wrap="square" lIns="91425" tIns="91425" rIns="91425" bIns="91425" anchor="t" anchorCtr="0">
-            <a:spAutoFit/>
-          </a:bodyPr>
-          <a:lstStyle/>
-          <a:p>
-            <a:pPr marL="0" lvl="0" indent="0" algn="l" rtl="0">
-              <a:lnSpc>
-                <a:spcPct val="150000"/>
-              </a:lnSpc>
-              <a:spcBef>
-                <a:spcPts val="0"/>
-              </a:spcBef>
-              <a:spcAft>
-                <a:spcPts val="0"/>
-              </a:spcAft>
-              <a:buNone/>
-            </a:pPr>
-            <a:r>
-              <a:rPr lang="en-GB">
-                <a:latin typeface="Cabin"/>
-                <a:ea typeface="Cabin"/>
-                <a:cs typeface="Cabin"/>
-                <a:sym typeface="Cabin"/>
-              </a:rPr>
-              <a:t>Formula syntax: </a:t>
-            </a:r>
-            <a:endParaRPr>
-              <a:latin typeface="Cabin"/>
-              <a:ea typeface="Cabin"/>
-              <a:cs typeface="Cabin"/>
-              <a:sym typeface="Cabin"/>
-            </a:endParaRPr>
-          </a:p>
-          <a:p>
-            <a:pPr marL="0" lvl="0" indent="457200" algn="l" rtl="0">
-              <a:lnSpc>
-                <a:spcPct val="150000"/>
-              </a:lnSpc>
-              <a:spcBef>
-                <a:spcPts val="0"/>
-              </a:spcBef>
-              <a:spcAft>
-                <a:spcPts val="0"/>
-              </a:spcAft>
-              <a:buNone/>
-            </a:pPr>
-            <a:r>
-              <a:rPr lang="en-GB" b="1">
-                <a:latin typeface="Courier New"/>
-                <a:ea typeface="Courier New"/>
-                <a:cs typeface="Courier New"/>
-                <a:sym typeface="Courier New"/>
-              </a:rPr>
-              <a:t>~ Status</a:t>
-            </a:r>
-            <a:endParaRPr b="1">
-              <a:latin typeface="Courier New"/>
-              <a:ea typeface="Courier New"/>
-              <a:cs typeface="Courier New"/>
-              <a:sym typeface="Courier New"/>
-            </a:endParaRPr>
-          </a:p>
-        </p:txBody>
-      </p:sp>
-      <p:cxnSp>
-        <p:nvCxnSpPr>
-          <p:cNvPr id="147" name="Google Shape;147;p22"/>
-          <p:cNvCxnSpPr/>
-          <p:nvPr/>
-        </p:nvCxnSpPr>
-        <p:spPr>
-          <a:xfrm>
-            <a:off x="2558075" y="3971400"/>
-            <a:ext cx="1270500" cy="0"/>
-          </a:xfrm>
-          <a:prstGeom prst="straightConnector1">
-            <a:avLst/>
-          </a:prstGeom>
-          <a:noFill/>
-          <a:ln w="38100" cap="flat" cmpd="sng">
-            <a:solidFill>
-              <a:srgbClr val="595959"/>
-            </a:solidFill>
-            <a:prstDash val="solid"/>
-            <a:round/>
-            <a:headEnd type="none" w="med" len="med"/>
-            <a:tailEnd type="none" w="med" len="med"/>
-          </a:ln>
-        </p:spPr>
-      </p:cxnSp>
-      <p:cxnSp>
-        <p:nvCxnSpPr>
-          <p:cNvPr id="148" name="Google Shape;148;p22"/>
-          <p:cNvCxnSpPr/>
-          <p:nvPr/>
-        </p:nvCxnSpPr>
-        <p:spPr>
-          <a:xfrm rot="10800000">
-            <a:off x="2564979" y="2212918"/>
-            <a:ext cx="0" cy="1767900"/>
-          </a:xfrm>
-          <a:prstGeom prst="straightConnector1">
-            <a:avLst/>
-          </a:prstGeom>
-          <a:noFill/>
-          <a:ln w="38100" cap="flat" cmpd="sng">
-            <a:solidFill>
-              <a:srgbClr val="595959"/>
-            </a:solidFill>
-            <a:prstDash val="solid"/>
-            <a:round/>
-            <a:headEnd type="none" w="med" len="med"/>
-            <a:tailEnd type="none" w="med" len="med"/>
-          </a:ln>
-        </p:spPr>
-      </p:cxnSp>
-      <p:sp>
-        <p:nvSpPr>
-          <p:cNvPr id="149" name="Google Shape;149;p22"/>
-          <p:cNvSpPr/>
-          <p:nvPr/>
-        </p:nvSpPr>
-        <p:spPr>
-          <a:xfrm>
-            <a:off x="2893718" y="3415185"/>
-            <a:ext cx="236700" cy="236400"/>
-          </a:xfrm>
-          <a:prstGeom prst="ellipse">
-            <a:avLst/>
-          </a:prstGeom>
-          <a:solidFill>
-            <a:srgbClr val="D9D9D9"/>
-          </a:solidFill>
-          <a:ln w="9525" cap="flat" cmpd="sng">
-            <a:solidFill>
-              <a:srgbClr val="595959"/>
-            </a:solidFill>
-            <a:prstDash val="solid"/>
-            <a:round/>
-            <a:headEnd type="none" w="sm" len="sm"/>
-            <a:tailEnd type="none" w="sm" len="sm"/>
-          </a:ln>
-        </p:spPr>
-        <p:txBody>
-          <a:bodyPr spcFirstLastPara="1" wrap="square" lIns="91425" tIns="91425" rIns="91425" bIns="91425" anchor="ctr" anchorCtr="0">
-            <a:noAutofit/>
-          </a:bodyPr>
-          <a:lstStyle/>
-          <a:p>
-            <a:pPr marL="0" lvl="0" indent="0" algn="l" rtl="0">
-              <a:spcBef>
-                <a:spcPts val="0"/>
-              </a:spcBef>
-              <a:spcAft>
-                <a:spcPts val="0"/>
-              </a:spcAft>
-              <a:buNone/>
-            </a:pPr>
-            <a:endParaRPr/>
-          </a:p>
-        </p:txBody>
-      </p:sp>
-      <p:sp>
-        <p:nvSpPr>
-          <p:cNvPr id="150" name="Google Shape;150;p22"/>
-          <p:cNvSpPr txBox="1"/>
-          <p:nvPr/>
-        </p:nvSpPr>
-        <p:spPr>
-          <a:xfrm>
-            <a:off x="3380948" y="2945701"/>
-            <a:ext cx="595500" cy="517200"/>
-          </a:xfrm>
-          <a:prstGeom prst="rect">
-            <a:avLst/>
-          </a:prstGeom>
-          <a:noFill/>
-          <a:ln>
-            <a:noFill/>
-          </a:ln>
-        </p:spPr>
-        <p:txBody>
-          <a:bodyPr spcFirstLastPara="1" wrap="square" lIns="91425" tIns="91425" rIns="91425" bIns="91425" anchor="t" anchorCtr="0">
-            <a:noAutofit/>
-          </a:bodyPr>
-          <a:lstStyle/>
-          <a:p>
-            <a:pPr marL="0" lvl="0" indent="0" algn="l" rtl="0">
-              <a:spcBef>
-                <a:spcPts val="0"/>
-              </a:spcBef>
-              <a:spcAft>
-                <a:spcPts val="0"/>
-              </a:spcAft>
-              <a:buNone/>
-            </a:pPr>
-            <a:r>
-              <a:rPr lang="en-GB">
-                <a:solidFill>
-                  <a:srgbClr val="000000"/>
-                </a:solidFill>
-                <a:latin typeface="Cabin"/>
-                <a:ea typeface="Cabin"/>
-                <a:cs typeface="Cabin"/>
-                <a:sym typeface="Cabin"/>
-              </a:rPr>
-              <a:t>𝛽</a:t>
-            </a:r>
-            <a:r>
-              <a:rPr lang="en-GB" baseline="-25000">
-                <a:solidFill>
-                  <a:srgbClr val="000000"/>
-                </a:solidFill>
-                <a:latin typeface="Cabin"/>
-                <a:ea typeface="Cabin"/>
-                <a:cs typeface="Cabin"/>
-                <a:sym typeface="Cabin"/>
-              </a:rPr>
-              <a:t>1</a:t>
-            </a:r>
-            <a:endParaRPr/>
-          </a:p>
-        </p:txBody>
-      </p:sp>
-      <p:sp>
-        <p:nvSpPr>
-          <p:cNvPr id="151" name="Google Shape;151;p22"/>
-          <p:cNvSpPr txBox="1"/>
-          <p:nvPr/>
-        </p:nvSpPr>
-        <p:spPr>
-          <a:xfrm>
-            <a:off x="2659454" y="3994810"/>
-            <a:ext cx="740100" cy="400200"/>
-          </a:xfrm>
-          <a:prstGeom prst="rect">
-            <a:avLst/>
-          </a:prstGeom>
-          <a:noFill/>
-          <a:ln>
-            <a:noFill/>
-          </a:ln>
-        </p:spPr>
-        <p:txBody>
-          <a:bodyPr spcFirstLastPara="1" wrap="square" lIns="91425" tIns="91425" rIns="91425" bIns="91425" anchor="t" anchorCtr="0">
-            <a:spAutoFit/>
-          </a:bodyPr>
-          <a:lstStyle/>
-          <a:p>
-            <a:pPr marL="0" lvl="0" indent="0" algn="ctr" rtl="0">
-              <a:spcBef>
-                <a:spcPts val="0"/>
-              </a:spcBef>
-              <a:spcAft>
-                <a:spcPts val="0"/>
-              </a:spcAft>
-              <a:buNone/>
-            </a:pPr>
-            <a:r>
-              <a:rPr lang="en-GB">
-                <a:latin typeface="Cabin"/>
-                <a:ea typeface="Cabin"/>
-                <a:cs typeface="Cabin"/>
-                <a:sym typeface="Cabin"/>
-              </a:rPr>
-              <a:t>Un</a:t>
-            </a:r>
-            <a:endParaRPr>
-              <a:latin typeface="Cabin"/>
-              <a:ea typeface="Cabin"/>
-              <a:cs typeface="Cabin"/>
-              <a:sym typeface="Cabin"/>
-            </a:endParaRPr>
-          </a:p>
-        </p:txBody>
-      </p:sp>
-      <p:cxnSp>
-        <p:nvCxnSpPr>
-          <p:cNvPr id="152" name="Google Shape;152;p22"/>
-          <p:cNvCxnSpPr/>
-          <p:nvPr/>
-        </p:nvCxnSpPr>
-        <p:spPr>
-          <a:xfrm>
-            <a:off x="3085782" y="3544021"/>
-            <a:ext cx="378300" cy="2400"/>
-          </a:xfrm>
-          <a:prstGeom prst="straightConnector1">
-            <a:avLst/>
-          </a:prstGeom>
-          <a:noFill/>
-          <a:ln w="9525" cap="flat" cmpd="sng">
-            <a:solidFill>
-              <a:srgbClr val="595959"/>
-            </a:solidFill>
-            <a:prstDash val="dash"/>
-            <a:round/>
-            <a:headEnd type="none" w="med" len="med"/>
-            <a:tailEnd type="none" w="med" len="med"/>
-          </a:ln>
-        </p:spPr>
-      </p:cxnSp>
-      <p:sp>
-        <p:nvSpPr>
-          <p:cNvPr id="153" name="Google Shape;153;p22"/>
-          <p:cNvSpPr/>
-          <p:nvPr/>
-        </p:nvSpPr>
-        <p:spPr>
-          <a:xfrm>
-            <a:off x="3339945" y="2700933"/>
-            <a:ext cx="236700" cy="236400"/>
-          </a:xfrm>
-          <a:prstGeom prst="ellipse">
-            <a:avLst/>
-          </a:prstGeom>
-          <a:solidFill>
-            <a:srgbClr val="A64D79"/>
-          </a:solidFill>
-          <a:ln w="9525" cap="flat" cmpd="sng">
-            <a:solidFill>
-              <a:srgbClr val="595959"/>
-            </a:solidFill>
-            <a:prstDash val="solid"/>
-            <a:round/>
-            <a:headEnd type="none" w="sm" len="sm"/>
-            <a:tailEnd type="none" w="sm" len="sm"/>
-          </a:ln>
-        </p:spPr>
-        <p:txBody>
-          <a:bodyPr spcFirstLastPara="1" wrap="square" lIns="91425" tIns="91425" rIns="91425" bIns="91425" anchor="ctr" anchorCtr="0">
-            <a:noAutofit/>
-          </a:bodyPr>
-          <a:lstStyle/>
-          <a:p>
-            <a:pPr marL="0" lvl="0" indent="0" algn="l" rtl="0">
-              <a:spcBef>
-                <a:spcPts val="0"/>
-              </a:spcBef>
-              <a:spcAft>
-                <a:spcPts val="0"/>
-              </a:spcAft>
-              <a:buNone/>
-            </a:pPr>
-            <a:endParaRPr/>
-          </a:p>
-        </p:txBody>
-      </p:sp>
-      <p:cxnSp>
-        <p:nvCxnSpPr>
-          <p:cNvPr id="154" name="Google Shape;154;p22"/>
-          <p:cNvCxnSpPr/>
-          <p:nvPr/>
-        </p:nvCxnSpPr>
-        <p:spPr>
-          <a:xfrm rot="10800000">
-            <a:off x="3456580" y="2839168"/>
-            <a:ext cx="0" cy="709800"/>
-          </a:xfrm>
-          <a:prstGeom prst="straightConnector1">
-            <a:avLst/>
-          </a:prstGeom>
-          <a:noFill/>
-          <a:ln w="9525" cap="flat" cmpd="sng">
-            <a:solidFill>
-              <a:srgbClr val="000000"/>
-            </a:solidFill>
-            <a:prstDash val="solid"/>
-            <a:round/>
-            <a:headEnd type="none" w="med" len="med"/>
-            <a:tailEnd type="triangle" w="med" len="med"/>
-          </a:ln>
-        </p:spPr>
-      </p:cxnSp>
-      <p:sp>
-        <p:nvSpPr>
-          <p:cNvPr id="155" name="Google Shape;155;p22"/>
-          <p:cNvSpPr txBox="1"/>
-          <p:nvPr/>
-        </p:nvSpPr>
-        <p:spPr>
-          <a:xfrm>
-            <a:off x="2629746" y="3324043"/>
-            <a:ext cx="595500" cy="517200"/>
-          </a:xfrm>
-          <a:prstGeom prst="rect">
-            <a:avLst/>
-          </a:prstGeom>
-          <a:noFill/>
-          <a:ln>
-            <a:noFill/>
-          </a:ln>
-        </p:spPr>
-        <p:txBody>
-          <a:bodyPr spcFirstLastPara="1" wrap="square" lIns="91425" tIns="91425" rIns="91425" bIns="91425" anchor="t" anchorCtr="0">
-            <a:noAutofit/>
-          </a:bodyPr>
-          <a:lstStyle/>
-          <a:p>
-            <a:pPr marL="0" lvl="0" indent="0" algn="l" rtl="0">
-              <a:spcBef>
-                <a:spcPts val="0"/>
-              </a:spcBef>
-              <a:spcAft>
-                <a:spcPts val="0"/>
-              </a:spcAft>
-              <a:buNone/>
-            </a:pPr>
-            <a:r>
-              <a:rPr lang="en-GB">
-                <a:solidFill>
-                  <a:srgbClr val="000000"/>
-                </a:solidFill>
-                <a:latin typeface="Cabin"/>
-                <a:ea typeface="Cabin"/>
-                <a:cs typeface="Cabin"/>
-                <a:sym typeface="Cabin"/>
-              </a:rPr>
-              <a:t>𝛽</a:t>
-            </a:r>
-            <a:r>
-              <a:rPr lang="en-GB" baseline="-25000">
-                <a:solidFill>
-                  <a:srgbClr val="000000"/>
-                </a:solidFill>
-                <a:latin typeface="Cabin"/>
-                <a:ea typeface="Cabin"/>
-                <a:cs typeface="Cabin"/>
-                <a:sym typeface="Cabin"/>
-              </a:rPr>
-              <a:t>0</a:t>
-            </a:r>
-            <a:endParaRPr/>
-          </a:p>
-        </p:txBody>
-      </p:sp>
-      <p:sp>
-        <p:nvSpPr>
-          <p:cNvPr id="156" name="Google Shape;156;p22"/>
-          <p:cNvSpPr txBox="1"/>
-          <p:nvPr/>
-        </p:nvSpPr>
-        <p:spPr>
-          <a:xfrm>
-            <a:off x="325225" y="2334500"/>
-            <a:ext cx="2160900" cy="1906200"/>
-          </a:xfrm>
-          <a:prstGeom prst="rect">
-            <a:avLst/>
-          </a:prstGeom>
-          <a:noFill/>
-          <a:ln>
-            <a:noFill/>
-          </a:ln>
-        </p:spPr>
-        <p:txBody>
-          <a:bodyPr spcFirstLastPara="1" wrap="square" lIns="91425" tIns="91425" rIns="91425" bIns="91425" anchor="t" anchorCtr="0">
-            <a:noAutofit/>
-          </a:bodyPr>
-          <a:lstStyle/>
-          <a:p>
-            <a:pPr marL="0" lvl="0" indent="0" algn="l" rtl="0">
-              <a:spcBef>
-                <a:spcPts val="0"/>
-              </a:spcBef>
-              <a:spcAft>
-                <a:spcPts val="0"/>
-              </a:spcAft>
-              <a:buNone/>
-            </a:pPr>
-            <a:r>
-              <a:rPr lang="en-GB" sz="1500">
-                <a:latin typeface="Cabin"/>
-                <a:ea typeface="Cabin"/>
-                <a:cs typeface="Cabin"/>
-                <a:sym typeface="Cabin"/>
-              </a:rPr>
-              <a:t>Null hypothesis:</a:t>
-            </a:r>
-            <a:endParaRPr sz="1500">
-              <a:latin typeface="Cabin"/>
-              <a:ea typeface="Cabin"/>
-              <a:cs typeface="Cabin"/>
-              <a:sym typeface="Cabin"/>
-            </a:endParaRPr>
-          </a:p>
-          <a:p>
-            <a:pPr marL="0" lvl="0" indent="0" algn="l" rtl="0">
-              <a:spcBef>
-                <a:spcPts val="0"/>
-              </a:spcBef>
-              <a:spcAft>
-                <a:spcPts val="0"/>
-              </a:spcAft>
-              <a:buNone/>
-            </a:pPr>
-            <a:endParaRPr sz="1500">
-              <a:latin typeface="Cabin"/>
-              <a:ea typeface="Cabin"/>
-              <a:cs typeface="Cabin"/>
-              <a:sym typeface="Cabin"/>
-            </a:endParaRPr>
-          </a:p>
-          <a:p>
-            <a:pPr marL="0" lvl="0" indent="0" algn="l" rtl="0">
-              <a:spcBef>
-                <a:spcPts val="0"/>
-              </a:spcBef>
-              <a:spcAft>
-                <a:spcPts val="0"/>
-              </a:spcAft>
-              <a:buNone/>
-            </a:pPr>
-            <a:r>
-              <a:rPr lang="en-GB" sz="1500">
-                <a:solidFill>
-                  <a:schemeClr val="dk1"/>
-                </a:solidFill>
-                <a:latin typeface="Cabin"/>
-                <a:ea typeface="Cabin"/>
-                <a:cs typeface="Cabin"/>
-                <a:sym typeface="Cabin"/>
-              </a:rPr>
-              <a:t>Infected vs Uninfected</a:t>
-            </a:r>
-            <a:endParaRPr sz="1500">
-              <a:latin typeface="Cabin"/>
-              <a:ea typeface="Cabin"/>
-              <a:cs typeface="Cabin"/>
-              <a:sym typeface="Cabin"/>
-            </a:endParaRPr>
-          </a:p>
-          <a:p>
-            <a:pPr marL="0" lvl="0" indent="0" algn="l" rtl="0">
-              <a:spcBef>
-                <a:spcPts val="0"/>
-              </a:spcBef>
-              <a:spcAft>
-                <a:spcPts val="0"/>
-              </a:spcAft>
-              <a:buNone/>
-            </a:pPr>
-            <a:r>
-              <a:rPr lang="en-GB" sz="1500">
-                <a:solidFill>
-                  <a:srgbClr val="000000"/>
-                </a:solidFill>
-                <a:latin typeface="Cabin"/>
-                <a:ea typeface="Cabin"/>
-                <a:cs typeface="Cabin"/>
-                <a:sym typeface="Cabin"/>
-              </a:rPr>
-              <a:t>𝛽</a:t>
-            </a:r>
-            <a:r>
-              <a:rPr lang="en-GB" sz="1500" baseline="-25000">
-                <a:solidFill>
-                  <a:srgbClr val="000000"/>
-                </a:solidFill>
-                <a:latin typeface="Cabin"/>
-                <a:ea typeface="Cabin"/>
-                <a:cs typeface="Cabin"/>
-                <a:sym typeface="Cabin"/>
-              </a:rPr>
-              <a:t>1</a:t>
-            </a:r>
-            <a:r>
-              <a:rPr lang="en-GB" sz="1500">
-                <a:solidFill>
-                  <a:srgbClr val="000000"/>
-                </a:solidFill>
-                <a:latin typeface="Cabin"/>
-                <a:ea typeface="Cabin"/>
-                <a:cs typeface="Cabin"/>
-                <a:sym typeface="Cabin"/>
-              </a:rPr>
-              <a:t> = 0</a:t>
-            </a:r>
-            <a:endParaRPr sz="1500">
-              <a:solidFill>
-                <a:srgbClr val="000000"/>
-              </a:solidFill>
-              <a:latin typeface="Cabin"/>
-              <a:ea typeface="Cabin"/>
-              <a:cs typeface="Cabin"/>
-              <a:sym typeface="Cabin"/>
-            </a:endParaRPr>
-          </a:p>
-          <a:p>
-            <a:pPr marL="0" lvl="0" indent="0" algn="l" rtl="0">
-              <a:spcBef>
-                <a:spcPts val="0"/>
-              </a:spcBef>
-              <a:spcAft>
-                <a:spcPts val="0"/>
-              </a:spcAft>
-              <a:buNone/>
-            </a:pPr>
-            <a:endParaRPr sz="1500">
-              <a:solidFill>
-                <a:srgbClr val="000000"/>
-              </a:solidFill>
-              <a:latin typeface="Cabin"/>
-              <a:ea typeface="Cabin"/>
-              <a:cs typeface="Cabin"/>
-              <a:sym typeface="Cabin"/>
-            </a:endParaRPr>
-          </a:p>
-        </p:txBody>
-      </p:sp>
-      <p:sp>
-        <p:nvSpPr>
-          <p:cNvPr id="157" name="Google Shape;157;p22"/>
-          <p:cNvSpPr txBox="1"/>
-          <p:nvPr/>
-        </p:nvSpPr>
-        <p:spPr>
-          <a:xfrm>
-            <a:off x="3126910" y="3994810"/>
-            <a:ext cx="740100" cy="400200"/>
-          </a:xfrm>
-          <a:prstGeom prst="rect">
-            <a:avLst/>
-          </a:prstGeom>
-          <a:noFill/>
-          <a:ln>
-            <a:noFill/>
-          </a:ln>
-        </p:spPr>
-        <p:txBody>
-          <a:bodyPr spcFirstLastPara="1" wrap="square" lIns="91425" tIns="91425" rIns="91425" bIns="91425" anchor="t" anchorCtr="0">
-            <a:spAutoFit/>
-          </a:bodyPr>
-          <a:lstStyle/>
-          <a:p>
-            <a:pPr marL="0" lvl="0" indent="0" algn="ctr" rtl="0">
-              <a:spcBef>
-                <a:spcPts val="0"/>
-              </a:spcBef>
-              <a:spcAft>
-                <a:spcPts val="0"/>
-              </a:spcAft>
-              <a:buNone/>
-            </a:pPr>
-            <a:r>
-              <a:rPr lang="en-GB">
-                <a:latin typeface="Cabin"/>
-                <a:ea typeface="Cabin"/>
-                <a:cs typeface="Cabin"/>
-                <a:sym typeface="Cabin"/>
-              </a:rPr>
-              <a:t>In</a:t>
-            </a:r>
-            <a:endParaRPr>
-              <a:latin typeface="Cabin"/>
-              <a:ea typeface="Cabin"/>
-              <a:cs typeface="Cabin"/>
-              <a:sym typeface="Cabin"/>
-            </a:endParaRPr>
-          </a:p>
-        </p:txBody>
-      </p:sp>
-      <p:pic>
-        <p:nvPicPr>
-          <p:cNvPr id="158" name="Google Shape;158;p22"/>
-          <p:cNvPicPr preferRelativeResize="0"/>
-          <p:nvPr/>
-        </p:nvPicPr>
-        <p:blipFill>
-          <a:blip r:embed="rId4">
-            <a:alphaModFix/>
-          </a:blip>
-          <a:stretch>
-            <a:fillRect/>
-          </a:stretch>
-        </p:blipFill>
-        <p:spPr>
-          <a:xfrm>
-            <a:off x="3976450" y="572700"/>
-            <a:ext cx="4236423" cy="2128225"/>
-          </a:xfrm>
-          <a:prstGeom prst="rect">
-            <a:avLst/>
-          </a:prstGeom>
-          <a:noFill/>
-          <a:ln>
-            <a:noFill/>
-          </a:ln>
-        </p:spPr>
-      </p:pic>
-      <p:pic>
-        <p:nvPicPr>
-          <p:cNvPr id="159" name="Google Shape;159;p22"/>
-          <p:cNvPicPr preferRelativeResize="0"/>
-          <p:nvPr/>
-        </p:nvPicPr>
-        <p:blipFill>
-          <a:blip r:embed="rId5">
-            <a:alphaModFix/>
-          </a:blip>
-          <a:stretch>
-            <a:fillRect/>
-          </a:stretch>
-        </p:blipFill>
-        <p:spPr>
-          <a:xfrm>
-            <a:off x="3976450" y="2792025"/>
-            <a:ext cx="5085825" cy="2045300"/>
-          </a:xfrm>
-          <a:prstGeom prst="rect">
-            <a:avLst/>
-          </a:prstGeom>
-          <a:noFill/>
-          <a:ln>
-            <a:noFill/>
-          </a:ln>
-        </p:spPr>
-      </p:pic>
-    </p:spTree>
-  </p:cSld>
-  <p:clrMapOvr>
-    <a:masterClrMapping/>
-  </p:clrMapOvr>
-</p:sld>
-</file>
-
-<file path=ppt/slides/slide8.xml><?xml version="1.0" encoding="utf-8"?>
-<p:sld xmlns:a="http://schemas.openxmlformats.org/drawingml/2006/main" xmlns:r="http://schemas.openxmlformats.org/officeDocument/2006/relationships" xmlns:p="http://schemas.openxmlformats.org/presentationml/2006/main">
-  <p:cSld>
-    <p:spTree>
-      <p:nvGrpSpPr>
-        <p:cNvPr id="1" name="Shape 163"/>
-        <p:cNvGrpSpPr/>
-        <p:nvPr/>
-      </p:nvGrpSpPr>
-      <p:grpSpPr>
-        <a:xfrm>
-          <a:off x="0" y="0"/>
-          <a:ext cx="0" cy="0"/>
-          <a:chOff x="0" y="0"/>
-          <a:chExt cx="0" cy="0"/>
-        </a:xfrm>
-      </p:grpSpPr>
-      <p:sp>
-        <p:nvSpPr>
-          <p:cNvPr id="164" name="Google Shape;164;p23"/>
-          <p:cNvSpPr txBox="1">
-            <a:spLocks noGrp="1"/>
-          </p:cNvSpPr>
-          <p:nvPr>
-            <p:ph type="title"/>
-          </p:nvPr>
-        </p:nvSpPr>
-        <p:spPr>
-          <a:xfrm>
-            <a:off x="76200" y="0"/>
-            <a:ext cx="8520600" cy="572700"/>
-          </a:xfrm>
-          <a:prstGeom prst="rect">
-            <a:avLst/>
-          </a:prstGeom>
-        </p:spPr>
-        <p:txBody>
-          <a:bodyPr spcFirstLastPara="1" wrap="square" lIns="91425" tIns="91425" rIns="91425" bIns="91425" anchor="t" anchorCtr="0">
-            <a:noAutofit/>
-          </a:bodyPr>
-          <a:lstStyle/>
-          <a:p>
-            <a:pPr marL="0" lvl="0" indent="0" algn="l" rtl="0">
-              <a:spcBef>
-                <a:spcPts val="0"/>
-              </a:spcBef>
-              <a:spcAft>
-                <a:spcPts val="0"/>
-              </a:spcAft>
-              <a:buNone/>
-            </a:pPr>
-            <a:r>
-              <a:rPr lang="en-GB"/>
-              <a:t>Two Factor Models</a:t>
-            </a:r>
-            <a:endParaRPr/>
-          </a:p>
-        </p:txBody>
-      </p:sp>
-      <p:pic>
-        <p:nvPicPr>
-          <p:cNvPr id="165" name="Google Shape;165;p23"/>
-          <p:cNvPicPr preferRelativeResize="0"/>
-          <p:nvPr/>
-        </p:nvPicPr>
-        <p:blipFill>
-          <a:blip r:embed="rId3">
-            <a:alphaModFix/>
-          </a:blip>
-          <a:stretch>
-            <a:fillRect/>
-          </a:stretch>
-        </p:blipFill>
-        <p:spPr>
-          <a:xfrm>
-            <a:off x="152400" y="1087225"/>
-            <a:ext cx="8839204" cy="3077320"/>
-          </a:xfrm>
-          <a:prstGeom prst="rect">
-            <a:avLst/>
-          </a:prstGeom>
-          <a:noFill/>
-          <a:ln>
-            <a:noFill/>
-          </a:ln>
-        </p:spPr>
-      </p:pic>
-    </p:spTree>
-  </p:cSld>
-  <p:clrMapOvr>
-    <a:masterClrMapping/>
-  </p:clrMapOvr>
-</p:sld>
-</file>
-
-<file path=ppt/slides/slide9.xml><?xml version="1.0" encoding="utf-8"?>
 <p:sld xmlns:a="http://schemas.openxmlformats.org/drawingml/2006/main" xmlns:r="http://schemas.openxmlformats.org/officeDocument/2006/relationships" xmlns:p="http://schemas.openxmlformats.org/presentationml/2006/main">
   <p:cSld>
     <p:spTree>
@@ -13790,1733 +12080,109 @@
               <a:buNone/>
             </a:pPr>
             <a:r>
-              <a:rPr lang="en-GB"/>
-              <a:t>DESeq2 | Models and Hypothesis Testing | </a:t>
+              <a:rPr lang="en-GB" dirty="0"/>
+              <a:t>DESeq2 | Models and Hypothesis Testing </a:t>
             </a:r>
-            <a:r>
-              <a:rPr lang="en-GB">
-                <a:solidFill>
-                  <a:srgbClr val="E06666"/>
-                </a:solidFill>
-              </a:rPr>
-              <a:t>Two-Factor </a:t>
-            </a:r>
-            <a:r>
-              <a:rPr lang="en-GB" u="sng">
-                <a:solidFill>
-                  <a:srgbClr val="E06666"/>
-                </a:solidFill>
-              </a:rPr>
-              <a:t>Additive</a:t>
-            </a:r>
-            <a:r>
-              <a:rPr lang="en-GB">
-                <a:solidFill>
-                  <a:srgbClr val="E06666"/>
-                </a:solidFill>
-              </a:rPr>
-              <a:t> Model</a:t>
-            </a:r>
-            <a:endParaRPr>
-              <a:solidFill>
-                <a:srgbClr val="E06666"/>
-              </a:solidFill>
-            </a:endParaRPr>
-          </a:p>
-          <a:p>
-            <a:pPr marL="0" lvl="0" indent="0" algn="l" rtl="0">
-              <a:spcBef>
-                <a:spcPts val="0"/>
-              </a:spcBef>
-              <a:spcAft>
-                <a:spcPts val="0"/>
-              </a:spcAft>
-              <a:buNone/>
-            </a:pPr>
-            <a:endParaRPr/>
+            <a:endParaRPr dirty="0"/>
           </a:p>
         </p:txBody>
       </p:sp>
-      <p:pic>
-        <p:nvPicPr>
-          <p:cNvPr id="171" name="Google Shape;171;p24"/>
-          <p:cNvPicPr preferRelativeResize="0"/>
+      <p:sp>
+        <p:nvSpPr>
+          <p:cNvPr id="2" name="TextBox 1">
+            <a:extLst>
+              <a:ext uri="{FF2B5EF4-FFF2-40B4-BE49-F238E27FC236}">
+                <a16:creationId xmlns:a16="http://schemas.microsoft.com/office/drawing/2014/main" id="{04D54E37-2885-5079-D032-493462B151BF}"/>
+              </a:ext>
+            </a:extLst>
+          </p:cNvPr>
+          <p:cNvSpPr txBox="1"/>
           <p:nvPr/>
-        </p:nvPicPr>
-        <p:blipFill>
-          <a:blip r:embed="rId3">
-            <a:alphaModFix/>
-          </a:blip>
-          <a:stretch>
-            <a:fillRect/>
-          </a:stretch>
-        </p:blipFill>
+        </p:nvSpPr>
         <p:spPr>
           <a:xfrm>
-            <a:off x="197594" y="563183"/>
-            <a:ext cx="4312902" cy="395400"/>
+            <a:off x="494270" y="1663809"/>
+            <a:ext cx="6013622" cy="1815882"/>
           </a:xfrm>
           <a:prstGeom prst="rect">
             <a:avLst/>
           </a:prstGeom>
           <a:noFill/>
-          <a:ln>
-            <a:noFill/>
-          </a:ln>
-        </p:spPr>
-      </p:pic>
-      <p:sp>
-        <p:nvSpPr>
-          <p:cNvPr id="172" name="Google Shape;172;p24"/>
-          <p:cNvSpPr txBox="1"/>
-          <p:nvPr/>
-        </p:nvSpPr>
-        <p:spPr>
-          <a:xfrm>
-            <a:off x="296375" y="1047625"/>
-            <a:ext cx="4536900" cy="723300"/>
-          </a:xfrm>
-          <a:prstGeom prst="rect">
-            <a:avLst/>
-          </a:prstGeom>
-          <a:noFill/>
-          <a:ln>
-            <a:noFill/>
-          </a:ln>
         </p:spPr>
         <p:txBody>
-          <a:bodyPr spcFirstLastPara="1" wrap="square" lIns="91425" tIns="91425" rIns="91425" bIns="91425" anchor="t" anchorCtr="0">
+          <a:bodyPr wrap="square" rtlCol="0">
             <a:spAutoFit/>
           </a:bodyPr>
           <a:lstStyle/>
           <a:p>
-            <a:pPr marL="0" lvl="0" indent="0" algn="l" rtl="0">
-              <a:lnSpc>
-                <a:spcPct val="150000"/>
-              </a:lnSpc>
-              <a:spcBef>
-                <a:spcPts val="0"/>
-              </a:spcBef>
-              <a:spcAft>
-                <a:spcPts val="0"/>
-              </a:spcAft>
-              <a:buNone/>
+            <a:pPr marL="285750" indent="-285750" algn="just">
+              <a:buFont typeface="Arial" panose="020B0604020202020204" pitchFamily="34" charset="0"/>
+              <a:buChar char="•"/>
             </a:pPr>
             <a:r>
-              <a:rPr lang="en-GB">
-                <a:latin typeface="Cabin"/>
-                <a:ea typeface="Cabin"/>
-                <a:cs typeface="Cabin"/>
-                <a:sym typeface="Cabin"/>
-              </a:rPr>
-              <a:t>Formula syntax: </a:t>
+              <a:rPr lang="en-US" dirty="0"/>
+              <a:t>Considered Experimental Design</a:t>
             </a:r>
-            <a:endParaRPr>
-              <a:latin typeface="Cabin"/>
-              <a:ea typeface="Cabin"/>
-              <a:cs typeface="Cabin"/>
-              <a:sym typeface="Cabin"/>
-            </a:endParaRPr>
           </a:p>
           <a:p>
-            <a:pPr marL="0" lvl="0" indent="457200" algn="l" rtl="0">
-              <a:lnSpc>
-                <a:spcPct val="150000"/>
-              </a:lnSpc>
-              <a:spcBef>
-                <a:spcPts val="0"/>
-              </a:spcBef>
-              <a:spcAft>
-                <a:spcPts val="0"/>
-              </a:spcAft>
-              <a:buNone/>
+            <a:pPr marL="285750" indent="-285750" algn="just">
+              <a:buFont typeface="Arial" panose="020B0604020202020204" pitchFamily="34" charset="0"/>
+              <a:buChar char="•"/>
+            </a:pPr>
+            <a:endParaRPr lang="en-US" dirty="0"/>
+          </a:p>
+          <a:p>
+            <a:pPr marL="285750" indent="-285750" algn="just">
+              <a:buFont typeface="Arial" panose="020B0604020202020204" pitchFamily="34" charset="0"/>
+              <a:buChar char="•"/>
             </a:pPr>
             <a:r>
-              <a:rPr lang="en-GB" b="1">
-                <a:latin typeface="Courier New"/>
-                <a:ea typeface="Courier New"/>
-                <a:cs typeface="Courier New"/>
-                <a:sym typeface="Courier New"/>
-              </a:rPr>
-              <a:t>~ Status + TimePoint</a:t>
+              <a:rPr lang="en-US" dirty="0"/>
+              <a:t>Check your analysis through its process</a:t>
             </a:r>
-            <a:endParaRPr b="1">
-              <a:latin typeface="Courier New"/>
-              <a:ea typeface="Courier New"/>
-              <a:cs typeface="Courier New"/>
-              <a:sym typeface="Courier New"/>
-            </a:endParaRPr>
           </a:p>
-        </p:txBody>
-      </p:sp>
-      <p:cxnSp>
-        <p:nvCxnSpPr>
-          <p:cNvPr id="173" name="Google Shape;173;p24"/>
-          <p:cNvCxnSpPr/>
-          <p:nvPr/>
-        </p:nvCxnSpPr>
-        <p:spPr>
-          <a:xfrm>
-            <a:off x="3091475" y="3895200"/>
-            <a:ext cx="2097000" cy="0"/>
-          </a:xfrm>
-          <a:prstGeom prst="straightConnector1">
-            <a:avLst/>
-          </a:prstGeom>
-          <a:noFill/>
-          <a:ln w="38100" cap="flat" cmpd="sng">
-            <a:solidFill>
-              <a:srgbClr val="595959"/>
-            </a:solidFill>
-            <a:prstDash val="solid"/>
-            <a:round/>
-            <a:headEnd type="none" w="med" len="med"/>
-            <a:tailEnd type="none" w="med" len="med"/>
-          </a:ln>
-        </p:spPr>
-      </p:cxnSp>
-      <p:cxnSp>
-        <p:nvCxnSpPr>
-          <p:cNvPr id="174" name="Google Shape;174;p24"/>
-          <p:cNvCxnSpPr/>
-          <p:nvPr/>
-        </p:nvCxnSpPr>
-        <p:spPr>
-          <a:xfrm rot="10800000">
-            <a:off x="3098379" y="2136718"/>
-            <a:ext cx="0" cy="1767900"/>
-          </a:xfrm>
-          <a:prstGeom prst="straightConnector1">
-            <a:avLst/>
-          </a:prstGeom>
-          <a:noFill/>
-          <a:ln w="38100" cap="flat" cmpd="sng">
-            <a:solidFill>
-              <a:srgbClr val="595959"/>
-            </a:solidFill>
-            <a:prstDash val="solid"/>
-            <a:round/>
-            <a:headEnd type="none" w="med" len="med"/>
-            <a:tailEnd type="none" w="med" len="med"/>
-          </a:ln>
-        </p:spPr>
-      </p:cxnSp>
-      <p:sp>
-        <p:nvSpPr>
-          <p:cNvPr id="175" name="Google Shape;175;p24"/>
-          <p:cNvSpPr/>
-          <p:nvPr/>
-        </p:nvSpPr>
-        <p:spPr>
-          <a:xfrm>
-            <a:off x="3427118" y="3338985"/>
-            <a:ext cx="236700" cy="236400"/>
-          </a:xfrm>
-          <a:prstGeom prst="ellipse">
-            <a:avLst/>
-          </a:prstGeom>
-          <a:solidFill>
-            <a:srgbClr val="D9D9D9"/>
-          </a:solidFill>
-          <a:ln w="9525" cap="flat" cmpd="sng">
-            <a:solidFill>
-              <a:srgbClr val="595959"/>
-            </a:solidFill>
-            <a:prstDash val="solid"/>
-            <a:round/>
-            <a:headEnd type="none" w="sm" len="sm"/>
-            <a:tailEnd type="none" w="sm" len="sm"/>
-          </a:ln>
-        </p:spPr>
-        <p:txBody>
-          <a:bodyPr spcFirstLastPara="1" wrap="square" lIns="91425" tIns="91425" rIns="91425" bIns="91425" anchor="ctr" anchorCtr="0">
-            <a:noAutofit/>
-          </a:bodyPr>
-          <a:lstStyle/>
           <a:p>
-            <a:pPr marL="0" lvl="0" indent="0" algn="l" rtl="0">
-              <a:spcBef>
-                <a:spcPts val="0"/>
-              </a:spcBef>
-              <a:spcAft>
-                <a:spcPts val="0"/>
-              </a:spcAft>
-              <a:buNone/>
+            <a:pPr marL="285750" indent="-285750" algn="just">
+              <a:buFont typeface="Arial" panose="020B0604020202020204" pitchFamily="34" charset="0"/>
+              <a:buChar char="•"/>
             </a:pPr>
-            <a:endParaRPr/>
+            <a:endParaRPr lang="en-US" dirty="0"/>
           </a:p>
-        </p:txBody>
-      </p:sp>
-      <p:sp>
-        <p:nvSpPr>
-          <p:cNvPr id="176" name="Google Shape;176;p24"/>
-          <p:cNvSpPr txBox="1"/>
-          <p:nvPr/>
-        </p:nvSpPr>
-        <p:spPr>
-          <a:xfrm>
-            <a:off x="3914348" y="2869501"/>
-            <a:ext cx="595500" cy="517200"/>
-          </a:xfrm>
-          <a:prstGeom prst="rect">
-            <a:avLst/>
-          </a:prstGeom>
-          <a:noFill/>
-          <a:ln>
-            <a:noFill/>
-          </a:ln>
-        </p:spPr>
-        <p:txBody>
-          <a:bodyPr spcFirstLastPara="1" wrap="square" lIns="91425" tIns="91425" rIns="91425" bIns="91425" anchor="t" anchorCtr="0">
-            <a:noAutofit/>
-          </a:bodyPr>
-          <a:lstStyle/>
           <a:p>
-            <a:pPr marL="0" lvl="0" indent="0" algn="l" rtl="0">
-              <a:spcBef>
-                <a:spcPts val="0"/>
-              </a:spcBef>
-              <a:spcAft>
-                <a:spcPts val="0"/>
-              </a:spcAft>
-              <a:buNone/>
+            <a:pPr marL="285750" indent="-285750" algn="just">
+              <a:buFont typeface="Arial" panose="020B0604020202020204" pitchFamily="34" charset="0"/>
+              <a:buChar char="•"/>
             </a:pPr>
             <a:r>
-              <a:rPr lang="en-GB">
-                <a:solidFill>
-                  <a:srgbClr val="000000"/>
-                </a:solidFill>
-                <a:latin typeface="Cabin"/>
-                <a:ea typeface="Cabin"/>
-                <a:cs typeface="Cabin"/>
-                <a:sym typeface="Cabin"/>
-              </a:rPr>
-              <a:t>𝛽</a:t>
+              <a:rPr lang="en-US" dirty="0"/>
+              <a:t>Select the simplest appropriate model for your data which best describes the majority of genes</a:t>
             </a:r>
-            <a:r>
-              <a:rPr lang="en-GB" baseline="-25000">
-                <a:solidFill>
-                  <a:srgbClr val="000000"/>
-                </a:solidFill>
-                <a:latin typeface="Cabin"/>
-                <a:ea typeface="Cabin"/>
-                <a:cs typeface="Cabin"/>
-                <a:sym typeface="Cabin"/>
-              </a:rPr>
-              <a:t>1</a:t>
-            </a:r>
-            <a:endParaRPr/>
           </a:p>
-        </p:txBody>
-      </p:sp>
-      <p:sp>
-        <p:nvSpPr>
-          <p:cNvPr id="177" name="Google Shape;177;p24"/>
-          <p:cNvSpPr txBox="1"/>
-          <p:nvPr/>
-        </p:nvSpPr>
-        <p:spPr>
-          <a:xfrm>
-            <a:off x="4416303" y="3048689"/>
-            <a:ext cx="595500" cy="517200"/>
-          </a:xfrm>
-          <a:prstGeom prst="rect">
-            <a:avLst/>
-          </a:prstGeom>
-          <a:noFill/>
-          <a:ln>
-            <a:noFill/>
-          </a:ln>
-        </p:spPr>
-        <p:txBody>
-          <a:bodyPr spcFirstLastPara="1" wrap="square" lIns="91425" tIns="91425" rIns="91425" bIns="91425" anchor="t" anchorCtr="0">
-            <a:noAutofit/>
-          </a:bodyPr>
-          <a:lstStyle/>
           <a:p>
-            <a:pPr marL="0" lvl="0" indent="0" algn="l" rtl="0">
-              <a:spcBef>
-                <a:spcPts val="0"/>
-              </a:spcBef>
-              <a:spcAft>
-                <a:spcPts val="0"/>
-              </a:spcAft>
-              <a:buNone/>
+            <a:pPr marL="285750" indent="-285750" algn="just">
+              <a:buFont typeface="Arial" panose="020B0604020202020204" pitchFamily="34" charset="0"/>
+              <a:buChar char="•"/>
+            </a:pPr>
+            <a:endParaRPr lang="en-US" dirty="0"/>
+          </a:p>
+          <a:p>
+            <a:pPr marL="285750" indent="-285750" algn="just">
+              <a:buFont typeface="Arial" panose="020B0604020202020204" pitchFamily="34" charset="0"/>
+              <a:buChar char="•"/>
             </a:pPr>
             <a:r>
-              <a:rPr lang="en-GB">
-                <a:solidFill>
-                  <a:srgbClr val="000000"/>
-                </a:solidFill>
-                <a:latin typeface="Cabin"/>
-                <a:ea typeface="Cabin"/>
-                <a:cs typeface="Cabin"/>
-                <a:sym typeface="Cabin"/>
-              </a:rPr>
-              <a:t>𝛽</a:t>
+              <a:rPr lang="en-US" dirty="0"/>
+              <a:t>Know when to visit a bioinformatician or statistician.</a:t>
             </a:r>
-            <a:r>
-              <a:rPr lang="en-GB" baseline="-25000">
-                <a:solidFill>
-                  <a:srgbClr val="000000"/>
-                </a:solidFill>
-                <a:latin typeface="Cabin"/>
-                <a:ea typeface="Cabin"/>
-                <a:cs typeface="Cabin"/>
-                <a:sym typeface="Cabin"/>
-              </a:rPr>
-              <a:t>2</a:t>
-            </a:r>
-            <a:endParaRPr/>
-          </a:p>
-        </p:txBody>
-      </p:sp>
-      <p:sp>
-        <p:nvSpPr>
-          <p:cNvPr id="178" name="Google Shape;178;p24"/>
-          <p:cNvSpPr txBox="1"/>
-          <p:nvPr/>
-        </p:nvSpPr>
-        <p:spPr>
-          <a:xfrm>
-            <a:off x="3192854" y="3918610"/>
-            <a:ext cx="740100" cy="615600"/>
-          </a:xfrm>
-          <a:prstGeom prst="rect">
-            <a:avLst/>
-          </a:prstGeom>
-          <a:noFill/>
-          <a:ln>
-            <a:noFill/>
-          </a:ln>
-        </p:spPr>
-        <p:txBody>
-          <a:bodyPr spcFirstLastPara="1" wrap="square" lIns="91425" tIns="91425" rIns="91425" bIns="91425" anchor="t" anchorCtr="0">
-            <a:spAutoFit/>
-          </a:bodyPr>
-          <a:lstStyle/>
-          <a:p>
-            <a:pPr marL="0" lvl="0" indent="0" algn="ctr" rtl="0">
-              <a:spcBef>
-                <a:spcPts val="0"/>
-              </a:spcBef>
-              <a:spcAft>
-                <a:spcPts val="0"/>
-              </a:spcAft>
-              <a:buNone/>
-            </a:pPr>
-            <a:r>
-              <a:rPr lang="en-GB">
-                <a:latin typeface="Cabin"/>
-                <a:ea typeface="Cabin"/>
-                <a:cs typeface="Cabin"/>
-                <a:sym typeface="Cabin"/>
-              </a:rPr>
-              <a:t>Un</a:t>
-            </a:r>
-            <a:endParaRPr>
-              <a:latin typeface="Cabin"/>
-              <a:ea typeface="Cabin"/>
-              <a:cs typeface="Cabin"/>
-              <a:sym typeface="Cabin"/>
-            </a:endParaRPr>
-          </a:p>
-          <a:p>
-            <a:pPr marL="0" lvl="0" indent="0" algn="ctr" rtl="0">
-              <a:spcBef>
-                <a:spcPts val="0"/>
-              </a:spcBef>
-              <a:spcAft>
-                <a:spcPts val="0"/>
-              </a:spcAft>
-              <a:buNone/>
-            </a:pPr>
-            <a:r>
-              <a:rPr lang="en-GB">
-                <a:latin typeface="Cabin"/>
-                <a:ea typeface="Cabin"/>
-                <a:cs typeface="Cabin"/>
-                <a:sym typeface="Cabin"/>
-              </a:rPr>
-              <a:t>d11</a:t>
-            </a:r>
-            <a:endParaRPr>
-              <a:latin typeface="Cabin"/>
-              <a:ea typeface="Cabin"/>
-              <a:cs typeface="Cabin"/>
-              <a:sym typeface="Cabin"/>
-            </a:endParaRPr>
-          </a:p>
-        </p:txBody>
-      </p:sp>
-      <p:sp>
-        <p:nvSpPr>
-          <p:cNvPr id="179" name="Google Shape;179;p24"/>
-          <p:cNvSpPr txBox="1"/>
-          <p:nvPr/>
-        </p:nvSpPr>
-        <p:spPr>
-          <a:xfrm>
-            <a:off x="4127767" y="3918610"/>
-            <a:ext cx="740100" cy="615600"/>
-          </a:xfrm>
-          <a:prstGeom prst="rect">
-            <a:avLst/>
-          </a:prstGeom>
-          <a:noFill/>
-          <a:ln>
-            <a:noFill/>
-          </a:ln>
-        </p:spPr>
-        <p:txBody>
-          <a:bodyPr spcFirstLastPara="1" wrap="square" lIns="91425" tIns="91425" rIns="91425" bIns="91425" anchor="t" anchorCtr="0">
-            <a:spAutoFit/>
-          </a:bodyPr>
-          <a:lstStyle/>
-          <a:p>
-            <a:pPr marL="0" lvl="0" indent="0" algn="ctr" rtl="0">
-              <a:spcBef>
-                <a:spcPts val="0"/>
-              </a:spcBef>
-              <a:spcAft>
-                <a:spcPts val="0"/>
-              </a:spcAft>
-              <a:buNone/>
-            </a:pPr>
-            <a:r>
-              <a:rPr lang="en-GB">
-                <a:latin typeface="Cabin"/>
-                <a:ea typeface="Cabin"/>
-                <a:cs typeface="Cabin"/>
-                <a:sym typeface="Cabin"/>
-              </a:rPr>
-              <a:t>Un</a:t>
-            </a:r>
-            <a:endParaRPr>
-              <a:latin typeface="Cabin"/>
-              <a:ea typeface="Cabin"/>
-              <a:cs typeface="Cabin"/>
-              <a:sym typeface="Cabin"/>
-            </a:endParaRPr>
-          </a:p>
-          <a:p>
-            <a:pPr marL="0" lvl="0" indent="0" algn="ctr" rtl="0">
-              <a:spcBef>
-                <a:spcPts val="0"/>
-              </a:spcBef>
-              <a:spcAft>
-                <a:spcPts val="0"/>
-              </a:spcAft>
-              <a:buNone/>
-            </a:pPr>
-            <a:r>
-              <a:rPr lang="en-GB">
-                <a:latin typeface="Cabin"/>
-                <a:ea typeface="Cabin"/>
-                <a:cs typeface="Cabin"/>
-                <a:sym typeface="Cabin"/>
-              </a:rPr>
-              <a:t>d33</a:t>
-            </a:r>
-            <a:endParaRPr>
-              <a:latin typeface="Cabin"/>
-              <a:ea typeface="Cabin"/>
-              <a:cs typeface="Cabin"/>
-              <a:sym typeface="Cabin"/>
-            </a:endParaRPr>
-          </a:p>
-        </p:txBody>
-      </p:sp>
-      <p:cxnSp>
-        <p:nvCxnSpPr>
-          <p:cNvPr id="180" name="Google Shape;180;p24"/>
-          <p:cNvCxnSpPr/>
-          <p:nvPr/>
-        </p:nvCxnSpPr>
-        <p:spPr>
-          <a:xfrm>
-            <a:off x="3619182" y="3467821"/>
-            <a:ext cx="1319100" cy="0"/>
-          </a:xfrm>
-          <a:prstGeom prst="straightConnector1">
-            <a:avLst/>
-          </a:prstGeom>
-          <a:noFill/>
-          <a:ln w="9525" cap="flat" cmpd="sng">
-            <a:solidFill>
-              <a:srgbClr val="595959"/>
-            </a:solidFill>
-            <a:prstDash val="dash"/>
-            <a:round/>
-            <a:headEnd type="none" w="med" len="med"/>
-            <a:tailEnd type="none" w="med" len="med"/>
-          </a:ln>
-        </p:spPr>
-      </p:cxnSp>
-      <p:sp>
-        <p:nvSpPr>
-          <p:cNvPr id="181" name="Google Shape;181;p24"/>
-          <p:cNvSpPr txBox="1"/>
-          <p:nvPr/>
-        </p:nvSpPr>
-        <p:spPr>
-          <a:xfrm>
-            <a:off x="4874985" y="3040356"/>
-            <a:ext cx="595500" cy="517200"/>
-          </a:xfrm>
-          <a:prstGeom prst="rect">
-            <a:avLst/>
-          </a:prstGeom>
-          <a:noFill/>
-          <a:ln>
-            <a:noFill/>
-          </a:ln>
-        </p:spPr>
-        <p:txBody>
-          <a:bodyPr spcFirstLastPara="1" wrap="square" lIns="91425" tIns="91425" rIns="91425" bIns="91425" anchor="t" anchorCtr="0">
-            <a:noAutofit/>
-          </a:bodyPr>
-          <a:lstStyle/>
-          <a:p>
-            <a:pPr marL="0" lvl="0" indent="0" algn="l" rtl="0">
-              <a:spcBef>
-                <a:spcPts val="0"/>
-              </a:spcBef>
-              <a:spcAft>
-                <a:spcPts val="0"/>
-              </a:spcAft>
-              <a:buNone/>
-            </a:pPr>
-            <a:r>
-              <a:rPr lang="en-GB">
-                <a:solidFill>
-                  <a:srgbClr val="000000"/>
-                </a:solidFill>
-                <a:latin typeface="Cabin"/>
-                <a:ea typeface="Cabin"/>
-                <a:cs typeface="Cabin"/>
-                <a:sym typeface="Cabin"/>
-              </a:rPr>
-              <a:t>𝛽</a:t>
-            </a:r>
-            <a:r>
-              <a:rPr lang="en-GB" baseline="-25000">
-                <a:solidFill>
-                  <a:srgbClr val="000000"/>
-                </a:solidFill>
-                <a:latin typeface="Cabin"/>
-                <a:ea typeface="Cabin"/>
-                <a:cs typeface="Cabin"/>
-                <a:sym typeface="Cabin"/>
-              </a:rPr>
-              <a:t>2</a:t>
-            </a:r>
-            <a:endParaRPr/>
-          </a:p>
-        </p:txBody>
-      </p:sp>
-      <p:sp>
-        <p:nvSpPr>
-          <p:cNvPr id="182" name="Google Shape;182;p24"/>
-          <p:cNvSpPr txBox="1"/>
-          <p:nvPr/>
-        </p:nvSpPr>
-        <p:spPr>
-          <a:xfrm>
-            <a:off x="4873384" y="2485215"/>
-            <a:ext cx="595500" cy="517200"/>
-          </a:xfrm>
-          <a:prstGeom prst="rect">
-            <a:avLst/>
-          </a:prstGeom>
-          <a:noFill/>
-          <a:ln>
-            <a:noFill/>
-          </a:ln>
-        </p:spPr>
-        <p:txBody>
-          <a:bodyPr spcFirstLastPara="1" wrap="square" lIns="91425" tIns="91425" rIns="91425" bIns="91425" anchor="t" anchorCtr="0">
-            <a:noAutofit/>
-          </a:bodyPr>
-          <a:lstStyle/>
-          <a:p>
-            <a:pPr marL="0" lvl="0" indent="0" algn="l" rtl="0">
-              <a:spcBef>
-                <a:spcPts val="0"/>
-              </a:spcBef>
-              <a:spcAft>
-                <a:spcPts val="0"/>
-              </a:spcAft>
-              <a:buNone/>
-            </a:pPr>
-            <a:r>
-              <a:rPr lang="en-GB">
-                <a:solidFill>
-                  <a:srgbClr val="000000"/>
-                </a:solidFill>
-                <a:latin typeface="Cabin"/>
-                <a:ea typeface="Cabin"/>
-                <a:cs typeface="Cabin"/>
-                <a:sym typeface="Cabin"/>
-              </a:rPr>
-              <a:t>𝛽</a:t>
-            </a:r>
-            <a:r>
-              <a:rPr lang="en-GB" baseline="-25000">
-                <a:solidFill>
-                  <a:srgbClr val="000000"/>
-                </a:solidFill>
-                <a:latin typeface="Cabin"/>
-                <a:ea typeface="Cabin"/>
-                <a:cs typeface="Cabin"/>
-                <a:sym typeface="Cabin"/>
-              </a:rPr>
-              <a:t>1</a:t>
-            </a:r>
-            <a:endParaRPr/>
-          </a:p>
-        </p:txBody>
-      </p:sp>
-      <p:grpSp>
-        <p:nvGrpSpPr>
-          <p:cNvPr id="183" name="Google Shape;183;p24"/>
-          <p:cNvGrpSpPr/>
-          <p:nvPr/>
-        </p:nvGrpSpPr>
-        <p:grpSpPr>
-          <a:xfrm>
-            <a:off x="4356440" y="2893554"/>
-            <a:ext cx="262189" cy="262269"/>
-            <a:chOff x="2735900" y="2493575"/>
-            <a:chExt cx="609600" cy="725100"/>
-          </a:xfrm>
-        </p:grpSpPr>
-        <p:sp>
-          <p:nvSpPr>
-            <p:cNvPr id="184" name="Google Shape;184;p24"/>
-            <p:cNvSpPr/>
-            <p:nvPr/>
-          </p:nvSpPr>
-          <p:spPr>
-            <a:xfrm>
-              <a:off x="2735900" y="2493575"/>
-              <a:ext cx="609600" cy="572700"/>
-            </a:xfrm>
-            <a:prstGeom prst="triangle">
-              <a:avLst>
-                <a:gd name="adj" fmla="val 50000"/>
-              </a:avLst>
-            </a:prstGeom>
-            <a:solidFill>
-              <a:srgbClr val="CCCCCC"/>
-            </a:solidFill>
-            <a:ln w="9525" cap="flat" cmpd="sng">
-              <a:solidFill>
-                <a:srgbClr val="CCCCCC"/>
-              </a:solidFill>
-              <a:prstDash val="solid"/>
-              <a:round/>
-              <a:headEnd type="none" w="sm" len="sm"/>
-              <a:tailEnd type="none" w="sm" len="sm"/>
-            </a:ln>
-          </p:spPr>
-          <p:txBody>
-            <a:bodyPr spcFirstLastPara="1" wrap="square" lIns="91425" tIns="91425" rIns="91425" bIns="91425" anchor="ctr" anchorCtr="0">
-              <a:noAutofit/>
-            </a:bodyPr>
-            <a:lstStyle/>
-            <a:p>
-              <a:pPr marL="0" lvl="0" indent="0" algn="l" rtl="0">
-                <a:spcBef>
-                  <a:spcPts val="0"/>
-                </a:spcBef>
-                <a:spcAft>
-                  <a:spcPts val="0"/>
-                </a:spcAft>
-                <a:buNone/>
-              </a:pPr>
-              <a:endParaRPr/>
-            </a:p>
-          </p:txBody>
-        </p:sp>
-        <p:sp>
-          <p:nvSpPr>
-            <p:cNvPr id="185" name="Google Shape;185;p24"/>
-            <p:cNvSpPr/>
-            <p:nvPr/>
-          </p:nvSpPr>
-          <p:spPr>
-            <a:xfrm rot="10800000" flipH="1">
-              <a:off x="2735900" y="2645975"/>
-              <a:ext cx="609600" cy="572700"/>
-            </a:xfrm>
-            <a:prstGeom prst="triangle">
-              <a:avLst>
-                <a:gd name="adj" fmla="val 50000"/>
-              </a:avLst>
-            </a:prstGeom>
-            <a:solidFill>
-              <a:srgbClr val="CCCCCC"/>
-            </a:solidFill>
-            <a:ln w="9525" cap="flat" cmpd="sng">
-              <a:solidFill>
-                <a:srgbClr val="CCCCCC"/>
-              </a:solidFill>
-              <a:prstDash val="solid"/>
-              <a:round/>
-              <a:headEnd type="none" w="sm" len="sm"/>
-              <a:tailEnd type="none" w="sm" len="sm"/>
-            </a:ln>
-          </p:spPr>
-          <p:txBody>
-            <a:bodyPr spcFirstLastPara="1" wrap="square" lIns="91425" tIns="91425" rIns="91425" bIns="91425" anchor="ctr" anchorCtr="0">
-              <a:noAutofit/>
-            </a:bodyPr>
-            <a:lstStyle/>
-            <a:p>
-              <a:pPr marL="0" lvl="0" indent="0" algn="l" rtl="0">
-                <a:spcBef>
-                  <a:spcPts val="0"/>
-                </a:spcBef>
-                <a:spcAft>
-                  <a:spcPts val="0"/>
-                </a:spcAft>
-                <a:buNone/>
-              </a:pPr>
-              <a:endParaRPr/>
-            </a:p>
-          </p:txBody>
-        </p:sp>
-      </p:grpSp>
-      <p:grpSp>
-        <p:nvGrpSpPr>
-          <p:cNvPr id="186" name="Google Shape;186;p24"/>
-          <p:cNvGrpSpPr/>
-          <p:nvPr/>
-        </p:nvGrpSpPr>
-        <p:grpSpPr>
-          <a:xfrm>
-            <a:off x="4804537" y="2303909"/>
-            <a:ext cx="262189" cy="262269"/>
-            <a:chOff x="2735900" y="2493575"/>
-            <a:chExt cx="609600" cy="725100"/>
-          </a:xfrm>
-        </p:grpSpPr>
-        <p:sp>
-          <p:nvSpPr>
-            <p:cNvPr id="187" name="Google Shape;187;p24"/>
-            <p:cNvSpPr/>
-            <p:nvPr/>
-          </p:nvSpPr>
-          <p:spPr>
-            <a:xfrm>
-              <a:off x="2735900" y="2493575"/>
-              <a:ext cx="609600" cy="572700"/>
-            </a:xfrm>
-            <a:prstGeom prst="triangle">
-              <a:avLst>
-                <a:gd name="adj" fmla="val 50000"/>
-              </a:avLst>
-            </a:prstGeom>
-            <a:solidFill>
-              <a:srgbClr val="A64D79"/>
-            </a:solidFill>
-            <a:ln w="9525" cap="flat" cmpd="sng">
-              <a:solidFill>
-                <a:srgbClr val="A64D79"/>
-              </a:solidFill>
-              <a:prstDash val="solid"/>
-              <a:round/>
-              <a:headEnd type="none" w="sm" len="sm"/>
-              <a:tailEnd type="none" w="sm" len="sm"/>
-            </a:ln>
-          </p:spPr>
-          <p:txBody>
-            <a:bodyPr spcFirstLastPara="1" wrap="square" lIns="91425" tIns="91425" rIns="91425" bIns="91425" anchor="ctr" anchorCtr="0">
-              <a:noAutofit/>
-            </a:bodyPr>
-            <a:lstStyle/>
-            <a:p>
-              <a:pPr marL="0" lvl="0" indent="0" algn="l" rtl="0">
-                <a:spcBef>
-                  <a:spcPts val="0"/>
-                </a:spcBef>
-                <a:spcAft>
-                  <a:spcPts val="0"/>
-                </a:spcAft>
-                <a:buNone/>
-              </a:pPr>
-              <a:endParaRPr/>
-            </a:p>
-          </p:txBody>
-        </p:sp>
-        <p:sp>
-          <p:nvSpPr>
-            <p:cNvPr id="188" name="Google Shape;188;p24"/>
-            <p:cNvSpPr/>
-            <p:nvPr/>
-          </p:nvSpPr>
-          <p:spPr>
-            <a:xfrm rot="10800000" flipH="1">
-              <a:off x="2735900" y="2645975"/>
-              <a:ext cx="609600" cy="572700"/>
-            </a:xfrm>
-            <a:prstGeom prst="triangle">
-              <a:avLst>
-                <a:gd name="adj" fmla="val 50000"/>
-              </a:avLst>
-            </a:prstGeom>
-            <a:solidFill>
-              <a:srgbClr val="A64D79"/>
-            </a:solidFill>
-            <a:ln w="9525" cap="flat" cmpd="sng">
-              <a:solidFill>
-                <a:srgbClr val="A64D79"/>
-              </a:solidFill>
-              <a:prstDash val="solid"/>
-              <a:round/>
-              <a:headEnd type="none" w="sm" len="sm"/>
-              <a:tailEnd type="none" w="sm" len="sm"/>
-            </a:ln>
-          </p:spPr>
-          <p:txBody>
-            <a:bodyPr spcFirstLastPara="1" wrap="square" lIns="91425" tIns="91425" rIns="91425" bIns="91425" anchor="ctr" anchorCtr="0">
-              <a:noAutofit/>
-            </a:bodyPr>
-            <a:lstStyle/>
-            <a:p>
-              <a:pPr marL="0" lvl="0" indent="0" algn="l" rtl="0">
-                <a:spcBef>
-                  <a:spcPts val="0"/>
-                </a:spcBef>
-                <a:spcAft>
-                  <a:spcPts val="0"/>
-                </a:spcAft>
-                <a:buNone/>
-              </a:pPr>
-              <a:endParaRPr/>
-            </a:p>
-          </p:txBody>
-        </p:sp>
-      </p:grpSp>
-      <p:cxnSp>
-        <p:nvCxnSpPr>
-          <p:cNvPr id="189" name="Google Shape;189;p24"/>
-          <p:cNvCxnSpPr/>
-          <p:nvPr/>
-        </p:nvCxnSpPr>
-        <p:spPr>
-          <a:xfrm rot="10800000" flipH="1">
-            <a:off x="4486868" y="3033210"/>
-            <a:ext cx="3300" cy="440400"/>
-          </a:xfrm>
-          <a:prstGeom prst="straightConnector1">
-            <a:avLst/>
-          </a:prstGeom>
-          <a:noFill/>
-          <a:ln w="9525" cap="flat" cmpd="sng">
-            <a:solidFill>
-              <a:srgbClr val="000000"/>
-            </a:solidFill>
-            <a:prstDash val="solid"/>
-            <a:round/>
-            <a:headEnd type="none" w="med" len="med"/>
-            <a:tailEnd type="triangle" w="med" len="med"/>
-          </a:ln>
-        </p:spPr>
-      </p:cxnSp>
-      <p:cxnSp>
-        <p:nvCxnSpPr>
-          <p:cNvPr id="190" name="Google Shape;190;p24"/>
-          <p:cNvCxnSpPr/>
-          <p:nvPr/>
-        </p:nvCxnSpPr>
-        <p:spPr>
-          <a:xfrm rot="10800000" flipH="1">
-            <a:off x="4949402" y="3033210"/>
-            <a:ext cx="3300" cy="440400"/>
-          </a:xfrm>
-          <a:prstGeom prst="straightConnector1">
-            <a:avLst/>
-          </a:prstGeom>
-          <a:noFill/>
-          <a:ln w="9525" cap="flat" cmpd="sng">
-            <a:solidFill>
-              <a:srgbClr val="000000"/>
-            </a:solidFill>
-            <a:prstDash val="solid"/>
-            <a:round/>
-            <a:headEnd type="none" w="med" len="med"/>
-            <a:tailEnd type="triangle" w="med" len="med"/>
-          </a:ln>
-        </p:spPr>
-      </p:cxnSp>
-      <p:sp>
-        <p:nvSpPr>
-          <p:cNvPr id="191" name="Google Shape;191;p24"/>
-          <p:cNvSpPr/>
-          <p:nvPr/>
-        </p:nvSpPr>
-        <p:spPr>
-          <a:xfrm>
-            <a:off x="3873345" y="2624733"/>
-            <a:ext cx="236700" cy="236400"/>
-          </a:xfrm>
-          <a:prstGeom prst="ellipse">
-            <a:avLst/>
-          </a:prstGeom>
-          <a:solidFill>
-            <a:srgbClr val="A64D79"/>
-          </a:solidFill>
-          <a:ln w="9525" cap="flat" cmpd="sng">
-            <a:solidFill>
-              <a:srgbClr val="595959"/>
-            </a:solidFill>
-            <a:prstDash val="solid"/>
-            <a:round/>
-            <a:headEnd type="none" w="sm" len="sm"/>
-            <a:tailEnd type="none" w="sm" len="sm"/>
-          </a:ln>
-        </p:spPr>
-        <p:txBody>
-          <a:bodyPr spcFirstLastPara="1" wrap="square" lIns="91425" tIns="91425" rIns="91425" bIns="91425" anchor="ctr" anchorCtr="0">
-            <a:noAutofit/>
-          </a:bodyPr>
-          <a:lstStyle/>
-          <a:p>
-            <a:pPr marL="0" lvl="0" indent="0" algn="l" rtl="0">
-              <a:spcBef>
-                <a:spcPts val="0"/>
-              </a:spcBef>
-              <a:spcAft>
-                <a:spcPts val="0"/>
-              </a:spcAft>
-              <a:buNone/>
-            </a:pPr>
-            <a:endParaRPr/>
-          </a:p>
-        </p:txBody>
-      </p:sp>
-      <p:cxnSp>
-        <p:nvCxnSpPr>
-          <p:cNvPr id="192" name="Google Shape;192;p24"/>
-          <p:cNvCxnSpPr/>
-          <p:nvPr/>
-        </p:nvCxnSpPr>
-        <p:spPr>
-          <a:xfrm rot="10800000">
-            <a:off x="4938956" y="2425234"/>
-            <a:ext cx="9600" cy="585000"/>
-          </a:xfrm>
-          <a:prstGeom prst="straightConnector1">
-            <a:avLst/>
-          </a:prstGeom>
-          <a:noFill/>
-          <a:ln w="9525" cap="flat" cmpd="sng">
-            <a:solidFill>
-              <a:srgbClr val="000000"/>
-            </a:solidFill>
-            <a:prstDash val="solid"/>
-            <a:round/>
-            <a:headEnd type="none" w="med" len="med"/>
-            <a:tailEnd type="triangle" w="med" len="med"/>
-          </a:ln>
-        </p:spPr>
-      </p:cxnSp>
-      <p:cxnSp>
-        <p:nvCxnSpPr>
-          <p:cNvPr id="193" name="Google Shape;193;p24"/>
-          <p:cNvCxnSpPr/>
-          <p:nvPr/>
-        </p:nvCxnSpPr>
-        <p:spPr>
-          <a:xfrm rot="10800000">
-            <a:off x="3989980" y="2762968"/>
-            <a:ext cx="0" cy="709800"/>
-          </a:xfrm>
-          <a:prstGeom prst="straightConnector1">
-            <a:avLst/>
-          </a:prstGeom>
-          <a:noFill/>
-          <a:ln w="9525" cap="flat" cmpd="sng">
-            <a:solidFill>
-              <a:srgbClr val="000000"/>
-            </a:solidFill>
-            <a:prstDash val="solid"/>
-            <a:round/>
-            <a:headEnd type="none" w="med" len="med"/>
-            <a:tailEnd type="triangle" w="med" len="med"/>
-          </a:ln>
-        </p:spPr>
-      </p:cxnSp>
-      <p:sp>
-        <p:nvSpPr>
-          <p:cNvPr id="194" name="Google Shape;194;p24"/>
-          <p:cNvSpPr txBox="1"/>
-          <p:nvPr/>
-        </p:nvSpPr>
-        <p:spPr>
-          <a:xfrm>
-            <a:off x="3163146" y="3247843"/>
-            <a:ext cx="595500" cy="517200"/>
-          </a:xfrm>
-          <a:prstGeom prst="rect">
-            <a:avLst/>
-          </a:prstGeom>
-          <a:noFill/>
-          <a:ln>
-            <a:noFill/>
-          </a:ln>
-        </p:spPr>
-        <p:txBody>
-          <a:bodyPr spcFirstLastPara="1" wrap="square" lIns="91425" tIns="91425" rIns="91425" bIns="91425" anchor="t" anchorCtr="0">
-            <a:noAutofit/>
-          </a:bodyPr>
-          <a:lstStyle/>
-          <a:p>
-            <a:pPr marL="0" lvl="0" indent="0" algn="l" rtl="0">
-              <a:spcBef>
-                <a:spcPts val="0"/>
-              </a:spcBef>
-              <a:spcAft>
-                <a:spcPts val="0"/>
-              </a:spcAft>
-              <a:buNone/>
-            </a:pPr>
-            <a:r>
-              <a:rPr lang="en-GB">
-                <a:solidFill>
-                  <a:srgbClr val="000000"/>
-                </a:solidFill>
-                <a:latin typeface="Cabin"/>
-                <a:ea typeface="Cabin"/>
-                <a:cs typeface="Cabin"/>
-                <a:sym typeface="Cabin"/>
-              </a:rPr>
-              <a:t>𝛽</a:t>
-            </a:r>
-            <a:r>
-              <a:rPr lang="en-GB" baseline="-25000">
-                <a:solidFill>
-                  <a:srgbClr val="000000"/>
-                </a:solidFill>
-                <a:latin typeface="Cabin"/>
-                <a:ea typeface="Cabin"/>
-                <a:cs typeface="Cabin"/>
-                <a:sym typeface="Cabin"/>
-              </a:rPr>
-              <a:t>0</a:t>
-            </a:r>
-            <a:endParaRPr/>
-          </a:p>
-        </p:txBody>
-      </p:sp>
-      <p:sp>
-        <p:nvSpPr>
-          <p:cNvPr id="195" name="Google Shape;195;p24"/>
-          <p:cNvSpPr txBox="1"/>
-          <p:nvPr/>
-        </p:nvSpPr>
-        <p:spPr>
-          <a:xfrm>
-            <a:off x="858625" y="2258300"/>
-            <a:ext cx="2160900" cy="1906200"/>
-          </a:xfrm>
-          <a:prstGeom prst="rect">
-            <a:avLst/>
-          </a:prstGeom>
-          <a:noFill/>
-          <a:ln>
-            <a:noFill/>
-          </a:ln>
-        </p:spPr>
-        <p:txBody>
-          <a:bodyPr spcFirstLastPara="1" wrap="square" lIns="91425" tIns="91425" rIns="91425" bIns="91425" anchor="t" anchorCtr="0">
-            <a:noAutofit/>
-          </a:bodyPr>
-          <a:lstStyle/>
-          <a:p>
-            <a:pPr marL="0" lvl="0" indent="0" algn="l" rtl="0">
-              <a:spcBef>
-                <a:spcPts val="0"/>
-              </a:spcBef>
-              <a:spcAft>
-                <a:spcPts val="0"/>
-              </a:spcAft>
-              <a:buNone/>
-            </a:pPr>
-            <a:r>
-              <a:rPr lang="en-GB" sz="1500">
-                <a:latin typeface="Cabin"/>
-                <a:ea typeface="Cabin"/>
-                <a:cs typeface="Cabin"/>
-                <a:sym typeface="Cabin"/>
-              </a:rPr>
-              <a:t>Null hypothesis:</a:t>
-            </a:r>
-            <a:endParaRPr sz="1500">
-              <a:latin typeface="Cabin"/>
-              <a:ea typeface="Cabin"/>
-              <a:cs typeface="Cabin"/>
-              <a:sym typeface="Cabin"/>
-            </a:endParaRPr>
-          </a:p>
-          <a:p>
-            <a:pPr marL="0" lvl="0" indent="0" algn="l" rtl="0">
-              <a:spcBef>
-                <a:spcPts val="0"/>
-              </a:spcBef>
-              <a:spcAft>
-                <a:spcPts val="0"/>
-              </a:spcAft>
-              <a:buNone/>
-            </a:pPr>
-            <a:endParaRPr sz="1500">
-              <a:latin typeface="Cabin"/>
-              <a:ea typeface="Cabin"/>
-              <a:cs typeface="Cabin"/>
-              <a:sym typeface="Cabin"/>
-            </a:endParaRPr>
-          </a:p>
-          <a:p>
-            <a:pPr marL="0" lvl="0" indent="0" algn="l" rtl="0">
-              <a:spcBef>
-                <a:spcPts val="0"/>
-              </a:spcBef>
-              <a:spcAft>
-                <a:spcPts val="0"/>
-              </a:spcAft>
-              <a:buNone/>
-            </a:pPr>
-            <a:r>
-              <a:rPr lang="en-GB" sz="1500">
-                <a:solidFill>
-                  <a:schemeClr val="dk1"/>
-                </a:solidFill>
-                <a:latin typeface="Cabin"/>
-                <a:ea typeface="Cabin"/>
-                <a:cs typeface="Cabin"/>
-                <a:sym typeface="Cabin"/>
-              </a:rPr>
-              <a:t>Infected vs Uninfected</a:t>
-            </a:r>
-            <a:endParaRPr sz="1500">
-              <a:latin typeface="Cabin"/>
-              <a:ea typeface="Cabin"/>
-              <a:cs typeface="Cabin"/>
-              <a:sym typeface="Cabin"/>
-            </a:endParaRPr>
-          </a:p>
-          <a:p>
-            <a:pPr marL="0" lvl="0" indent="0" algn="l" rtl="0">
-              <a:spcBef>
-                <a:spcPts val="0"/>
-              </a:spcBef>
-              <a:spcAft>
-                <a:spcPts val="0"/>
-              </a:spcAft>
-              <a:buNone/>
-            </a:pPr>
-            <a:r>
-              <a:rPr lang="en-GB" sz="1500">
-                <a:solidFill>
-                  <a:srgbClr val="000000"/>
-                </a:solidFill>
-                <a:latin typeface="Cabin"/>
-                <a:ea typeface="Cabin"/>
-                <a:cs typeface="Cabin"/>
-                <a:sym typeface="Cabin"/>
-              </a:rPr>
-              <a:t>𝛽</a:t>
-            </a:r>
-            <a:r>
-              <a:rPr lang="en-GB" sz="1500" baseline="-25000">
-                <a:solidFill>
-                  <a:srgbClr val="000000"/>
-                </a:solidFill>
-                <a:latin typeface="Cabin"/>
-                <a:ea typeface="Cabin"/>
-                <a:cs typeface="Cabin"/>
-                <a:sym typeface="Cabin"/>
-              </a:rPr>
-              <a:t>1</a:t>
-            </a:r>
-            <a:r>
-              <a:rPr lang="en-GB" sz="1500">
-                <a:solidFill>
-                  <a:srgbClr val="000000"/>
-                </a:solidFill>
-                <a:latin typeface="Cabin"/>
-                <a:ea typeface="Cabin"/>
-                <a:cs typeface="Cabin"/>
-                <a:sym typeface="Cabin"/>
-              </a:rPr>
-              <a:t> = 0</a:t>
-            </a:r>
-            <a:endParaRPr sz="1500">
-              <a:solidFill>
-                <a:srgbClr val="000000"/>
-              </a:solidFill>
-              <a:latin typeface="Cabin"/>
-              <a:ea typeface="Cabin"/>
-              <a:cs typeface="Cabin"/>
-              <a:sym typeface="Cabin"/>
-            </a:endParaRPr>
-          </a:p>
-          <a:p>
-            <a:pPr marL="0" lvl="0" indent="0" algn="l" rtl="0">
-              <a:spcBef>
-                <a:spcPts val="0"/>
-              </a:spcBef>
-              <a:spcAft>
-                <a:spcPts val="0"/>
-              </a:spcAft>
-              <a:buNone/>
-            </a:pPr>
-            <a:endParaRPr sz="1500">
-              <a:latin typeface="Cabin"/>
-              <a:ea typeface="Cabin"/>
-              <a:cs typeface="Cabin"/>
-              <a:sym typeface="Cabin"/>
-            </a:endParaRPr>
-          </a:p>
-          <a:p>
-            <a:pPr marL="0" lvl="0" indent="0" algn="l" rtl="0">
-              <a:spcBef>
-                <a:spcPts val="0"/>
-              </a:spcBef>
-              <a:spcAft>
-                <a:spcPts val="0"/>
-              </a:spcAft>
-              <a:buNone/>
-            </a:pPr>
-            <a:r>
-              <a:rPr lang="en-GB" sz="1500">
-                <a:latin typeface="Cabin"/>
-                <a:ea typeface="Cabin"/>
-                <a:cs typeface="Cabin"/>
-                <a:sym typeface="Cabin"/>
-              </a:rPr>
-              <a:t>d33 vs d11</a:t>
-            </a:r>
-            <a:endParaRPr sz="1500">
-              <a:latin typeface="Cabin"/>
-              <a:ea typeface="Cabin"/>
-              <a:cs typeface="Cabin"/>
-              <a:sym typeface="Cabin"/>
-            </a:endParaRPr>
-          </a:p>
-          <a:p>
-            <a:pPr marL="0" lvl="0" indent="0" algn="l" rtl="0">
-              <a:spcBef>
-                <a:spcPts val="0"/>
-              </a:spcBef>
-              <a:spcAft>
-                <a:spcPts val="0"/>
-              </a:spcAft>
-              <a:buNone/>
-            </a:pPr>
-            <a:r>
-              <a:rPr lang="en-GB" sz="1500">
-                <a:solidFill>
-                  <a:srgbClr val="000000"/>
-                </a:solidFill>
-                <a:latin typeface="Cabin"/>
-                <a:ea typeface="Cabin"/>
-                <a:cs typeface="Cabin"/>
-                <a:sym typeface="Cabin"/>
-              </a:rPr>
-              <a:t>𝛽</a:t>
-            </a:r>
-            <a:r>
-              <a:rPr lang="en-GB" sz="1500" baseline="-25000">
-                <a:solidFill>
-                  <a:srgbClr val="000000"/>
-                </a:solidFill>
-                <a:latin typeface="Cabin"/>
-                <a:ea typeface="Cabin"/>
-                <a:cs typeface="Cabin"/>
-                <a:sym typeface="Cabin"/>
-              </a:rPr>
-              <a:t>2</a:t>
-            </a:r>
-            <a:r>
-              <a:rPr lang="en-GB" sz="1500">
-                <a:solidFill>
-                  <a:srgbClr val="000000"/>
-                </a:solidFill>
-                <a:latin typeface="Cabin"/>
-                <a:ea typeface="Cabin"/>
-                <a:cs typeface="Cabin"/>
-                <a:sym typeface="Cabin"/>
-              </a:rPr>
-              <a:t> = 0</a:t>
-            </a:r>
-            <a:endParaRPr sz="1500">
-              <a:solidFill>
-                <a:srgbClr val="000000"/>
-              </a:solidFill>
-              <a:latin typeface="Cabin"/>
-              <a:ea typeface="Cabin"/>
-              <a:cs typeface="Cabin"/>
-              <a:sym typeface="Cabin"/>
-            </a:endParaRPr>
-          </a:p>
-        </p:txBody>
-      </p:sp>
-      <p:sp>
-        <p:nvSpPr>
-          <p:cNvPr id="196" name="Google Shape;196;p24"/>
-          <p:cNvSpPr txBox="1"/>
-          <p:nvPr/>
-        </p:nvSpPr>
-        <p:spPr>
-          <a:xfrm>
-            <a:off x="3660310" y="3918610"/>
-            <a:ext cx="740100" cy="615600"/>
-          </a:xfrm>
-          <a:prstGeom prst="rect">
-            <a:avLst/>
-          </a:prstGeom>
-          <a:noFill/>
-          <a:ln>
-            <a:noFill/>
-          </a:ln>
-        </p:spPr>
-        <p:txBody>
-          <a:bodyPr spcFirstLastPara="1" wrap="square" lIns="91425" tIns="91425" rIns="91425" bIns="91425" anchor="t" anchorCtr="0">
-            <a:spAutoFit/>
-          </a:bodyPr>
-          <a:lstStyle/>
-          <a:p>
-            <a:pPr marL="0" lvl="0" indent="0" algn="ctr" rtl="0">
-              <a:spcBef>
-                <a:spcPts val="0"/>
-              </a:spcBef>
-              <a:spcAft>
-                <a:spcPts val="0"/>
-              </a:spcAft>
-              <a:buNone/>
-            </a:pPr>
-            <a:r>
-              <a:rPr lang="en-GB">
-                <a:latin typeface="Cabin"/>
-                <a:ea typeface="Cabin"/>
-                <a:cs typeface="Cabin"/>
-                <a:sym typeface="Cabin"/>
-              </a:rPr>
-              <a:t>In</a:t>
-            </a:r>
-            <a:endParaRPr>
-              <a:latin typeface="Cabin"/>
-              <a:ea typeface="Cabin"/>
-              <a:cs typeface="Cabin"/>
-              <a:sym typeface="Cabin"/>
-            </a:endParaRPr>
-          </a:p>
-          <a:p>
-            <a:pPr marL="0" lvl="0" indent="0" algn="ctr" rtl="0">
-              <a:spcBef>
-                <a:spcPts val="0"/>
-              </a:spcBef>
-              <a:spcAft>
-                <a:spcPts val="0"/>
-              </a:spcAft>
-              <a:buNone/>
-            </a:pPr>
-            <a:r>
-              <a:rPr lang="en-GB">
-                <a:latin typeface="Cabin"/>
-                <a:ea typeface="Cabin"/>
-                <a:cs typeface="Cabin"/>
-                <a:sym typeface="Cabin"/>
-              </a:rPr>
-              <a:t>d11</a:t>
-            </a:r>
-            <a:endParaRPr>
-              <a:latin typeface="Cabin"/>
-              <a:ea typeface="Cabin"/>
-              <a:cs typeface="Cabin"/>
-              <a:sym typeface="Cabin"/>
-            </a:endParaRPr>
-          </a:p>
-        </p:txBody>
-      </p:sp>
-      <p:sp>
-        <p:nvSpPr>
-          <p:cNvPr id="197" name="Google Shape;197;p24"/>
-          <p:cNvSpPr txBox="1"/>
-          <p:nvPr/>
-        </p:nvSpPr>
-        <p:spPr>
-          <a:xfrm>
-            <a:off x="4595223" y="3918610"/>
-            <a:ext cx="740100" cy="615600"/>
-          </a:xfrm>
-          <a:prstGeom prst="rect">
-            <a:avLst/>
-          </a:prstGeom>
-          <a:noFill/>
-          <a:ln>
-            <a:noFill/>
-          </a:ln>
-        </p:spPr>
-        <p:txBody>
-          <a:bodyPr spcFirstLastPara="1" wrap="square" lIns="91425" tIns="91425" rIns="91425" bIns="91425" anchor="t" anchorCtr="0">
-            <a:spAutoFit/>
-          </a:bodyPr>
-          <a:lstStyle/>
-          <a:p>
-            <a:pPr marL="0" lvl="0" indent="0" algn="ctr" rtl="0">
-              <a:spcBef>
-                <a:spcPts val="0"/>
-              </a:spcBef>
-              <a:spcAft>
-                <a:spcPts val="0"/>
-              </a:spcAft>
-              <a:buNone/>
-            </a:pPr>
-            <a:r>
-              <a:rPr lang="en-GB">
-                <a:latin typeface="Cabin"/>
-                <a:ea typeface="Cabin"/>
-                <a:cs typeface="Cabin"/>
-                <a:sym typeface="Cabin"/>
-              </a:rPr>
-              <a:t>In</a:t>
-            </a:r>
-            <a:endParaRPr>
-              <a:latin typeface="Cabin"/>
-              <a:ea typeface="Cabin"/>
-              <a:cs typeface="Cabin"/>
-              <a:sym typeface="Cabin"/>
-            </a:endParaRPr>
-          </a:p>
-          <a:p>
-            <a:pPr marL="0" lvl="0" indent="0" algn="ctr" rtl="0">
-              <a:spcBef>
-                <a:spcPts val="0"/>
-              </a:spcBef>
-              <a:spcAft>
-                <a:spcPts val="0"/>
-              </a:spcAft>
-              <a:buNone/>
-            </a:pPr>
-            <a:r>
-              <a:rPr lang="en-GB">
-                <a:latin typeface="Cabin"/>
-                <a:ea typeface="Cabin"/>
-                <a:cs typeface="Cabin"/>
-                <a:sym typeface="Cabin"/>
-              </a:rPr>
-              <a:t>d33</a:t>
-            </a:r>
-            <a:endParaRPr>
-              <a:latin typeface="Cabin"/>
-              <a:ea typeface="Cabin"/>
-              <a:cs typeface="Cabin"/>
-              <a:sym typeface="Cabin"/>
-            </a:endParaRPr>
-          </a:p>
-        </p:txBody>
-      </p:sp>
-      <p:sp>
-        <p:nvSpPr>
-          <p:cNvPr id="198" name="Google Shape;198;p24"/>
-          <p:cNvSpPr txBox="1"/>
-          <p:nvPr/>
-        </p:nvSpPr>
-        <p:spPr>
-          <a:xfrm>
-            <a:off x="5448525" y="946650"/>
-            <a:ext cx="3443100" cy="1369800"/>
-          </a:xfrm>
-          <a:prstGeom prst="rect">
-            <a:avLst/>
-          </a:prstGeom>
-          <a:noFill/>
-          <a:ln>
-            <a:noFill/>
-          </a:ln>
-        </p:spPr>
-        <p:txBody>
-          <a:bodyPr spcFirstLastPara="1" wrap="square" lIns="91425" tIns="91425" rIns="91425" bIns="91425" anchor="t" anchorCtr="0">
-            <a:spAutoFit/>
-          </a:bodyPr>
-          <a:lstStyle/>
-          <a:p>
-            <a:pPr marL="0" lvl="0" indent="0" algn="l" rtl="0">
-              <a:lnSpc>
-                <a:spcPct val="150000"/>
-              </a:lnSpc>
-              <a:spcBef>
-                <a:spcPts val="0"/>
-              </a:spcBef>
-              <a:spcAft>
-                <a:spcPts val="0"/>
-              </a:spcAft>
-              <a:buNone/>
-            </a:pPr>
-            <a:r>
-              <a:rPr lang="en-GB">
-                <a:latin typeface="Cabin"/>
-                <a:ea typeface="Cabin"/>
-                <a:cs typeface="Cabin"/>
-                <a:sym typeface="Cabin"/>
-              </a:rPr>
-              <a:t>DESeq coefficient names:</a:t>
-            </a:r>
-            <a:endParaRPr>
-              <a:latin typeface="Cabin"/>
-              <a:ea typeface="Cabin"/>
-              <a:cs typeface="Cabin"/>
-              <a:sym typeface="Cabin"/>
-            </a:endParaRPr>
-          </a:p>
-          <a:p>
-            <a:pPr marL="457200" lvl="0" indent="0" algn="l" rtl="0">
-              <a:lnSpc>
-                <a:spcPct val="150000"/>
-              </a:lnSpc>
-              <a:spcBef>
-                <a:spcPts val="0"/>
-              </a:spcBef>
-              <a:spcAft>
-                <a:spcPts val="0"/>
-              </a:spcAft>
-              <a:buNone/>
-            </a:pPr>
-            <a:r>
-              <a:rPr lang="en-GB">
-                <a:latin typeface="Cabin"/>
-                <a:ea typeface="Cabin"/>
-                <a:cs typeface="Cabin"/>
-                <a:sym typeface="Cabin"/>
-              </a:rPr>
-              <a:t>𝛽</a:t>
-            </a:r>
-            <a:r>
-              <a:rPr lang="en-GB" baseline="-25000">
-                <a:latin typeface="Cabin"/>
-                <a:ea typeface="Cabin"/>
-                <a:cs typeface="Cabin"/>
-                <a:sym typeface="Cabin"/>
-              </a:rPr>
-              <a:t>0</a:t>
-            </a:r>
-            <a:r>
-              <a:rPr lang="en-GB">
-                <a:latin typeface="Cabin"/>
-                <a:ea typeface="Cabin"/>
-                <a:cs typeface="Cabin"/>
-                <a:sym typeface="Cabin"/>
-              </a:rPr>
-              <a:t> → Intercept</a:t>
-            </a:r>
-            <a:endParaRPr>
-              <a:latin typeface="Cabin"/>
-              <a:ea typeface="Cabin"/>
-              <a:cs typeface="Cabin"/>
-              <a:sym typeface="Cabin"/>
-            </a:endParaRPr>
-          </a:p>
-          <a:p>
-            <a:pPr marL="457200" lvl="0" indent="0" algn="l" rtl="0">
-              <a:lnSpc>
-                <a:spcPct val="150000"/>
-              </a:lnSpc>
-              <a:spcBef>
-                <a:spcPts val="0"/>
-              </a:spcBef>
-              <a:spcAft>
-                <a:spcPts val="0"/>
-              </a:spcAft>
-              <a:buNone/>
-            </a:pPr>
-            <a:r>
-              <a:rPr lang="en-GB">
-                <a:latin typeface="Cabin"/>
-                <a:ea typeface="Cabin"/>
-                <a:cs typeface="Cabin"/>
-                <a:sym typeface="Cabin"/>
-              </a:rPr>
-              <a:t>𝛽</a:t>
-            </a:r>
-            <a:r>
-              <a:rPr lang="en-GB" baseline="-25000">
-                <a:latin typeface="Cabin"/>
-                <a:ea typeface="Cabin"/>
-                <a:cs typeface="Cabin"/>
-                <a:sym typeface="Cabin"/>
-              </a:rPr>
-              <a:t>1</a:t>
-            </a:r>
-            <a:r>
-              <a:rPr lang="en-GB">
-                <a:latin typeface="Cabin"/>
-                <a:ea typeface="Cabin"/>
-                <a:cs typeface="Cabin"/>
-                <a:sym typeface="Cabin"/>
-              </a:rPr>
-              <a:t> → Status_Infected_vs_Uninfected</a:t>
-            </a:r>
-            <a:endParaRPr>
-              <a:latin typeface="Cabin"/>
-              <a:ea typeface="Cabin"/>
-              <a:cs typeface="Cabin"/>
-              <a:sym typeface="Cabin"/>
-            </a:endParaRPr>
-          </a:p>
-          <a:p>
-            <a:pPr marL="457200" lvl="0" indent="0" algn="l" rtl="0">
-              <a:lnSpc>
-                <a:spcPct val="150000"/>
-              </a:lnSpc>
-              <a:spcBef>
-                <a:spcPts val="0"/>
-              </a:spcBef>
-              <a:spcAft>
-                <a:spcPts val="0"/>
-              </a:spcAft>
-              <a:buNone/>
-            </a:pPr>
-            <a:r>
-              <a:rPr lang="en-GB">
-                <a:latin typeface="Cabin"/>
-                <a:ea typeface="Cabin"/>
-                <a:cs typeface="Cabin"/>
-                <a:sym typeface="Cabin"/>
-              </a:rPr>
-              <a:t>𝛽</a:t>
-            </a:r>
-            <a:r>
-              <a:rPr lang="en-GB" baseline="-25000">
-                <a:latin typeface="Cabin"/>
-                <a:ea typeface="Cabin"/>
-                <a:cs typeface="Cabin"/>
-                <a:sym typeface="Cabin"/>
-              </a:rPr>
-              <a:t>2</a:t>
-            </a:r>
-            <a:r>
-              <a:rPr lang="en-GB">
-                <a:latin typeface="Cabin"/>
-                <a:ea typeface="Cabin"/>
-                <a:cs typeface="Cabin"/>
-                <a:sym typeface="Cabin"/>
-              </a:rPr>
-              <a:t> → TimePoint_d33_vs_d11</a:t>
-            </a:r>
-            <a:endParaRPr>
-              <a:latin typeface="Cabin"/>
-              <a:ea typeface="Cabin"/>
-              <a:cs typeface="Cabin"/>
-              <a:sym typeface="Cabin"/>
-            </a:endParaRPr>
           </a:p>
         </p:txBody>
       </p:sp>
     </p:spTree>
+    <p:extLst>
+      <p:ext uri="{BB962C8B-B14F-4D97-AF65-F5344CB8AC3E}">
+        <p14:creationId xmlns:p14="http://schemas.microsoft.com/office/powerpoint/2010/main" val="622742249"/>
+      </p:ext>
+    </p:extLst>
   </p:cSld>
   <p:clrMapOvr>
     <a:masterClrMapping/>
